--- a/Murakami_intermediate_announcement.pptx
+++ b/Murakami_intermediate_announcement.pptx
@@ -3964,6 +3964,13 @@
         </dgm:presLayoutVars>
       </dgm:prSet>
       <dgm:spPr/>
+      <dgm:t>
+        <a:bodyPr/>
+        <a:lstStyle/>
+        <a:p>
+          <a:endParaRPr kumimoji="1" lang="ja-JP" altLang="en-US"/>
+        </a:p>
+      </dgm:t>
     </dgm:pt>
     <dgm:pt modelId="{69E48AB0-CBB0-684C-8065-D99D0B73F6F6}" type="pres">
       <dgm:prSet presAssocID="{1DCCAEEA-FAB1-0141-96C1-77A9DCBE6DE1}" presName="hierRoot1" presStyleCnt="0">
@@ -3995,6 +4002,13 @@
     <dgm:pt modelId="{201517C3-9BC2-0347-90EB-C715E774448A}" type="pres">
       <dgm:prSet presAssocID="{1DCCAEEA-FAB1-0141-96C1-77A9DCBE6DE1}" presName="rootConnector1" presStyleLbl="node1" presStyleIdx="0" presStyleCnt="0"/>
       <dgm:spPr/>
+      <dgm:t>
+        <a:bodyPr/>
+        <a:lstStyle/>
+        <a:p>
+          <a:endParaRPr kumimoji="1" lang="ja-JP" altLang="en-US"/>
+        </a:p>
+      </dgm:t>
     </dgm:pt>
     <dgm:pt modelId="{C943845F-C7E1-9E42-9106-F240D230E101}" type="pres">
       <dgm:prSet presAssocID="{1DCCAEEA-FAB1-0141-96C1-77A9DCBE6DE1}" presName="hierChild2" presStyleCnt="0"/>
@@ -4034,6 +4048,13 @@
     <dgm:pt modelId="{B35D3D8E-9597-4D43-BDDE-32790825A50B}" type="pres">
       <dgm:prSet presAssocID="{E2BEC139-F252-C147-A317-73513B1C96B7}" presName="rootConnector1" presStyleLbl="node1" presStyleIdx="0" presStyleCnt="0"/>
       <dgm:spPr/>
+      <dgm:t>
+        <a:bodyPr/>
+        <a:lstStyle/>
+        <a:p>
+          <a:endParaRPr kumimoji="1" lang="ja-JP" altLang="en-US"/>
+        </a:p>
+      </dgm:t>
     </dgm:pt>
     <dgm:pt modelId="{E004D530-30CB-0742-A3D9-1F806DCF9659}" type="pres">
       <dgm:prSet presAssocID="{E2BEC139-F252-C147-A317-73513B1C96B7}" presName="hierChild2" presStyleCnt="0"/>
@@ -4045,13 +4066,13 @@
     </dgm:pt>
   </dgm:ptLst>
   <dgm:cxnLst>
+    <dgm:cxn modelId="{4D8AEF70-14A2-5A42-8317-C412DA5862E8}" type="presOf" srcId="{E2BEC139-F252-C147-A317-73513B1C96B7}" destId="{B042FDCF-DD26-914D-918E-FD94767820D6}" srcOrd="0" destOrd="0" presId="urn:microsoft.com/office/officeart/2005/8/layout/orgChart1"/>
+    <dgm:cxn modelId="{E28A87C2-D3EE-2C4E-BE95-9D6626679070}" type="presOf" srcId="{832DC0DE-7B41-7547-9F92-CBE902BB192D}" destId="{914CBDBA-73C0-1A4B-BCDF-BCB01A21BFF9}" srcOrd="0" destOrd="0" presId="urn:microsoft.com/office/officeart/2005/8/layout/orgChart1"/>
     <dgm:cxn modelId="{326C5061-041E-AB41-92D6-353D9F41AA2C}" type="presOf" srcId="{E2BEC139-F252-C147-A317-73513B1C96B7}" destId="{B35D3D8E-9597-4D43-BDDE-32790825A50B}" srcOrd="1" destOrd="0" presId="urn:microsoft.com/office/officeart/2005/8/layout/orgChart1"/>
-    <dgm:cxn modelId="{E28A87C2-D3EE-2C4E-BE95-9D6626679070}" type="presOf" srcId="{832DC0DE-7B41-7547-9F92-CBE902BB192D}" destId="{914CBDBA-73C0-1A4B-BCDF-BCB01A21BFF9}" srcOrd="0" destOrd="0" presId="urn:microsoft.com/office/officeart/2005/8/layout/orgChart1"/>
     <dgm:cxn modelId="{078B9C2C-CAB8-A348-90D8-528D17CB40E8}" type="presOf" srcId="{1DCCAEEA-FAB1-0141-96C1-77A9DCBE6DE1}" destId="{7080CCF0-622D-B648-865E-A3DC63935479}" srcOrd="0" destOrd="0" presId="urn:microsoft.com/office/officeart/2005/8/layout/orgChart1"/>
+    <dgm:cxn modelId="{7C525855-46F8-C747-AD36-FCE20158E4AB}" type="presOf" srcId="{1DCCAEEA-FAB1-0141-96C1-77A9DCBE6DE1}" destId="{201517C3-9BC2-0347-90EB-C715E774448A}" srcOrd="1" destOrd="0" presId="urn:microsoft.com/office/officeart/2005/8/layout/orgChart1"/>
+    <dgm:cxn modelId="{5D1F59EC-D4A7-1741-B6F9-CB38FDB3FE92}" srcId="{832DC0DE-7B41-7547-9F92-CBE902BB192D}" destId="{1DCCAEEA-FAB1-0141-96C1-77A9DCBE6DE1}" srcOrd="0" destOrd="0" parTransId="{09114167-BF4B-2742-861E-07ED98F16956}" sibTransId="{BB08EAEC-2601-9946-A5B3-72440DF50621}"/>
     <dgm:cxn modelId="{67C8EBC0-1969-C345-9B42-9002A319E28C}" srcId="{832DC0DE-7B41-7547-9F92-CBE902BB192D}" destId="{E2BEC139-F252-C147-A317-73513B1C96B7}" srcOrd="1" destOrd="0" parTransId="{3E72C678-7E2D-E243-85AC-4DFFAD521384}" sibTransId="{5FB10293-8E95-1145-978B-04BB388DB3A8}"/>
-    <dgm:cxn modelId="{5D1F59EC-D4A7-1741-B6F9-CB38FDB3FE92}" srcId="{832DC0DE-7B41-7547-9F92-CBE902BB192D}" destId="{1DCCAEEA-FAB1-0141-96C1-77A9DCBE6DE1}" srcOrd="0" destOrd="0" parTransId="{09114167-BF4B-2742-861E-07ED98F16956}" sibTransId="{BB08EAEC-2601-9946-A5B3-72440DF50621}"/>
-    <dgm:cxn modelId="{4D8AEF70-14A2-5A42-8317-C412DA5862E8}" type="presOf" srcId="{E2BEC139-F252-C147-A317-73513B1C96B7}" destId="{B042FDCF-DD26-914D-918E-FD94767820D6}" srcOrd="0" destOrd="0" presId="urn:microsoft.com/office/officeart/2005/8/layout/orgChart1"/>
-    <dgm:cxn modelId="{7C525855-46F8-C747-AD36-FCE20158E4AB}" type="presOf" srcId="{1DCCAEEA-FAB1-0141-96C1-77A9DCBE6DE1}" destId="{201517C3-9BC2-0347-90EB-C715E774448A}" srcOrd="1" destOrd="0" presId="urn:microsoft.com/office/officeart/2005/8/layout/orgChart1"/>
     <dgm:cxn modelId="{EC31A8F6-34F2-794B-AA87-B2BA84808785}" type="presParOf" srcId="{914CBDBA-73C0-1A4B-BCDF-BCB01A21BFF9}" destId="{69E48AB0-CBB0-684C-8065-D99D0B73F6F6}" srcOrd="0" destOrd="0" presId="urn:microsoft.com/office/officeart/2005/8/layout/orgChart1"/>
     <dgm:cxn modelId="{077496D3-50DE-604A-B920-48CCA3F0AF4E}" type="presParOf" srcId="{69E48AB0-CBB0-684C-8065-D99D0B73F6F6}" destId="{66BDA620-CFEE-4D4B-885B-69675C46A650}" srcOrd="0" destOrd="0" presId="urn:microsoft.com/office/officeart/2005/8/layout/orgChart1"/>
     <dgm:cxn modelId="{85A12B63-AAD2-5D45-921E-5C629EFA5F5A}" type="presParOf" srcId="{66BDA620-CFEE-4D4B-885B-69675C46A650}" destId="{7080CCF0-622D-B648-865E-A3DC63935479}" srcOrd="0" destOrd="0" presId="urn:microsoft.com/office/officeart/2005/8/layout/orgChart1"/>
@@ -4103,11 +4124,7 @@
           <a:pPr rtl="0"/>
           <a:r>
             <a:rPr kumimoji="1" lang="ja-JP" altLang="en-US" b="1" dirty="0" smtClean="0"/>
-            <a:t>物理現象の視覚化プログラム</a:t>
-          </a:r>
-          <a:r>
-            <a:rPr kumimoji="1" lang="ja-JP" altLang="en-US" b="1" dirty="0" smtClean="0"/>
-            <a:t>を活用し</a:t>
+            <a:t>物理現象の視覚化プログラムを活用し</a:t>
           </a:r>
           <a:r>
             <a:rPr kumimoji="1" lang="en-US" altLang="ja-JP" b="1" dirty="0" smtClean="0"/>
@@ -4115,11 +4132,7 @@
           </a:r>
           <a:r>
             <a:rPr kumimoji="1" lang="ja-JP" altLang="en-US" b="1" dirty="0" smtClean="0"/>
-            <a:t>生徒に</a:t>
-          </a:r>
-          <a:r>
-            <a:rPr kumimoji="1" lang="ja-JP" altLang="en-US" b="1" dirty="0" smtClean="0"/>
-            <a:t>直観的な理解を促す</a:t>
+            <a:t>生徒に直観的な理解を促す</a:t>
           </a:r>
           <a:endParaRPr lang="ja-JP" altLang="en-US" dirty="0"/>
         </a:p>
@@ -4155,6 +4168,13 @@
         </dgm:presLayoutVars>
       </dgm:prSet>
       <dgm:spPr/>
+      <dgm:t>
+        <a:bodyPr/>
+        <a:lstStyle/>
+        <a:p>
+          <a:endParaRPr kumimoji="1" lang="ja-JP" altLang="en-US"/>
+        </a:p>
+      </dgm:t>
     </dgm:pt>
     <dgm:pt modelId="{347479A2-5968-D74E-94DB-E41CE1B7EC80}" type="pres">
       <dgm:prSet presAssocID="{69688087-3BEE-094D-9CC8-24F588899E63}" presName="node" presStyleLbl="node1" presStyleIdx="0" presStyleCnt="1">
@@ -4383,6 +4403,13 @@
         </dgm:presLayoutVars>
       </dgm:prSet>
       <dgm:spPr/>
+      <dgm:t>
+        <a:bodyPr/>
+        <a:lstStyle/>
+        <a:p>
+          <a:endParaRPr kumimoji="1" lang="ja-JP" altLang="en-US"/>
+        </a:p>
+      </dgm:t>
     </dgm:pt>
     <dgm:pt modelId="{C0905867-D74E-DA41-87FD-31A59ACC446B}" type="pres">
       <dgm:prSet presAssocID="{6E9B7A27-FCC8-CA49-947D-6FD94841E7F3}" presName="root" presStyleCnt="0"/>
@@ -4395,10 +4422,24 @@
     <dgm:pt modelId="{ECD439B4-8CC1-F842-A459-BA11C7B22CE6}" type="pres">
       <dgm:prSet presAssocID="{6E9B7A27-FCC8-CA49-947D-6FD94841E7F3}" presName="rootText" presStyleLbl="node1" presStyleIdx="0" presStyleCnt="1" custScaleX="363121"/>
       <dgm:spPr/>
+      <dgm:t>
+        <a:bodyPr/>
+        <a:lstStyle/>
+        <a:p>
+          <a:endParaRPr kumimoji="1" lang="ja-JP" altLang="en-US"/>
+        </a:p>
+      </dgm:t>
     </dgm:pt>
     <dgm:pt modelId="{1AC78A20-F62C-114E-AF0E-B1EBE58A92B5}" type="pres">
       <dgm:prSet presAssocID="{6E9B7A27-FCC8-CA49-947D-6FD94841E7F3}" presName="rootConnector" presStyleLbl="node1" presStyleIdx="0" presStyleCnt="1"/>
       <dgm:spPr/>
+      <dgm:t>
+        <a:bodyPr/>
+        <a:lstStyle/>
+        <a:p>
+          <a:endParaRPr kumimoji="1" lang="ja-JP" altLang="en-US"/>
+        </a:p>
+      </dgm:t>
     </dgm:pt>
     <dgm:pt modelId="{65E31835-C2AF-364C-B0F4-5DD15AEE2292}" type="pres">
       <dgm:prSet presAssocID="{6E9B7A27-FCC8-CA49-947D-6FD94841E7F3}" presName="childShape" presStyleCnt="0"/>
@@ -4407,6 +4448,13 @@
     <dgm:pt modelId="{01D8FAF8-273A-5F42-B80C-95F9F1BD6CD7}" type="pres">
       <dgm:prSet presAssocID="{A264ECC9-844E-7D44-9113-21CFA2FD7AC4}" presName="Name13" presStyleLbl="parChTrans1D2" presStyleIdx="0" presStyleCnt="2"/>
       <dgm:spPr/>
+      <dgm:t>
+        <a:bodyPr/>
+        <a:lstStyle/>
+        <a:p>
+          <a:endParaRPr kumimoji="1" lang="ja-JP" altLang="en-US"/>
+        </a:p>
+      </dgm:t>
     </dgm:pt>
     <dgm:pt modelId="{03174683-EDA3-8F43-8532-8231252C9FB7}" type="pres">
       <dgm:prSet presAssocID="{5899DEE0-CADB-F44D-B92C-4513E37033C3}" presName="childText" presStyleLbl="bgAcc1" presStyleIdx="0" presStyleCnt="2" custScaleX="302740">
@@ -4415,10 +4463,24 @@
         </dgm:presLayoutVars>
       </dgm:prSet>
       <dgm:spPr/>
+      <dgm:t>
+        <a:bodyPr/>
+        <a:lstStyle/>
+        <a:p>
+          <a:endParaRPr kumimoji="1" lang="ja-JP" altLang="en-US"/>
+        </a:p>
+      </dgm:t>
     </dgm:pt>
     <dgm:pt modelId="{1407117A-AD28-C840-812C-0111E58CD679}" type="pres">
       <dgm:prSet presAssocID="{6A308E14-37F6-BA42-9B4E-902C4D35FDC1}" presName="Name13" presStyleLbl="parChTrans1D2" presStyleIdx="1" presStyleCnt="2"/>
       <dgm:spPr/>
+      <dgm:t>
+        <a:bodyPr/>
+        <a:lstStyle/>
+        <a:p>
+          <a:endParaRPr kumimoji="1" lang="ja-JP" altLang="en-US"/>
+        </a:p>
+      </dgm:t>
     </dgm:pt>
     <dgm:pt modelId="{7B7DDB90-3590-8845-BE1D-DB1FE36F4CB6}" type="pres">
       <dgm:prSet presAssocID="{8A1294F2-BF53-044B-A50F-5FE9D5F06C71}" presName="childText" presStyleLbl="bgAcc1" presStyleIdx="1" presStyleCnt="2" custScaleX="300666">
@@ -4437,16 +4499,16 @@
     </dgm:pt>
   </dgm:ptLst>
   <dgm:cxnLst>
+    <dgm:cxn modelId="{13E74B73-3EAF-404D-810E-E722AB63BF0A}" srcId="{C172950E-9CAB-F349-825F-42DF2BAE452E}" destId="{6E9B7A27-FCC8-CA49-947D-6FD94841E7F3}" srcOrd="0" destOrd="0" parTransId="{122DB3B3-EB2F-7C47-90DB-03F730EB99BC}" sibTransId="{704C4C40-D3D1-214B-A970-058A82AC3ED1}"/>
+    <dgm:cxn modelId="{5AA75CCB-08FC-204B-B6E5-9272E6C1D5AD}" type="presOf" srcId="{8A1294F2-BF53-044B-A50F-5FE9D5F06C71}" destId="{7B7DDB90-3590-8845-BE1D-DB1FE36F4CB6}" srcOrd="0" destOrd="0" presId="urn:microsoft.com/office/officeart/2005/8/layout/hierarchy3"/>
+    <dgm:cxn modelId="{4BF18E41-A5B0-AF49-A589-6FD4306665F0}" srcId="{6E9B7A27-FCC8-CA49-947D-6FD94841E7F3}" destId="{8A1294F2-BF53-044B-A50F-5FE9D5F06C71}" srcOrd="1" destOrd="0" parTransId="{6A308E14-37F6-BA42-9B4E-902C4D35FDC1}" sibTransId="{47524B74-B858-4E44-96D4-807F5BCAA229}"/>
+    <dgm:cxn modelId="{51092F26-FD51-424E-B8E0-DDC0E755A5DE}" type="presOf" srcId="{5899DEE0-CADB-F44D-B92C-4513E37033C3}" destId="{03174683-EDA3-8F43-8532-8231252C9FB7}" srcOrd="0" destOrd="0" presId="urn:microsoft.com/office/officeart/2005/8/layout/hierarchy3"/>
+    <dgm:cxn modelId="{79C5BE6E-6CC5-A345-8AC0-F31E686C8637}" type="presOf" srcId="{6E9B7A27-FCC8-CA49-947D-6FD94841E7F3}" destId="{ECD439B4-8CC1-F842-A459-BA11C7B22CE6}" srcOrd="0" destOrd="0" presId="urn:microsoft.com/office/officeart/2005/8/layout/hierarchy3"/>
+    <dgm:cxn modelId="{F6D4385F-B829-7648-B2DC-58AA029F6E30}" srcId="{6E9B7A27-FCC8-CA49-947D-6FD94841E7F3}" destId="{5899DEE0-CADB-F44D-B92C-4513E37033C3}" srcOrd="0" destOrd="0" parTransId="{A264ECC9-844E-7D44-9113-21CFA2FD7AC4}" sibTransId="{37839A4E-07B8-594E-B7CA-21ADFF210AC0}"/>
+    <dgm:cxn modelId="{F5CA1742-7E8B-FC48-A073-811B70981453}" type="presOf" srcId="{6A308E14-37F6-BA42-9B4E-902C4D35FDC1}" destId="{1407117A-AD28-C840-812C-0111E58CD679}" srcOrd="0" destOrd="0" presId="urn:microsoft.com/office/officeart/2005/8/layout/hierarchy3"/>
+    <dgm:cxn modelId="{38477556-F282-EF40-A91F-626F6AD04C81}" type="presOf" srcId="{A264ECC9-844E-7D44-9113-21CFA2FD7AC4}" destId="{01D8FAF8-273A-5F42-B80C-95F9F1BD6CD7}" srcOrd="0" destOrd="0" presId="urn:microsoft.com/office/officeart/2005/8/layout/hierarchy3"/>
     <dgm:cxn modelId="{4D102E7B-BA06-CD46-883D-14EE9F66A152}" type="presOf" srcId="{6E9B7A27-FCC8-CA49-947D-6FD94841E7F3}" destId="{1AC78A20-F62C-114E-AF0E-B1EBE58A92B5}" srcOrd="1" destOrd="0" presId="urn:microsoft.com/office/officeart/2005/8/layout/hierarchy3"/>
-    <dgm:cxn modelId="{F6D4385F-B829-7648-B2DC-58AA029F6E30}" srcId="{6E9B7A27-FCC8-CA49-947D-6FD94841E7F3}" destId="{5899DEE0-CADB-F44D-B92C-4513E37033C3}" srcOrd="0" destOrd="0" parTransId="{A264ECC9-844E-7D44-9113-21CFA2FD7AC4}" sibTransId="{37839A4E-07B8-594E-B7CA-21ADFF210AC0}"/>
-    <dgm:cxn modelId="{51092F26-FD51-424E-B8E0-DDC0E755A5DE}" type="presOf" srcId="{5899DEE0-CADB-F44D-B92C-4513E37033C3}" destId="{03174683-EDA3-8F43-8532-8231252C9FB7}" srcOrd="0" destOrd="0" presId="urn:microsoft.com/office/officeart/2005/8/layout/hierarchy3"/>
-    <dgm:cxn modelId="{13E74B73-3EAF-404D-810E-E722AB63BF0A}" srcId="{C172950E-9CAB-F349-825F-42DF2BAE452E}" destId="{6E9B7A27-FCC8-CA49-947D-6FD94841E7F3}" srcOrd="0" destOrd="0" parTransId="{122DB3B3-EB2F-7C47-90DB-03F730EB99BC}" sibTransId="{704C4C40-D3D1-214B-A970-058A82AC3ED1}"/>
-    <dgm:cxn modelId="{38477556-F282-EF40-A91F-626F6AD04C81}" type="presOf" srcId="{A264ECC9-844E-7D44-9113-21CFA2FD7AC4}" destId="{01D8FAF8-273A-5F42-B80C-95F9F1BD6CD7}" srcOrd="0" destOrd="0" presId="urn:microsoft.com/office/officeart/2005/8/layout/hierarchy3"/>
-    <dgm:cxn modelId="{F5CA1742-7E8B-FC48-A073-811B70981453}" type="presOf" srcId="{6A308E14-37F6-BA42-9B4E-902C4D35FDC1}" destId="{1407117A-AD28-C840-812C-0111E58CD679}" srcOrd="0" destOrd="0" presId="urn:microsoft.com/office/officeart/2005/8/layout/hierarchy3"/>
     <dgm:cxn modelId="{E3000FA4-A80A-7D44-ADCD-D1BAC09F9D76}" type="presOf" srcId="{C172950E-9CAB-F349-825F-42DF2BAE452E}" destId="{23553640-2170-C742-BC60-A28D7F38F4A4}" srcOrd="0" destOrd="0" presId="urn:microsoft.com/office/officeart/2005/8/layout/hierarchy3"/>
-    <dgm:cxn modelId="{79C5BE6E-6CC5-A345-8AC0-F31E686C8637}" type="presOf" srcId="{6E9B7A27-FCC8-CA49-947D-6FD94841E7F3}" destId="{ECD439B4-8CC1-F842-A459-BA11C7B22CE6}" srcOrd="0" destOrd="0" presId="urn:microsoft.com/office/officeart/2005/8/layout/hierarchy3"/>
-    <dgm:cxn modelId="{4BF18E41-A5B0-AF49-A589-6FD4306665F0}" srcId="{6E9B7A27-FCC8-CA49-947D-6FD94841E7F3}" destId="{8A1294F2-BF53-044B-A50F-5FE9D5F06C71}" srcOrd="1" destOrd="0" parTransId="{6A308E14-37F6-BA42-9B4E-902C4D35FDC1}" sibTransId="{47524B74-B858-4E44-96D4-807F5BCAA229}"/>
-    <dgm:cxn modelId="{5AA75CCB-08FC-204B-B6E5-9272E6C1D5AD}" type="presOf" srcId="{8A1294F2-BF53-044B-A50F-5FE9D5F06C71}" destId="{7B7DDB90-3590-8845-BE1D-DB1FE36F4CB6}" srcOrd="0" destOrd="0" presId="urn:microsoft.com/office/officeart/2005/8/layout/hierarchy3"/>
     <dgm:cxn modelId="{B9B7FE86-0A92-154D-B86D-811FB88B3576}" type="presParOf" srcId="{23553640-2170-C742-BC60-A28D7F38F4A4}" destId="{C0905867-D74E-DA41-87FD-31A59ACC446B}" srcOrd="0" destOrd="0" presId="urn:microsoft.com/office/officeart/2005/8/layout/hierarchy3"/>
     <dgm:cxn modelId="{6E8A8FD3-7B6F-084B-A5FF-FD3DFCF0A82C}" type="presParOf" srcId="{C0905867-D74E-DA41-87FD-31A59ACC446B}" destId="{F6038E81-8CA2-8746-9F65-664C68F2784B}" srcOrd="0" destOrd="0" presId="urn:microsoft.com/office/officeart/2005/8/layout/hierarchy3"/>
     <dgm:cxn modelId="{A59530B9-B05A-564C-BDD8-23D877B822F6}" type="presParOf" srcId="{F6038E81-8CA2-8746-9F65-664C68F2784B}" destId="{ECD439B4-8CC1-F842-A459-BA11C7B22CE6}" srcOrd="0" destOrd="0" presId="urn:microsoft.com/office/officeart/2005/8/layout/hierarchy3"/>
@@ -4679,6 +4741,13 @@
         </dgm:presLayoutVars>
       </dgm:prSet>
       <dgm:spPr/>
+      <dgm:t>
+        <a:bodyPr/>
+        <a:lstStyle/>
+        <a:p>
+          <a:endParaRPr kumimoji="1" lang="ja-JP" altLang="en-US"/>
+        </a:p>
+      </dgm:t>
     </dgm:pt>
     <dgm:pt modelId="{97292B3B-E159-9C40-8BDC-BDB14D684BC2}" type="pres">
       <dgm:prSet presAssocID="{DBF5B8AA-8571-9544-9CFB-97A8D12A35AA}" presName="root" presStyleCnt="0"/>
@@ -4691,10 +4760,24 @@
     <dgm:pt modelId="{9055DBE3-C591-844E-9279-7EF988C3AC86}" type="pres">
       <dgm:prSet presAssocID="{DBF5B8AA-8571-9544-9CFB-97A8D12A35AA}" presName="rootText" presStyleLbl="node1" presStyleIdx="0" presStyleCnt="2" custLinFactNeighborX="-46753" custLinFactNeighborY="-167"/>
       <dgm:spPr/>
+      <dgm:t>
+        <a:bodyPr/>
+        <a:lstStyle/>
+        <a:p>
+          <a:endParaRPr kumimoji="1" lang="ja-JP" altLang="en-US"/>
+        </a:p>
+      </dgm:t>
     </dgm:pt>
     <dgm:pt modelId="{933538BC-906D-CC44-B747-0CEF1450A170}" type="pres">
       <dgm:prSet presAssocID="{DBF5B8AA-8571-9544-9CFB-97A8D12A35AA}" presName="rootConnector" presStyleLbl="node1" presStyleIdx="0" presStyleCnt="2"/>
       <dgm:spPr/>
+      <dgm:t>
+        <a:bodyPr/>
+        <a:lstStyle/>
+        <a:p>
+          <a:endParaRPr kumimoji="1" lang="ja-JP" altLang="en-US"/>
+        </a:p>
+      </dgm:t>
     </dgm:pt>
     <dgm:pt modelId="{5205ACB1-7A8F-564E-87D9-7029CDBD2EE4}" type="pres">
       <dgm:prSet presAssocID="{DBF5B8AA-8571-9544-9CFB-97A8D12A35AA}" presName="childShape" presStyleCnt="0"/>
@@ -4703,6 +4786,13 @@
     <dgm:pt modelId="{EA224E4A-823A-5F47-902F-01A38638163B}" type="pres">
       <dgm:prSet presAssocID="{22B792CB-FEE4-4445-9505-85AC22A989E5}" presName="Name13" presStyleLbl="parChTrans1D2" presStyleIdx="0" presStyleCnt="3"/>
       <dgm:spPr/>
+      <dgm:t>
+        <a:bodyPr/>
+        <a:lstStyle/>
+        <a:p>
+          <a:endParaRPr kumimoji="1" lang="ja-JP" altLang="en-US"/>
+        </a:p>
+      </dgm:t>
     </dgm:pt>
     <dgm:pt modelId="{C472F4EA-2FF4-7D41-9120-A2A82EE6C4EC}" type="pres">
       <dgm:prSet presAssocID="{8C76324F-E685-A043-9C96-77110F7D4157}" presName="childText" presStyleLbl="bgAcc1" presStyleIdx="0" presStyleCnt="3" custScaleX="162192" custScaleY="149829" custLinFactNeighborX="336" custLinFactNeighborY="182">
@@ -4730,10 +4820,24 @@
     <dgm:pt modelId="{183495E4-0D95-304E-A7B1-D51103F54E89}" type="pres">
       <dgm:prSet presAssocID="{AD38961A-880A-4C40-A58F-34C41ADEBFBC}" presName="rootText" presStyleLbl="node1" presStyleIdx="1" presStyleCnt="2" custLinFactNeighborX="2214" custLinFactNeighborY="-167"/>
       <dgm:spPr/>
+      <dgm:t>
+        <a:bodyPr/>
+        <a:lstStyle/>
+        <a:p>
+          <a:endParaRPr kumimoji="1" lang="ja-JP" altLang="en-US"/>
+        </a:p>
+      </dgm:t>
     </dgm:pt>
     <dgm:pt modelId="{4A7998E3-8CD0-4A46-A69B-AB17237A5FED}" type="pres">
       <dgm:prSet presAssocID="{AD38961A-880A-4C40-A58F-34C41ADEBFBC}" presName="rootConnector" presStyleLbl="node1" presStyleIdx="1" presStyleCnt="2"/>
       <dgm:spPr/>
+      <dgm:t>
+        <a:bodyPr/>
+        <a:lstStyle/>
+        <a:p>
+          <a:endParaRPr kumimoji="1" lang="ja-JP" altLang="en-US"/>
+        </a:p>
+      </dgm:t>
     </dgm:pt>
     <dgm:pt modelId="{CD518227-ABDF-564E-BA7D-EBC56EAC8EFA}" type="pres">
       <dgm:prSet presAssocID="{AD38961A-880A-4C40-A58F-34C41ADEBFBC}" presName="childShape" presStyleCnt="0"/>
@@ -4742,6 +4846,13 @@
     <dgm:pt modelId="{9B74D6BE-AA7B-8142-BC89-4CC98B7AF29A}" type="pres">
       <dgm:prSet presAssocID="{B28C8835-3183-E243-A9E7-3EE51A102164}" presName="Name13" presStyleLbl="parChTrans1D2" presStyleIdx="1" presStyleCnt="3"/>
       <dgm:spPr/>
+      <dgm:t>
+        <a:bodyPr/>
+        <a:lstStyle/>
+        <a:p>
+          <a:endParaRPr kumimoji="1" lang="ja-JP" altLang="en-US"/>
+        </a:p>
+      </dgm:t>
     </dgm:pt>
     <dgm:pt modelId="{BCEAC06F-6245-CE44-947F-362F37B128CB}" type="pres">
       <dgm:prSet presAssocID="{9756941B-71D6-C440-B51F-924554AEF665}" presName="childText" presStyleLbl="bgAcc1" presStyleIdx="1" presStyleCnt="3" custScaleX="175016" custLinFactNeighborX="12731" custLinFactNeighborY="-3543">
@@ -4750,10 +4861,24 @@
         </dgm:presLayoutVars>
       </dgm:prSet>
       <dgm:spPr/>
+      <dgm:t>
+        <a:bodyPr/>
+        <a:lstStyle/>
+        <a:p>
+          <a:endParaRPr kumimoji="1" lang="ja-JP" altLang="en-US"/>
+        </a:p>
+      </dgm:t>
     </dgm:pt>
     <dgm:pt modelId="{2EE746CF-615C-A943-96C4-47676C92CE72}" type="pres">
       <dgm:prSet presAssocID="{226A6957-6D92-DA4F-A2A8-99C44C01F05C}" presName="Name13" presStyleLbl="parChTrans1D2" presStyleIdx="2" presStyleCnt="3"/>
       <dgm:spPr/>
+      <dgm:t>
+        <a:bodyPr/>
+        <a:lstStyle/>
+        <a:p>
+          <a:endParaRPr kumimoji="1" lang="ja-JP" altLang="en-US"/>
+        </a:p>
+      </dgm:t>
     </dgm:pt>
     <dgm:pt modelId="{E972DBDE-3E28-6D44-800C-186440D55E69}" type="pres">
       <dgm:prSet presAssocID="{2293563E-2053-774A-80E7-B577ADF41B35}" presName="childText" presStyleLbl="bgAcc1" presStyleIdx="2" presStyleCnt="3" custScaleX="171695" custLinFactNeighborX="553" custLinFactNeighborY="167">
@@ -4762,25 +4887,32 @@
         </dgm:presLayoutVars>
       </dgm:prSet>
       <dgm:spPr/>
+      <dgm:t>
+        <a:bodyPr/>
+        <a:lstStyle/>
+        <a:p>
+          <a:endParaRPr kumimoji="1" lang="ja-JP" altLang="en-US"/>
+        </a:p>
+      </dgm:t>
     </dgm:pt>
   </dgm:ptLst>
   <dgm:cxnLst>
-    <dgm:cxn modelId="{5AF6F565-D0EF-334E-A805-C4A3249277BB}" srcId="{0A4FF62D-84A0-384A-BFB7-3654B826E03B}" destId="{DBF5B8AA-8571-9544-9CFB-97A8D12A35AA}" srcOrd="0" destOrd="0" parTransId="{BCA95780-FBFC-8149-A252-CC69DB9B19B1}" sibTransId="{0B84BB70-D8E2-924A-AD25-60D31EF448C6}"/>
-    <dgm:cxn modelId="{AC75E059-71A3-8141-975F-C2491F60E96E}" type="presOf" srcId="{226A6957-6D92-DA4F-A2A8-99C44C01F05C}" destId="{2EE746CF-615C-A943-96C4-47676C92CE72}" srcOrd="0" destOrd="0" presId="urn:microsoft.com/office/officeart/2005/8/layout/hierarchy3"/>
-    <dgm:cxn modelId="{32F6E728-57E6-A84A-BDFF-45F5617A72B4}" type="presOf" srcId="{DBF5B8AA-8571-9544-9CFB-97A8D12A35AA}" destId="{9055DBE3-C591-844E-9279-7EF988C3AC86}" srcOrd="0" destOrd="0" presId="urn:microsoft.com/office/officeart/2005/8/layout/hierarchy3"/>
+    <dgm:cxn modelId="{B01BA90E-45EC-4B47-AE7E-A83467DC1FB0}" srcId="{AD38961A-880A-4C40-A58F-34C41ADEBFBC}" destId="{9756941B-71D6-C440-B51F-924554AEF665}" srcOrd="0" destOrd="0" parTransId="{B28C8835-3183-E243-A9E7-3EE51A102164}" sibTransId="{43410CFE-2857-5E4B-80F6-AD5DE77E9E2F}"/>
+    <dgm:cxn modelId="{91D7FD95-9396-D944-9967-83A735D2F734}" type="presOf" srcId="{AD38961A-880A-4C40-A58F-34C41ADEBFBC}" destId="{183495E4-0D95-304E-A7B1-D51103F54E89}" srcOrd="0" destOrd="0" presId="urn:microsoft.com/office/officeart/2005/8/layout/hierarchy3"/>
     <dgm:cxn modelId="{45B4E565-EF5C-5B44-A0E6-104C5978896D}" type="presOf" srcId="{22B792CB-FEE4-4445-9505-85AC22A989E5}" destId="{EA224E4A-823A-5F47-902F-01A38638163B}" srcOrd="0" destOrd="0" presId="urn:microsoft.com/office/officeart/2005/8/layout/hierarchy3"/>
-    <dgm:cxn modelId="{94CE9BB4-F318-B84F-BB9F-3705016D7852}" type="presOf" srcId="{B28C8835-3183-E243-A9E7-3EE51A102164}" destId="{9B74D6BE-AA7B-8142-BC89-4CC98B7AF29A}" srcOrd="0" destOrd="0" presId="urn:microsoft.com/office/officeart/2005/8/layout/hierarchy3"/>
-    <dgm:cxn modelId="{E40013AA-8DDA-3741-B073-0ED068F8B0EE}" srcId="{0A4FF62D-84A0-384A-BFB7-3654B826E03B}" destId="{AD38961A-880A-4C40-A58F-34C41ADEBFBC}" srcOrd="1" destOrd="0" parTransId="{4B88AA1C-C1B4-B44C-B924-5EAD043FB7DE}" sibTransId="{5EE61892-2BC3-CF45-AAD0-5ACDFC391919}"/>
-    <dgm:cxn modelId="{91D7FD95-9396-D944-9967-83A735D2F734}" type="presOf" srcId="{AD38961A-880A-4C40-A58F-34C41ADEBFBC}" destId="{183495E4-0D95-304E-A7B1-D51103F54E89}" srcOrd="0" destOrd="0" presId="urn:microsoft.com/office/officeart/2005/8/layout/hierarchy3"/>
     <dgm:cxn modelId="{0AB2A091-8D78-F44F-8178-56D72BB4719D}" type="presOf" srcId="{0A4FF62D-84A0-384A-BFB7-3654B826E03B}" destId="{BC03A7EE-C622-2640-A515-6F96842C9BF8}" srcOrd="0" destOrd="0" presId="urn:microsoft.com/office/officeart/2005/8/layout/hierarchy3"/>
     <dgm:cxn modelId="{EFD50455-567C-C44A-8794-AF6EE85F1CED}" type="presOf" srcId="{AD38961A-880A-4C40-A58F-34C41ADEBFBC}" destId="{4A7998E3-8CD0-4A46-A69B-AB17237A5FED}" srcOrd="1" destOrd="0" presId="urn:microsoft.com/office/officeart/2005/8/layout/hierarchy3"/>
     <dgm:cxn modelId="{957993F3-2DE3-7349-BC81-934935479160}" type="presOf" srcId="{9756941B-71D6-C440-B51F-924554AEF665}" destId="{BCEAC06F-6245-CE44-947F-362F37B128CB}" srcOrd="0" destOrd="0" presId="urn:microsoft.com/office/officeart/2005/8/layout/hierarchy3"/>
+    <dgm:cxn modelId="{94CE9BB4-F318-B84F-BB9F-3705016D7852}" type="presOf" srcId="{B28C8835-3183-E243-A9E7-3EE51A102164}" destId="{9B74D6BE-AA7B-8142-BC89-4CC98B7AF29A}" srcOrd="0" destOrd="0" presId="urn:microsoft.com/office/officeart/2005/8/layout/hierarchy3"/>
     <dgm:cxn modelId="{456F047C-F07E-7F4A-9E3A-5017758F60EE}" type="presOf" srcId="{2293563E-2053-774A-80E7-B577ADF41B35}" destId="{E972DBDE-3E28-6D44-800C-186440D55E69}" srcOrd="0" destOrd="0" presId="urn:microsoft.com/office/officeart/2005/8/layout/hierarchy3"/>
+    <dgm:cxn modelId="{5AF6F565-D0EF-334E-A805-C4A3249277BB}" srcId="{0A4FF62D-84A0-384A-BFB7-3654B826E03B}" destId="{DBF5B8AA-8571-9544-9CFB-97A8D12A35AA}" srcOrd="0" destOrd="0" parTransId="{BCA95780-FBFC-8149-A252-CC69DB9B19B1}" sibTransId="{0B84BB70-D8E2-924A-AD25-60D31EF448C6}"/>
+    <dgm:cxn modelId="{FD0C2CB6-38FC-E24A-9C70-5766E19C3CBC}" type="presOf" srcId="{DBF5B8AA-8571-9544-9CFB-97A8D12A35AA}" destId="{933538BC-906D-CC44-B747-0CEF1450A170}" srcOrd="1" destOrd="0" presId="urn:microsoft.com/office/officeart/2005/8/layout/hierarchy3"/>
+    <dgm:cxn modelId="{1C688572-44A6-EF42-9344-6E43B780FAE3}" srcId="{DBF5B8AA-8571-9544-9CFB-97A8D12A35AA}" destId="{8C76324F-E685-A043-9C96-77110F7D4157}" srcOrd="0" destOrd="0" parTransId="{22B792CB-FEE4-4445-9505-85AC22A989E5}" sibTransId="{F7BC08C6-5EE9-204F-93F5-64F917B645B1}"/>
+    <dgm:cxn modelId="{AC75E059-71A3-8141-975F-C2491F60E96E}" type="presOf" srcId="{226A6957-6D92-DA4F-A2A8-99C44C01F05C}" destId="{2EE746CF-615C-A943-96C4-47676C92CE72}" srcOrd="0" destOrd="0" presId="urn:microsoft.com/office/officeart/2005/8/layout/hierarchy3"/>
+    <dgm:cxn modelId="{933C46C8-5182-934E-B989-F2928AB049FA}" srcId="{AD38961A-880A-4C40-A58F-34C41ADEBFBC}" destId="{2293563E-2053-774A-80E7-B577ADF41B35}" srcOrd="1" destOrd="0" parTransId="{226A6957-6D92-DA4F-A2A8-99C44C01F05C}" sibTransId="{A4D8B57F-FE7B-C446-825C-914AF122BF76}"/>
+    <dgm:cxn modelId="{32F6E728-57E6-A84A-BDFF-45F5617A72B4}" type="presOf" srcId="{DBF5B8AA-8571-9544-9CFB-97A8D12A35AA}" destId="{9055DBE3-C591-844E-9279-7EF988C3AC86}" srcOrd="0" destOrd="0" presId="urn:microsoft.com/office/officeart/2005/8/layout/hierarchy3"/>
     <dgm:cxn modelId="{FBBF569B-052D-1841-9A0D-3221F48308A3}" type="presOf" srcId="{8C76324F-E685-A043-9C96-77110F7D4157}" destId="{C472F4EA-2FF4-7D41-9120-A2A82EE6C4EC}" srcOrd="0" destOrd="0" presId="urn:microsoft.com/office/officeart/2005/8/layout/hierarchy3"/>
-    <dgm:cxn modelId="{1C688572-44A6-EF42-9344-6E43B780FAE3}" srcId="{DBF5B8AA-8571-9544-9CFB-97A8D12A35AA}" destId="{8C76324F-E685-A043-9C96-77110F7D4157}" srcOrd="0" destOrd="0" parTransId="{22B792CB-FEE4-4445-9505-85AC22A989E5}" sibTransId="{F7BC08C6-5EE9-204F-93F5-64F917B645B1}"/>
-    <dgm:cxn modelId="{933C46C8-5182-934E-B989-F2928AB049FA}" srcId="{AD38961A-880A-4C40-A58F-34C41ADEBFBC}" destId="{2293563E-2053-774A-80E7-B577ADF41B35}" srcOrd="1" destOrd="0" parTransId="{226A6957-6D92-DA4F-A2A8-99C44C01F05C}" sibTransId="{A4D8B57F-FE7B-C446-825C-914AF122BF76}"/>
-    <dgm:cxn modelId="{FD0C2CB6-38FC-E24A-9C70-5766E19C3CBC}" type="presOf" srcId="{DBF5B8AA-8571-9544-9CFB-97A8D12A35AA}" destId="{933538BC-906D-CC44-B747-0CEF1450A170}" srcOrd="1" destOrd="0" presId="urn:microsoft.com/office/officeart/2005/8/layout/hierarchy3"/>
-    <dgm:cxn modelId="{B01BA90E-45EC-4B47-AE7E-A83467DC1FB0}" srcId="{AD38961A-880A-4C40-A58F-34C41ADEBFBC}" destId="{9756941B-71D6-C440-B51F-924554AEF665}" srcOrd="0" destOrd="0" parTransId="{B28C8835-3183-E243-A9E7-3EE51A102164}" sibTransId="{43410CFE-2857-5E4B-80F6-AD5DE77E9E2F}"/>
+    <dgm:cxn modelId="{E40013AA-8DDA-3741-B073-0ED068F8B0EE}" srcId="{0A4FF62D-84A0-384A-BFB7-3654B826E03B}" destId="{AD38961A-880A-4C40-A58F-34C41ADEBFBC}" srcOrd="1" destOrd="0" parTransId="{4B88AA1C-C1B4-B44C-B924-5EAD043FB7DE}" sibTransId="{5EE61892-2BC3-CF45-AAD0-5ACDFC391919}"/>
     <dgm:cxn modelId="{C974D2B2-E99B-3B40-8662-91C2196797D4}" type="presParOf" srcId="{BC03A7EE-C622-2640-A515-6F96842C9BF8}" destId="{97292B3B-E159-9C40-8BDC-BDB14D684BC2}" srcOrd="0" destOrd="0" presId="urn:microsoft.com/office/officeart/2005/8/layout/hierarchy3"/>
     <dgm:cxn modelId="{5EB87DBE-F59D-E941-A69B-EF6BA6469EF6}" type="presParOf" srcId="{97292B3B-E159-9C40-8BDC-BDB14D684BC2}" destId="{95BADE1B-0AFD-4F42-9172-1BD6F56779A3}" srcOrd="0" destOrd="0" presId="urn:microsoft.com/office/officeart/2005/8/layout/hierarchy3"/>
     <dgm:cxn modelId="{B92DD970-0D64-8047-8C0F-0DFFF437F339}" type="presParOf" srcId="{95BADE1B-0AFD-4F42-9172-1BD6F56779A3}" destId="{9055DBE3-C591-844E-9279-7EF988C3AC86}" srcOrd="0" destOrd="0" presId="urn:microsoft.com/office/officeart/2005/8/layout/hierarchy3"/>
@@ -5017,6 +5149,13 @@
         </dgm:presLayoutVars>
       </dgm:prSet>
       <dgm:spPr/>
+      <dgm:t>
+        <a:bodyPr/>
+        <a:lstStyle/>
+        <a:p>
+          <a:endParaRPr kumimoji="1" lang="ja-JP" altLang="en-US"/>
+        </a:p>
+      </dgm:t>
     </dgm:pt>
     <dgm:pt modelId="{9E0F822A-EB84-B643-924C-6F1DBC2041BD}" type="pres">
       <dgm:prSet presAssocID="{ADAF0B1A-A41D-AF4F-8844-58A3C30540AA}" presName="root" presStyleCnt="0"/>
@@ -5029,10 +5168,24 @@
     <dgm:pt modelId="{D47D8904-C498-794D-915E-0A5EDA0EE650}" type="pres">
       <dgm:prSet presAssocID="{ADAF0B1A-A41D-AF4F-8844-58A3C30540AA}" presName="rootText" presStyleLbl="node1" presStyleIdx="0" presStyleCnt="1" custScaleX="454102" custScaleY="125175"/>
       <dgm:spPr/>
+      <dgm:t>
+        <a:bodyPr/>
+        <a:lstStyle/>
+        <a:p>
+          <a:endParaRPr kumimoji="1" lang="ja-JP" altLang="en-US"/>
+        </a:p>
+      </dgm:t>
     </dgm:pt>
     <dgm:pt modelId="{FFC0503E-F6BF-F84E-953A-D28BBD0C76B4}" type="pres">
       <dgm:prSet presAssocID="{ADAF0B1A-A41D-AF4F-8844-58A3C30540AA}" presName="rootConnector" presStyleLbl="node1" presStyleIdx="0" presStyleCnt="1"/>
       <dgm:spPr/>
+      <dgm:t>
+        <a:bodyPr/>
+        <a:lstStyle/>
+        <a:p>
+          <a:endParaRPr kumimoji="1" lang="ja-JP" altLang="en-US"/>
+        </a:p>
+      </dgm:t>
     </dgm:pt>
     <dgm:pt modelId="{16FAC1C8-47E3-7646-8806-21E89E2BBA7E}" type="pres">
       <dgm:prSet presAssocID="{ADAF0B1A-A41D-AF4F-8844-58A3C30540AA}" presName="childShape" presStyleCnt="0"/>
@@ -5041,6 +5194,13 @@
     <dgm:pt modelId="{CC109A71-6E6F-4348-88E1-8DF45428E260}" type="pres">
       <dgm:prSet presAssocID="{88864275-5FA1-3742-BB43-306E7F8494D4}" presName="Name13" presStyleLbl="parChTrans1D2" presStyleIdx="0" presStyleCnt="3"/>
       <dgm:spPr/>
+      <dgm:t>
+        <a:bodyPr/>
+        <a:lstStyle/>
+        <a:p>
+          <a:endParaRPr kumimoji="1" lang="ja-JP" altLang="en-US"/>
+        </a:p>
+      </dgm:t>
     </dgm:pt>
     <dgm:pt modelId="{2B686922-F79A-EB47-9262-C4071AFF8AC1}" type="pres">
       <dgm:prSet presAssocID="{55B1347D-4EC1-0743-87B4-34A9E55935A7}" presName="childText" presStyleLbl="bgAcc1" presStyleIdx="0" presStyleCnt="3" custScaleX="473379" custLinFactNeighborX="-18890">
@@ -5049,10 +5209,24 @@
         </dgm:presLayoutVars>
       </dgm:prSet>
       <dgm:spPr/>
+      <dgm:t>
+        <a:bodyPr/>
+        <a:lstStyle/>
+        <a:p>
+          <a:endParaRPr kumimoji="1" lang="ja-JP" altLang="en-US"/>
+        </a:p>
+      </dgm:t>
     </dgm:pt>
     <dgm:pt modelId="{2ACE3359-1430-104D-B1F9-59EC1E66C7BC}" type="pres">
       <dgm:prSet presAssocID="{8C75C6C0-98EF-FE40-BA30-F6DF57F5AB37}" presName="Name13" presStyleLbl="parChTrans1D2" presStyleIdx="1" presStyleCnt="3"/>
       <dgm:spPr/>
+      <dgm:t>
+        <a:bodyPr/>
+        <a:lstStyle/>
+        <a:p>
+          <a:endParaRPr kumimoji="1" lang="ja-JP" altLang="en-US"/>
+        </a:p>
+      </dgm:t>
     </dgm:pt>
     <dgm:pt modelId="{F25D101E-BEA5-C64F-B60A-93ED99978686}" type="pres">
       <dgm:prSet presAssocID="{6CA9E23B-4E7A-3841-9C27-623B490E99CD}" presName="childText" presStyleLbl="bgAcc1" presStyleIdx="1" presStyleCnt="3" custScaleX="469864" custLinFactNeighborX="-19047" custLinFactNeighborY="-1263">
@@ -5061,10 +5235,24 @@
         </dgm:presLayoutVars>
       </dgm:prSet>
       <dgm:spPr/>
+      <dgm:t>
+        <a:bodyPr/>
+        <a:lstStyle/>
+        <a:p>
+          <a:endParaRPr kumimoji="1" lang="ja-JP" altLang="en-US"/>
+        </a:p>
+      </dgm:t>
     </dgm:pt>
     <dgm:pt modelId="{F565F721-DECB-9644-A9F7-7EA7AA552105}" type="pres">
       <dgm:prSet presAssocID="{C78B26E5-637A-2045-9B22-62BF6EC29A50}" presName="Name13" presStyleLbl="parChTrans1D2" presStyleIdx="2" presStyleCnt="3"/>
       <dgm:spPr/>
+      <dgm:t>
+        <a:bodyPr/>
+        <a:lstStyle/>
+        <a:p>
+          <a:endParaRPr kumimoji="1" lang="ja-JP" altLang="en-US"/>
+        </a:p>
+      </dgm:t>
     </dgm:pt>
     <dgm:pt modelId="{0C31E73A-A4AD-DC4B-9B65-141B41EEA6AB}" type="pres">
       <dgm:prSet presAssocID="{9D2A3695-9442-EB4A-A31F-8CB54791C29F}" presName="childText" presStyleLbl="bgAcc1" presStyleIdx="2" presStyleCnt="3" custScaleX="462040" custLinFactNeighborX="-15782">
@@ -5073,6 +5261,13 @@
         </dgm:presLayoutVars>
       </dgm:prSet>
       <dgm:spPr/>
+      <dgm:t>
+        <a:bodyPr/>
+        <a:lstStyle/>
+        <a:p>
+          <a:endParaRPr kumimoji="1" lang="ja-JP" altLang="en-US"/>
+        </a:p>
+      </dgm:t>
     </dgm:pt>
   </dgm:ptLst>
   <dgm:cxnLst>
@@ -5081,8 +5276,8 @@
     <dgm:cxn modelId="{5A115595-1112-FE4F-9AB2-3C0C914B85BB}" type="presOf" srcId="{ADAF0B1A-A41D-AF4F-8844-58A3C30540AA}" destId="{D47D8904-C498-794D-915E-0A5EDA0EE650}" srcOrd="0" destOrd="0" presId="urn:microsoft.com/office/officeart/2005/8/layout/hierarchy3"/>
     <dgm:cxn modelId="{F94F74E5-94DA-2D44-BCD3-00BC967C2365}" type="presOf" srcId="{ADAF0B1A-A41D-AF4F-8844-58A3C30540AA}" destId="{FFC0503E-F6BF-F84E-953A-D28BBD0C76B4}" srcOrd="1" destOrd="0" presId="urn:microsoft.com/office/officeart/2005/8/layout/hierarchy3"/>
     <dgm:cxn modelId="{E8432AB1-0C58-AE45-AD21-5A3F8151574A}" srcId="{ADAF0B1A-A41D-AF4F-8844-58A3C30540AA}" destId="{55B1347D-4EC1-0743-87B4-34A9E55935A7}" srcOrd="0" destOrd="0" parTransId="{88864275-5FA1-3742-BB43-306E7F8494D4}" sibTransId="{F5D0B000-BAAF-ED4D-8B38-29D45A1CAEAB}"/>
+    <dgm:cxn modelId="{F4859AF2-45D0-9946-95F6-477FA257250C}" type="presOf" srcId="{6CA9E23B-4E7A-3841-9C27-623B490E99CD}" destId="{F25D101E-BEA5-C64F-B60A-93ED99978686}" srcOrd="0" destOrd="0" presId="urn:microsoft.com/office/officeart/2005/8/layout/hierarchy3"/>
     <dgm:cxn modelId="{8BDD16EA-3846-6348-97F4-591FD773F9DC}" type="presOf" srcId="{9D2A3695-9442-EB4A-A31F-8CB54791C29F}" destId="{0C31E73A-A4AD-DC4B-9B65-141B41EEA6AB}" srcOrd="0" destOrd="0" presId="urn:microsoft.com/office/officeart/2005/8/layout/hierarchy3"/>
-    <dgm:cxn modelId="{F4859AF2-45D0-9946-95F6-477FA257250C}" type="presOf" srcId="{6CA9E23B-4E7A-3841-9C27-623B490E99CD}" destId="{F25D101E-BEA5-C64F-B60A-93ED99978686}" srcOrd="0" destOrd="0" presId="urn:microsoft.com/office/officeart/2005/8/layout/hierarchy3"/>
     <dgm:cxn modelId="{9E7308F3-0FAD-9F47-AF25-4A31CCDCDFEF}" srcId="{7944C2EB-8B45-0648-BEB0-5C53AA5D76A9}" destId="{ADAF0B1A-A41D-AF4F-8844-58A3C30540AA}" srcOrd="0" destOrd="0" parTransId="{7A927EDE-CCA5-8C4D-9A4D-1360103F177E}" sibTransId="{32A74FFC-49AB-8945-B23E-7C2B8DEDF1D6}"/>
     <dgm:cxn modelId="{705454A9-D7B2-6342-80F3-77B3ED5B50E9}" type="presOf" srcId="{88864275-5FA1-3742-BB43-306E7F8494D4}" destId="{CC109A71-6E6F-4348-88E1-8DF45428E260}" srcOrd="0" destOrd="0" presId="urn:microsoft.com/office/officeart/2005/8/layout/hierarchy3"/>
     <dgm:cxn modelId="{EDB3823F-7D75-6147-B875-500E0089DD9D}" type="presOf" srcId="{55B1347D-4EC1-0743-87B4-34A9E55935A7}" destId="{2B686922-F79A-EB47-9262-C4071AFF8AC1}" srcOrd="0" destOrd="0" presId="urn:microsoft.com/office/officeart/2005/8/layout/hierarchy3"/>
@@ -5389,11 +5584,7 @@
           </a:pPr>
           <a:r>
             <a:rPr kumimoji="1" lang="ja-JP" altLang="en-US" sz="2900" b="1" kern="1200" dirty="0" smtClean="0"/>
-            <a:t>物理現象の視覚化プログラム</a:t>
-          </a:r>
-          <a:r>
-            <a:rPr kumimoji="1" lang="ja-JP" altLang="en-US" sz="2900" b="1" kern="1200" dirty="0" smtClean="0"/>
-            <a:t>を活用し</a:t>
+            <a:t>物理現象の視覚化プログラムを活用し</a:t>
           </a:r>
           <a:r>
             <a:rPr kumimoji="1" lang="en-US" altLang="ja-JP" sz="2900" b="1" kern="1200" dirty="0" smtClean="0"/>
@@ -5401,11 +5592,7 @@
           </a:r>
           <a:r>
             <a:rPr kumimoji="1" lang="ja-JP" altLang="en-US" sz="2900" b="1" kern="1200" dirty="0" smtClean="0"/>
-            <a:t>生徒に</a:t>
-          </a:r>
-          <a:r>
-            <a:rPr kumimoji="1" lang="ja-JP" altLang="en-US" sz="2900" b="1" kern="1200" dirty="0" smtClean="0"/>
-            <a:t>直観的な理解を促す</a:t>
+            <a:t>生徒に直観的な理解を促す</a:t>
           </a:r>
           <a:endParaRPr lang="ja-JP" altLang="en-US" sz="2900" kern="1200" dirty="0"/>
         </a:p>
@@ -14379,7 +14566,7 @@
           <a:p>
             <a:fld id="{A29F1013-8569-0C46-A87A-32299CFBA061}" type="datetime1">
               <a:rPr kumimoji="1" lang="ja-JP" altLang="en-US" smtClean="0"/>
-              <a:t>16/09/08</a:t>
+              <a:t>16/09/09</a:t>
             </a:fld>
             <a:endParaRPr kumimoji="1" lang="ja-JP" altLang="en-US"/>
           </a:p>
@@ -14545,7 +14732,7 @@
           <a:p>
             <a:fld id="{31943687-DFD5-7444-BCBD-B6E28169137B}" type="datetime1">
               <a:rPr kumimoji="1" lang="ja-JP" altLang="en-US" smtClean="0"/>
-              <a:t>16/09/08</a:t>
+              <a:t>16/09/09</a:t>
             </a:fld>
             <a:endParaRPr kumimoji="1" lang="ja-JP" altLang="en-US"/>
           </a:p>
@@ -15153,6 +15340,44 @@
           <a:bodyPr/>
           <a:lstStyle/>
           <a:p>
+            <a:r>
+              <a:rPr kumimoji="1" lang="ja-JP" altLang="en-US" dirty="0" smtClean="0"/>
+              <a:t>タブレット端末で用いられるプラットフォーム　＝　</a:t>
+            </a:r>
+            <a:r>
+              <a:rPr kumimoji="1" lang="en-US" altLang="ja-JP" dirty="0" err="1" smtClean="0"/>
+              <a:t>iOS</a:t>
+            </a:r>
+            <a:r>
+              <a:rPr kumimoji="1" lang="ja-JP" altLang="en-US" dirty="0" smtClean="0"/>
+              <a:t> </a:t>
+            </a:r>
+            <a:r>
+              <a:rPr kumimoji="1" lang="en-US" altLang="ja-JP" dirty="0" smtClean="0"/>
+              <a:t>windows</a:t>
+            </a:r>
+            <a:r>
+              <a:rPr kumimoji="1" lang="ja-JP" altLang="en-US" dirty="0" smtClean="0"/>
+              <a:t> </a:t>
+            </a:r>
+            <a:r>
+              <a:rPr kumimoji="1" lang="en-US" altLang="ja-JP" dirty="0" smtClean="0"/>
+              <a:t>Android</a:t>
+            </a:r>
+          </a:p>
+          <a:p>
+            <a:r>
+              <a:rPr kumimoji="1" lang="ja-JP" altLang="en-US" dirty="0" smtClean="0"/>
+              <a:t>プラットフォームで動作</a:t>
+            </a:r>
+            <a:r>
+              <a:rPr kumimoji="1" lang="en-US" altLang="ja-JP" dirty="0" smtClean="0"/>
+              <a:t>→</a:t>
+            </a:r>
+            <a:r>
+              <a:rPr kumimoji="1" lang="ja-JP" altLang="en-US" dirty="0" smtClean="0"/>
+              <a:t>その上で環境構築が容易かつ無償で行えるため利点といえる</a:t>
+            </a:r>
             <a:endParaRPr kumimoji="1" lang="ja-JP" altLang="en-US" dirty="0"/>
           </a:p>
         </p:txBody>
@@ -15346,11 +15571,7 @@
           <a:p>
             <a:r>
               <a:rPr kumimoji="1" lang="ja-JP" altLang="en-US" dirty="0" smtClean="0"/>
-              <a:t>これにより入射</a:t>
-            </a:r>
-            <a:r>
-              <a:rPr kumimoji="1" lang="ja-JP" altLang="en-US" dirty="0" smtClean="0"/>
-              <a:t>角</a:t>
+              <a:t>これにより入射角</a:t>
             </a:r>
             <a:r>
               <a:rPr kumimoji="1" lang="en-US" altLang="ja-JP" dirty="0" err="1" smtClean="0"/>
@@ -15358,15 +15579,7 @@
             </a:r>
             <a:r>
               <a:rPr kumimoji="1" lang="ja-JP" altLang="en-US" dirty="0" smtClean="0"/>
-              <a:t>＝</a:t>
-            </a:r>
-            <a:r>
-              <a:rPr kumimoji="1" lang="ja-JP" altLang="en-US" dirty="0" smtClean="0"/>
-              <a:t>反射</a:t>
-            </a:r>
-            <a:r>
-              <a:rPr kumimoji="1" lang="ja-JP" altLang="en-US" dirty="0" smtClean="0"/>
-              <a:t>角</a:t>
+              <a:t>＝反射角</a:t>
             </a:r>
             <a:r>
               <a:rPr kumimoji="1" lang="en-US" altLang="ja-JP" dirty="0" smtClean="0"/>
@@ -15374,11 +15587,7 @@
             </a:r>
             <a:r>
               <a:rPr kumimoji="1" lang="ja-JP" altLang="en-US" dirty="0" smtClean="0"/>
-              <a:t>が</a:t>
-            </a:r>
-            <a:r>
-              <a:rPr kumimoji="1" lang="ja-JP" altLang="en-US" dirty="0" smtClean="0"/>
-              <a:t>証明される</a:t>
+              <a:t>が証明される</a:t>
             </a:r>
             <a:endParaRPr kumimoji="1" lang="en-US" altLang="ja-JP" dirty="0" smtClean="0"/>
           </a:p>
@@ -18730,11 +18939,7 @@
             </a:r>
             <a:r>
               <a:rPr lang="ja-JP" altLang="en-US" dirty="0" smtClean="0"/>
-              <a:t>に</a:t>
-            </a:r>
-            <a:r>
-              <a:rPr lang="ja-JP" altLang="en-US" dirty="0" smtClean="0"/>
-              <a:t>よる</a:t>
+              <a:t>による</a:t>
             </a:r>
             <a:r>
               <a:rPr lang="en-US" altLang="ja-JP" dirty="0" smtClean="0"/>
@@ -18745,11 +18950,7 @@
             </a:br>
             <a:r>
               <a:rPr lang="ja-JP" altLang="en-US" dirty="0" smtClean="0"/>
-              <a:t>ホイヘンス</a:t>
-            </a:r>
-            <a:r>
-              <a:rPr lang="ja-JP" altLang="en-US" dirty="0" smtClean="0"/>
-              <a:t>の原理の視覚化</a:t>
+              <a:t>ホイヘンスの原理の視覚化</a:t>
             </a:r>
             <a:endParaRPr kumimoji="1" lang="ja-JP" altLang="en-US" dirty="0"/>
           </a:p>
@@ -18788,11 +18989,7 @@
             <a:pPr algn="r"/>
             <a:r>
               <a:rPr kumimoji="1" lang="ja-JP" altLang="en-US" sz="2400" dirty="0" smtClean="0"/>
-              <a:t>西谷</a:t>
-            </a:r>
-            <a:r>
-              <a:rPr kumimoji="1" lang="ja-JP" altLang="en-US" sz="2400" dirty="0" smtClean="0"/>
-              <a:t>研究室</a:t>
+              <a:t>西谷研究室</a:t>
             </a:r>
             <a:r>
               <a:rPr kumimoji="1" lang="en-US" altLang="ja-JP" sz="2400" dirty="0" smtClean="0"/>

--- a/Murakami_intermediate_announcement.pptx
+++ b/Murakami_intermediate_announcement.pptx
@@ -116,6 +116,22 @@
       </a:defRPr>
     </a:lvl9pPr>
   </p:defaultTextStyle>
+  <p:extLst>
+    <p:ext uri="{EFAFB233-063F-42B5-8137-9DF3F51BA10A}">
+      <p15:sldGuideLst xmlns:p15="http://schemas.microsoft.com/office/powerpoint/2012/main">
+        <p15:guide id="1" orient="horz" pos="2160">
+          <p15:clr>
+            <a:srgbClr val="A4A3A4"/>
+          </p15:clr>
+        </p15:guide>
+        <p15:guide id="2" pos="2880">
+          <p15:clr>
+            <a:srgbClr val="A4A3A4"/>
+          </p15:clr>
+        </p15:guide>
+      </p15:sldGuideLst>
+    </p:ext>
+  </p:extLst>
 </p:presentation>
 </file>
 
@@ -4897,22 +4913,22 @@
     </dgm:pt>
   </dgm:ptLst>
   <dgm:cxnLst>
+    <dgm:cxn modelId="{5AF6F565-D0EF-334E-A805-C4A3249277BB}" srcId="{0A4FF62D-84A0-384A-BFB7-3654B826E03B}" destId="{DBF5B8AA-8571-9544-9CFB-97A8D12A35AA}" srcOrd="0" destOrd="0" parTransId="{BCA95780-FBFC-8149-A252-CC69DB9B19B1}" sibTransId="{0B84BB70-D8E2-924A-AD25-60D31EF448C6}"/>
+    <dgm:cxn modelId="{EFD50455-567C-C44A-8794-AF6EE85F1CED}" type="presOf" srcId="{AD38961A-880A-4C40-A58F-34C41ADEBFBC}" destId="{4A7998E3-8CD0-4A46-A69B-AB17237A5FED}" srcOrd="1" destOrd="0" presId="urn:microsoft.com/office/officeart/2005/8/layout/hierarchy3"/>
+    <dgm:cxn modelId="{456F047C-F07E-7F4A-9E3A-5017758F60EE}" type="presOf" srcId="{2293563E-2053-774A-80E7-B577ADF41B35}" destId="{E972DBDE-3E28-6D44-800C-186440D55E69}" srcOrd="0" destOrd="0" presId="urn:microsoft.com/office/officeart/2005/8/layout/hierarchy3"/>
     <dgm:cxn modelId="{B01BA90E-45EC-4B47-AE7E-A83467DC1FB0}" srcId="{AD38961A-880A-4C40-A58F-34C41ADEBFBC}" destId="{9756941B-71D6-C440-B51F-924554AEF665}" srcOrd="0" destOrd="0" parTransId="{B28C8835-3183-E243-A9E7-3EE51A102164}" sibTransId="{43410CFE-2857-5E4B-80F6-AD5DE77E9E2F}"/>
-    <dgm:cxn modelId="{91D7FD95-9396-D944-9967-83A735D2F734}" type="presOf" srcId="{AD38961A-880A-4C40-A58F-34C41ADEBFBC}" destId="{183495E4-0D95-304E-A7B1-D51103F54E89}" srcOrd="0" destOrd="0" presId="urn:microsoft.com/office/officeart/2005/8/layout/hierarchy3"/>
+    <dgm:cxn modelId="{FD0C2CB6-38FC-E24A-9C70-5766E19C3CBC}" type="presOf" srcId="{DBF5B8AA-8571-9544-9CFB-97A8D12A35AA}" destId="{933538BC-906D-CC44-B747-0CEF1450A170}" srcOrd="1" destOrd="0" presId="urn:microsoft.com/office/officeart/2005/8/layout/hierarchy3"/>
+    <dgm:cxn modelId="{957993F3-2DE3-7349-BC81-934935479160}" type="presOf" srcId="{9756941B-71D6-C440-B51F-924554AEF665}" destId="{BCEAC06F-6245-CE44-947F-362F37B128CB}" srcOrd="0" destOrd="0" presId="urn:microsoft.com/office/officeart/2005/8/layout/hierarchy3"/>
+    <dgm:cxn modelId="{AC75E059-71A3-8141-975F-C2491F60E96E}" type="presOf" srcId="{226A6957-6D92-DA4F-A2A8-99C44C01F05C}" destId="{2EE746CF-615C-A943-96C4-47676C92CE72}" srcOrd="0" destOrd="0" presId="urn:microsoft.com/office/officeart/2005/8/layout/hierarchy3"/>
+    <dgm:cxn modelId="{94CE9BB4-F318-B84F-BB9F-3705016D7852}" type="presOf" srcId="{B28C8835-3183-E243-A9E7-3EE51A102164}" destId="{9B74D6BE-AA7B-8142-BC89-4CC98B7AF29A}" srcOrd="0" destOrd="0" presId="urn:microsoft.com/office/officeart/2005/8/layout/hierarchy3"/>
     <dgm:cxn modelId="{45B4E565-EF5C-5B44-A0E6-104C5978896D}" type="presOf" srcId="{22B792CB-FEE4-4445-9505-85AC22A989E5}" destId="{EA224E4A-823A-5F47-902F-01A38638163B}" srcOrd="0" destOrd="0" presId="urn:microsoft.com/office/officeart/2005/8/layout/hierarchy3"/>
     <dgm:cxn modelId="{0AB2A091-8D78-F44F-8178-56D72BB4719D}" type="presOf" srcId="{0A4FF62D-84A0-384A-BFB7-3654B826E03B}" destId="{BC03A7EE-C622-2640-A515-6F96842C9BF8}" srcOrd="0" destOrd="0" presId="urn:microsoft.com/office/officeart/2005/8/layout/hierarchy3"/>
-    <dgm:cxn modelId="{EFD50455-567C-C44A-8794-AF6EE85F1CED}" type="presOf" srcId="{AD38961A-880A-4C40-A58F-34C41ADEBFBC}" destId="{4A7998E3-8CD0-4A46-A69B-AB17237A5FED}" srcOrd="1" destOrd="0" presId="urn:microsoft.com/office/officeart/2005/8/layout/hierarchy3"/>
-    <dgm:cxn modelId="{957993F3-2DE3-7349-BC81-934935479160}" type="presOf" srcId="{9756941B-71D6-C440-B51F-924554AEF665}" destId="{BCEAC06F-6245-CE44-947F-362F37B128CB}" srcOrd="0" destOrd="0" presId="urn:microsoft.com/office/officeart/2005/8/layout/hierarchy3"/>
-    <dgm:cxn modelId="{94CE9BB4-F318-B84F-BB9F-3705016D7852}" type="presOf" srcId="{B28C8835-3183-E243-A9E7-3EE51A102164}" destId="{9B74D6BE-AA7B-8142-BC89-4CC98B7AF29A}" srcOrd="0" destOrd="0" presId="urn:microsoft.com/office/officeart/2005/8/layout/hierarchy3"/>
-    <dgm:cxn modelId="{456F047C-F07E-7F4A-9E3A-5017758F60EE}" type="presOf" srcId="{2293563E-2053-774A-80E7-B577ADF41B35}" destId="{E972DBDE-3E28-6D44-800C-186440D55E69}" srcOrd="0" destOrd="0" presId="urn:microsoft.com/office/officeart/2005/8/layout/hierarchy3"/>
-    <dgm:cxn modelId="{5AF6F565-D0EF-334E-A805-C4A3249277BB}" srcId="{0A4FF62D-84A0-384A-BFB7-3654B826E03B}" destId="{DBF5B8AA-8571-9544-9CFB-97A8D12A35AA}" srcOrd="0" destOrd="0" parTransId="{BCA95780-FBFC-8149-A252-CC69DB9B19B1}" sibTransId="{0B84BB70-D8E2-924A-AD25-60D31EF448C6}"/>
-    <dgm:cxn modelId="{FD0C2CB6-38FC-E24A-9C70-5766E19C3CBC}" type="presOf" srcId="{DBF5B8AA-8571-9544-9CFB-97A8D12A35AA}" destId="{933538BC-906D-CC44-B747-0CEF1450A170}" srcOrd="1" destOrd="0" presId="urn:microsoft.com/office/officeart/2005/8/layout/hierarchy3"/>
+    <dgm:cxn modelId="{933C46C8-5182-934E-B989-F2928AB049FA}" srcId="{AD38961A-880A-4C40-A58F-34C41ADEBFBC}" destId="{2293563E-2053-774A-80E7-B577ADF41B35}" srcOrd="1" destOrd="0" parTransId="{226A6957-6D92-DA4F-A2A8-99C44C01F05C}" sibTransId="{A4D8B57F-FE7B-C446-825C-914AF122BF76}"/>
+    <dgm:cxn modelId="{E40013AA-8DDA-3741-B073-0ED068F8B0EE}" srcId="{0A4FF62D-84A0-384A-BFB7-3654B826E03B}" destId="{AD38961A-880A-4C40-A58F-34C41ADEBFBC}" srcOrd="1" destOrd="0" parTransId="{4B88AA1C-C1B4-B44C-B924-5EAD043FB7DE}" sibTransId="{5EE61892-2BC3-CF45-AAD0-5ACDFC391919}"/>
+    <dgm:cxn modelId="{FBBF569B-052D-1841-9A0D-3221F48308A3}" type="presOf" srcId="{8C76324F-E685-A043-9C96-77110F7D4157}" destId="{C472F4EA-2FF4-7D41-9120-A2A82EE6C4EC}" srcOrd="0" destOrd="0" presId="urn:microsoft.com/office/officeart/2005/8/layout/hierarchy3"/>
+    <dgm:cxn modelId="{91D7FD95-9396-D944-9967-83A735D2F734}" type="presOf" srcId="{AD38961A-880A-4C40-A58F-34C41ADEBFBC}" destId="{183495E4-0D95-304E-A7B1-D51103F54E89}" srcOrd="0" destOrd="0" presId="urn:microsoft.com/office/officeart/2005/8/layout/hierarchy3"/>
+    <dgm:cxn modelId="{32F6E728-57E6-A84A-BDFF-45F5617A72B4}" type="presOf" srcId="{DBF5B8AA-8571-9544-9CFB-97A8D12A35AA}" destId="{9055DBE3-C591-844E-9279-7EF988C3AC86}" srcOrd="0" destOrd="0" presId="urn:microsoft.com/office/officeart/2005/8/layout/hierarchy3"/>
     <dgm:cxn modelId="{1C688572-44A6-EF42-9344-6E43B780FAE3}" srcId="{DBF5B8AA-8571-9544-9CFB-97A8D12A35AA}" destId="{8C76324F-E685-A043-9C96-77110F7D4157}" srcOrd="0" destOrd="0" parTransId="{22B792CB-FEE4-4445-9505-85AC22A989E5}" sibTransId="{F7BC08C6-5EE9-204F-93F5-64F917B645B1}"/>
-    <dgm:cxn modelId="{AC75E059-71A3-8141-975F-C2491F60E96E}" type="presOf" srcId="{226A6957-6D92-DA4F-A2A8-99C44C01F05C}" destId="{2EE746CF-615C-A943-96C4-47676C92CE72}" srcOrd="0" destOrd="0" presId="urn:microsoft.com/office/officeart/2005/8/layout/hierarchy3"/>
-    <dgm:cxn modelId="{933C46C8-5182-934E-B989-F2928AB049FA}" srcId="{AD38961A-880A-4C40-A58F-34C41ADEBFBC}" destId="{2293563E-2053-774A-80E7-B577ADF41B35}" srcOrd="1" destOrd="0" parTransId="{226A6957-6D92-DA4F-A2A8-99C44C01F05C}" sibTransId="{A4D8B57F-FE7B-C446-825C-914AF122BF76}"/>
-    <dgm:cxn modelId="{32F6E728-57E6-A84A-BDFF-45F5617A72B4}" type="presOf" srcId="{DBF5B8AA-8571-9544-9CFB-97A8D12A35AA}" destId="{9055DBE3-C591-844E-9279-7EF988C3AC86}" srcOrd="0" destOrd="0" presId="urn:microsoft.com/office/officeart/2005/8/layout/hierarchy3"/>
-    <dgm:cxn modelId="{FBBF569B-052D-1841-9A0D-3221F48308A3}" type="presOf" srcId="{8C76324F-E685-A043-9C96-77110F7D4157}" destId="{C472F4EA-2FF4-7D41-9120-A2A82EE6C4EC}" srcOrd="0" destOrd="0" presId="urn:microsoft.com/office/officeart/2005/8/layout/hierarchy3"/>
-    <dgm:cxn modelId="{E40013AA-8DDA-3741-B073-0ED068F8B0EE}" srcId="{0A4FF62D-84A0-384A-BFB7-3654B826E03B}" destId="{AD38961A-880A-4C40-A58F-34C41ADEBFBC}" srcOrd="1" destOrd="0" parTransId="{4B88AA1C-C1B4-B44C-B924-5EAD043FB7DE}" sibTransId="{5EE61892-2BC3-CF45-AAD0-5ACDFC391919}"/>
     <dgm:cxn modelId="{C974D2B2-E99B-3B40-8662-91C2196797D4}" type="presParOf" srcId="{BC03A7EE-C622-2640-A515-6F96842C9BF8}" destId="{97292B3B-E159-9C40-8BDC-BDB14D684BC2}" srcOrd="0" destOrd="0" presId="urn:microsoft.com/office/officeart/2005/8/layout/hierarchy3"/>
     <dgm:cxn modelId="{5EB87DBE-F59D-E941-A69B-EF6BA6469EF6}" type="presParOf" srcId="{97292B3B-E159-9C40-8BDC-BDB14D684BC2}" destId="{95BADE1B-0AFD-4F42-9172-1BD6F56779A3}" srcOrd="0" destOrd="0" presId="urn:microsoft.com/office/officeart/2005/8/layout/hierarchy3"/>
     <dgm:cxn modelId="{B92DD970-0D64-8047-8C0F-0DFFF437F339}" type="presParOf" srcId="{95BADE1B-0AFD-4F42-9172-1BD6F56779A3}" destId="{9055DBE3-C591-844E-9279-7EF988C3AC86}" srcOrd="0" destOrd="0" presId="urn:microsoft.com/office/officeart/2005/8/layout/hierarchy3"/>
@@ -4968,11 +4984,23 @@
           <a:pPr rtl="0"/>
           <a:r>
             <a:rPr kumimoji="1" lang="ja-JP" altLang="en-US" dirty="0" smtClean="0"/>
-            <a:t>あらゆる生徒に理解を促すために以下の機能を実装する</a:t>
+            <a:t>生徒の理解</a:t>
           </a:r>
           <a:r>
-            <a:rPr kumimoji="1" lang="en-US" altLang="ja-JP" dirty="0" smtClean="0"/>
-            <a:t>.</a:t>
+            <a:rPr kumimoji="1" lang="ja-JP" altLang="en-US" dirty="0" smtClean="0"/>
+            <a:t>を促す</a:t>
+          </a:r>
+          <a:r>
+            <a:rPr kumimoji="1" lang="ja-JP" altLang="en-US" dirty="0" smtClean="0"/>
+            <a:t>ため，以下</a:t>
+          </a:r>
+          <a:r>
+            <a:rPr kumimoji="1" lang="ja-JP" altLang="en-US" dirty="0" smtClean="0"/>
+            <a:t>の機能を</a:t>
+          </a:r>
+          <a:r>
+            <a:rPr kumimoji="1" lang="ja-JP" altLang="en-US" dirty="0" smtClean="0"/>
+            <a:t>実装</a:t>
           </a:r>
           <a:endParaRPr lang="ja-JP" altLang="en-US" dirty="0"/>
         </a:p>
@@ -5009,16 +5037,8 @@
         <a:p>
           <a:pPr rtl="0"/>
           <a:r>
-            <a:rPr kumimoji="1" lang="en-US" altLang="ja-JP" dirty="0" smtClean="0"/>
-            <a:t>1.</a:t>
-          </a:r>
-          <a:r>
             <a:rPr kumimoji="1" lang="ja-JP" altLang="en-US" dirty="0" smtClean="0"/>
-            <a:t>素元波の点源数を自由に変更可能とする</a:t>
-          </a:r>
-          <a:r>
-            <a:rPr kumimoji="1" lang="en-US" altLang="ja-JP" dirty="0" smtClean="0"/>
-            <a:t>.</a:t>
+            <a:t>素元波の表示切り替え</a:t>
           </a:r>
           <a:endParaRPr lang="ja-JP" altLang="en-US" dirty="0"/>
         </a:p>
@@ -5055,16 +5075,12 @@
         <a:p>
           <a:pPr rtl="0"/>
           <a:r>
-            <a:rPr kumimoji="1" lang="en-US" altLang="ja-JP" dirty="0" smtClean="0"/>
-            <a:t>2.</a:t>
+            <a:rPr kumimoji="1" lang="ja-JP" altLang="en-US" dirty="0" smtClean="0"/>
+            <a:t>素元波</a:t>
           </a:r>
           <a:r>
-            <a:rPr kumimoji="1" lang="ja-JP" altLang="en-US" dirty="0" smtClean="0"/>
-            <a:t>素元波の表示切り替えを可能とする</a:t>
-          </a:r>
-          <a:r>
-            <a:rPr kumimoji="1" lang="en-US" altLang="ja-JP" dirty="0" smtClean="0"/>
-            <a:t>.</a:t>
+            <a:rPr kumimoji="1" lang="ja-JP" altLang="en-US" smtClean="0"/>
+            <a:t>の点源数を変更可能に</a:t>
           </a:r>
           <a:endParaRPr lang="ja-JP" altLang="en-US" dirty="0"/>
         </a:p>
@@ -5101,16 +5117,16 @@
         <a:p>
           <a:pPr rtl="0"/>
           <a:r>
-            <a:rPr kumimoji="1" lang="en-US" altLang="ja-JP" dirty="0" smtClean="0"/>
-            <a:t>3.</a:t>
+            <a:rPr kumimoji="1" lang="ja-JP" altLang="en-US" dirty="0" smtClean="0"/>
+            <a:t>波</a:t>
           </a:r>
           <a:r>
             <a:rPr kumimoji="1" lang="ja-JP" altLang="en-US" dirty="0" smtClean="0"/>
-            <a:t>波の強度の表示も視覚化する</a:t>
+            <a:t>の</a:t>
           </a:r>
           <a:r>
-            <a:rPr kumimoji="1" lang="en-US" altLang="ja-JP" dirty="0" smtClean="0"/>
-            <a:t>.</a:t>
+            <a:rPr kumimoji="1" lang="ja-JP" altLang="en-US" dirty="0" smtClean="0"/>
+            <a:t>強度の視覚化</a:t>
           </a:r>
           <a:endParaRPr lang="ja-JP" altLang="en-US" dirty="0"/>
         </a:p>
@@ -5380,12 +5396,12 @@
         </a:fontRef>
       </dsp:style>
       <dsp:txBody>
-        <a:bodyPr spcFirstLastPara="0" vert="horz" wrap="square" lIns="22225" tIns="22225" rIns="22225" bIns="22225" numCol="1" spcCol="1270" anchor="ctr" anchorCtr="0">
+        <a:bodyPr spcFirstLastPara="0" vert="horz" wrap="square" lIns="20955" tIns="20955" rIns="20955" bIns="20955" numCol="1" spcCol="1270" anchor="ctr" anchorCtr="0">
           <a:noAutofit/>
         </a:bodyPr>
         <a:lstStyle/>
         <a:p>
-          <a:pPr lvl="0" algn="ctr" defTabSz="1555750" rtl="0">
+          <a:pPr lvl="0" algn="ctr" defTabSz="1466850" rtl="0">
             <a:lnSpc>
               <a:spcPct val="90000"/>
             </a:lnSpc>
@@ -5397,18 +5413,18 @@
             </a:spcAft>
           </a:pPr>
           <a:r>
-            <a:rPr kumimoji="1" lang="ja-JP" altLang="en-US" sz="3500" kern="1200" dirty="0" smtClean="0"/>
+            <a:rPr kumimoji="1" lang="ja-JP" altLang="en-US" sz="3300" kern="1200" dirty="0" smtClean="0"/>
             <a:t>２０２０年</a:t>
           </a:r>
           <a:r>
-            <a:rPr kumimoji="1" lang="en-US" altLang="ja-JP" sz="3500" kern="1200" dirty="0" smtClean="0"/>
+            <a:rPr kumimoji="1" lang="en-US" altLang="ja-JP" sz="3300" kern="1200" dirty="0" smtClean="0"/>
             <a:t>,</a:t>
           </a:r>
           <a:r>
-            <a:rPr kumimoji="1" lang="ja-JP" altLang="en-US" sz="3500" kern="1200" dirty="0" smtClean="0"/>
+            <a:rPr kumimoji="1" lang="ja-JP" altLang="en-US" sz="3300" kern="1200" dirty="0" smtClean="0"/>
             <a:t>中高教育でタブレット端末を活用予定</a:t>
           </a:r>
-          <a:endParaRPr lang="ja-JP" altLang="en-US" sz="3500" kern="1200" dirty="0"/>
+          <a:endParaRPr lang="ja-JP" altLang="en-US" sz="3300" kern="1200" dirty="0"/>
         </a:p>
       </dsp:txBody>
       <dsp:txXfrm>
@@ -5482,12 +5498,12 @@
         </a:fontRef>
       </dsp:style>
       <dsp:txBody>
-        <a:bodyPr spcFirstLastPara="0" vert="horz" wrap="square" lIns="22225" tIns="22225" rIns="22225" bIns="22225" numCol="1" spcCol="1270" anchor="ctr" anchorCtr="0">
+        <a:bodyPr spcFirstLastPara="0" vert="horz" wrap="square" lIns="20955" tIns="20955" rIns="20955" bIns="20955" numCol="1" spcCol="1270" anchor="ctr" anchorCtr="0">
           <a:noAutofit/>
         </a:bodyPr>
         <a:lstStyle/>
         <a:p>
-          <a:pPr lvl="0" algn="ctr" defTabSz="1555750" rtl="0">
+          <a:pPr lvl="0" algn="ctr" defTabSz="1466850" rtl="0">
             <a:lnSpc>
               <a:spcPct val="90000"/>
             </a:lnSpc>
@@ -5499,10 +5515,10 @@
             </a:spcAft>
           </a:pPr>
           <a:r>
-            <a:rPr kumimoji="1" lang="ja-JP" altLang="en-US" sz="3500" kern="1200" dirty="0" smtClean="0"/>
+            <a:rPr kumimoji="1" lang="ja-JP" altLang="en-US" sz="3300" kern="1200" dirty="0" smtClean="0"/>
             <a:t>数式による物理現象の理解の難しさ</a:t>
           </a:r>
-          <a:endParaRPr lang="ja-JP" altLang="en-US" sz="3500" kern="1200" dirty="0"/>
+          <a:endParaRPr lang="ja-JP" altLang="en-US" sz="3300" kern="1200" dirty="0"/>
         </a:p>
       </dsp:txBody>
       <dsp:txXfrm>
@@ -5658,12 +5674,12 @@
         </a:fontRef>
       </dsp:style>
       <dsp:txBody>
-        <a:bodyPr spcFirstLastPara="0" vert="horz" wrap="square" lIns="66675" tIns="44450" rIns="66675" bIns="44450" numCol="1" spcCol="1270" anchor="ctr" anchorCtr="0">
+        <a:bodyPr spcFirstLastPara="0" vert="horz" wrap="square" lIns="62865" tIns="41910" rIns="62865" bIns="41910" numCol="1" spcCol="1270" anchor="ctr" anchorCtr="0">
           <a:noAutofit/>
         </a:bodyPr>
         <a:lstStyle/>
         <a:p>
-          <a:pPr lvl="0" algn="ctr" defTabSz="1555750" rtl="0">
+          <a:pPr lvl="0" algn="ctr" defTabSz="1466850" rtl="0">
             <a:lnSpc>
               <a:spcPct val="90000"/>
             </a:lnSpc>
@@ -5675,22 +5691,22 @@
             </a:spcAft>
           </a:pPr>
           <a:r>
-            <a:rPr kumimoji="1" lang="ja-JP" altLang="en-US" sz="3500" kern="1200" dirty="0" smtClean="0"/>
+            <a:rPr kumimoji="1" lang="ja-JP" altLang="en-US" sz="3300" kern="1200" dirty="0" smtClean="0"/>
             <a:t>ホイヘンスの原理を</a:t>
           </a:r>
           <a:r>
-            <a:rPr kumimoji="1" lang="en-US" altLang="ja-JP" sz="3500" kern="1200" dirty="0" smtClean="0"/>
+            <a:rPr kumimoji="1" lang="en-US" altLang="ja-JP" sz="3300" kern="1200" dirty="0" smtClean="0"/>
             <a:t>Processing</a:t>
           </a:r>
           <a:r>
-            <a:rPr kumimoji="1" lang="ja-JP" altLang="en-US" sz="3500" kern="1200" dirty="0" smtClean="0"/>
+            <a:rPr kumimoji="1" lang="ja-JP" altLang="en-US" sz="3300" kern="1200" dirty="0" smtClean="0"/>
             <a:t>言語によるプログラムにより視覚化する</a:t>
           </a:r>
           <a:r>
-            <a:rPr kumimoji="1" lang="en-US" altLang="ja-JP" sz="3500" kern="1200" dirty="0" smtClean="0"/>
+            <a:rPr kumimoji="1" lang="en-US" altLang="ja-JP" sz="3300" kern="1200" dirty="0" smtClean="0"/>
             <a:t>.</a:t>
           </a:r>
-          <a:endParaRPr lang="ja-JP" altLang="en-US" sz="3500" kern="1200" dirty="0"/>
+          <a:endParaRPr lang="ja-JP" altLang="en-US" sz="3300" kern="1200" dirty="0"/>
         </a:p>
       </dsp:txBody>
       <dsp:txXfrm>
@@ -5806,12 +5822,12 @@
         <a:fontRef idx="minor"/>
       </dsp:style>
       <dsp:txBody>
-        <a:bodyPr spcFirstLastPara="0" vert="horz" wrap="square" lIns="45720" tIns="30480" rIns="45720" bIns="30480" numCol="1" spcCol="1270" anchor="ctr" anchorCtr="0">
+        <a:bodyPr spcFirstLastPara="0" vert="horz" wrap="square" lIns="41910" tIns="27940" rIns="41910" bIns="27940" numCol="1" spcCol="1270" anchor="ctr" anchorCtr="0">
           <a:noAutofit/>
         </a:bodyPr>
         <a:lstStyle/>
         <a:p>
-          <a:pPr lvl="0" algn="ctr" defTabSz="1066800" rtl="0">
+          <a:pPr lvl="0" algn="ctr" defTabSz="977900" rtl="0">
             <a:lnSpc>
               <a:spcPct val="90000"/>
             </a:lnSpc>
@@ -5823,26 +5839,26 @@
             </a:spcAft>
           </a:pPr>
           <a:r>
-            <a:rPr kumimoji="1" lang="en-US" altLang="ja-JP" sz="2400" kern="1200" dirty="0" smtClean="0"/>
+            <a:rPr kumimoji="1" lang="en-US" altLang="ja-JP" sz="2200" kern="1200" dirty="0" smtClean="0"/>
             <a:t>1. </a:t>
           </a:r>
           <a:r>
-            <a:rPr kumimoji="1" lang="ja-JP" altLang="en-US" sz="2400" kern="1200" dirty="0" smtClean="0"/>
+            <a:rPr kumimoji="1" lang="ja-JP" altLang="en-US" sz="2200" kern="1200" dirty="0" smtClean="0"/>
             <a:t>理論上でしか存在しない素元波を動的に見せることにより</a:t>
           </a:r>
           <a:r>
-            <a:rPr kumimoji="1" lang="en-US" altLang="ja-JP" sz="2400" kern="1200" dirty="0" smtClean="0"/>
+            <a:rPr kumimoji="1" lang="en-US" altLang="ja-JP" sz="2200" kern="1200" dirty="0" smtClean="0"/>
             <a:t>,</a:t>
           </a:r>
           <a:r>
-            <a:rPr kumimoji="1" lang="ja-JP" altLang="en-US" sz="2400" kern="1200" dirty="0" smtClean="0"/>
+            <a:rPr kumimoji="1" lang="ja-JP" altLang="en-US" sz="2200" kern="1200" dirty="0" smtClean="0"/>
             <a:t>深く印象付けることができる</a:t>
           </a:r>
           <a:r>
-            <a:rPr kumimoji="1" lang="en-US" altLang="ja-JP" sz="2400" kern="1200" dirty="0" smtClean="0"/>
+            <a:rPr kumimoji="1" lang="en-US" altLang="ja-JP" sz="2200" kern="1200" dirty="0" smtClean="0"/>
             <a:t>.</a:t>
           </a:r>
-          <a:endParaRPr lang="ja-JP" altLang="en-US" sz="2400" kern="1200" dirty="0"/>
+          <a:endParaRPr lang="ja-JP" altLang="en-US" sz="2200" kern="1200" dirty="0"/>
         </a:p>
       </dsp:txBody>
       <dsp:txXfrm>
@@ -5958,12 +5974,12 @@
         <a:fontRef idx="minor"/>
       </dsp:style>
       <dsp:txBody>
-        <a:bodyPr spcFirstLastPara="0" vert="horz" wrap="square" lIns="45720" tIns="30480" rIns="45720" bIns="30480" numCol="1" spcCol="1270" anchor="ctr" anchorCtr="0">
+        <a:bodyPr spcFirstLastPara="0" vert="horz" wrap="square" lIns="41910" tIns="27940" rIns="41910" bIns="27940" numCol="1" spcCol="1270" anchor="ctr" anchorCtr="0">
           <a:noAutofit/>
         </a:bodyPr>
         <a:lstStyle/>
         <a:p>
-          <a:pPr lvl="0" algn="ctr" defTabSz="1066800" rtl="0">
+          <a:pPr lvl="0" algn="ctr" defTabSz="977900" rtl="0">
             <a:lnSpc>
               <a:spcPct val="90000"/>
             </a:lnSpc>
@@ -5975,34 +5991,34 @@
             </a:spcAft>
           </a:pPr>
           <a:r>
-            <a:rPr kumimoji="1" lang="en-US" altLang="ja-JP" sz="2400" kern="1200" dirty="0" smtClean="0"/>
+            <a:rPr kumimoji="1" lang="en-US" altLang="ja-JP" sz="2200" kern="1200" dirty="0" smtClean="0"/>
             <a:t>2. </a:t>
           </a:r>
           <a:r>
-            <a:rPr kumimoji="1" lang="ja-JP" altLang="en-US" sz="2400" kern="1200" dirty="0" smtClean="0"/>
+            <a:rPr kumimoji="1" lang="ja-JP" altLang="en-US" sz="2200" kern="1200" dirty="0" smtClean="0"/>
             <a:t>この原理を理解することで波の反射</a:t>
           </a:r>
           <a:r>
-            <a:rPr kumimoji="1" lang="en-US" altLang="ja-JP" sz="2400" kern="1200" dirty="0" smtClean="0"/>
+            <a:rPr kumimoji="1" lang="en-US" altLang="ja-JP" sz="2200" kern="1200" dirty="0" smtClean="0"/>
             <a:t>,</a:t>
           </a:r>
           <a:r>
-            <a:rPr kumimoji="1" lang="ja-JP" altLang="en-US" sz="2400" kern="1200" dirty="0" smtClean="0"/>
+            <a:rPr kumimoji="1" lang="ja-JP" altLang="en-US" sz="2200" kern="1200" dirty="0" smtClean="0"/>
             <a:t>屈折</a:t>
           </a:r>
           <a:r>
-            <a:rPr kumimoji="1" lang="en-US" altLang="ja-JP" sz="2400" kern="1200" dirty="0" smtClean="0"/>
+            <a:rPr kumimoji="1" lang="en-US" altLang="ja-JP" sz="2200" kern="1200" dirty="0" smtClean="0"/>
             <a:t>,</a:t>
           </a:r>
           <a:r>
-            <a:rPr kumimoji="1" lang="ja-JP" altLang="en-US" sz="2400" kern="1200" dirty="0" smtClean="0"/>
+            <a:rPr kumimoji="1" lang="ja-JP" altLang="en-US" sz="2200" kern="1200" dirty="0" smtClean="0"/>
             <a:t>回折といった性質を全て理解できる</a:t>
           </a:r>
           <a:r>
-            <a:rPr kumimoji="1" lang="en-US" altLang="ja-JP" sz="2400" kern="1200" dirty="0" smtClean="0"/>
+            <a:rPr kumimoji="1" lang="en-US" altLang="ja-JP" sz="2200" kern="1200" dirty="0" smtClean="0"/>
             <a:t>.</a:t>
           </a:r>
-          <a:endParaRPr lang="ja-JP" altLang="en-US" sz="2400" kern="1200" dirty="0"/>
+          <a:endParaRPr lang="ja-JP" altLang="en-US" sz="2200" kern="1200" dirty="0"/>
         </a:p>
       </dsp:txBody>
       <dsp:txXfrm>
@@ -6090,12 +6106,12 @@
         </a:fontRef>
       </dsp:style>
       <dsp:txBody>
-        <a:bodyPr spcFirstLastPara="0" vert="horz" wrap="square" lIns="76200" tIns="50800" rIns="76200" bIns="50800" numCol="1" spcCol="1270" anchor="ctr" anchorCtr="0">
+        <a:bodyPr spcFirstLastPara="0" vert="horz" wrap="square" lIns="70485" tIns="46990" rIns="70485" bIns="46990" numCol="1" spcCol="1270" anchor="ctr" anchorCtr="0">
           <a:noAutofit/>
         </a:bodyPr>
         <a:lstStyle/>
         <a:p>
-          <a:pPr lvl="0" algn="ctr" defTabSz="1778000" rtl="0">
+          <a:pPr lvl="0" algn="ctr" defTabSz="1644650" rtl="0">
             <a:lnSpc>
               <a:spcPct val="90000"/>
             </a:lnSpc>
@@ -6107,10 +6123,10 @@
             </a:spcAft>
           </a:pPr>
           <a:r>
-            <a:rPr kumimoji="1" lang="ja-JP" altLang="en-US" sz="4000" kern="1200" dirty="0" smtClean="0"/>
+            <a:rPr kumimoji="1" lang="ja-JP" altLang="en-US" sz="3700" kern="1200" dirty="0" smtClean="0"/>
             <a:t>開発者側の利点</a:t>
           </a:r>
-          <a:endParaRPr lang="ja-JP" altLang="en-US" sz="4000" kern="1200" dirty="0"/>
+          <a:endParaRPr lang="ja-JP" altLang="en-US" sz="3700" kern="1200" dirty="0"/>
         </a:p>
       </dsp:txBody>
       <dsp:txXfrm>
@@ -6226,12 +6242,12 @@
         <a:fontRef idx="minor"/>
       </dsp:style>
       <dsp:txBody>
-        <a:bodyPr spcFirstLastPara="0" vert="horz" wrap="square" lIns="51435" tIns="34290" rIns="51435" bIns="34290" numCol="1" spcCol="1270" anchor="ctr" anchorCtr="0">
+        <a:bodyPr spcFirstLastPara="0" vert="horz" wrap="square" lIns="47625" tIns="31750" rIns="47625" bIns="31750" numCol="1" spcCol="1270" anchor="ctr" anchorCtr="0">
           <a:noAutofit/>
         </a:bodyPr>
         <a:lstStyle/>
         <a:p>
-          <a:pPr lvl="0" algn="ctr" defTabSz="1200150" rtl="0">
+          <a:pPr lvl="0" algn="ctr" defTabSz="1111250" rtl="0">
             <a:lnSpc>
               <a:spcPct val="90000"/>
             </a:lnSpc>
@@ -6243,10 +6259,10 @@
             </a:spcAft>
           </a:pPr>
           <a:r>
-            <a:rPr kumimoji="1" lang="ja-JP" altLang="en-US" sz="2700" kern="1200" dirty="0" smtClean="0"/>
+            <a:rPr kumimoji="1" lang="ja-JP" altLang="en-US" sz="2500" kern="1200" dirty="0" smtClean="0"/>
             <a:t>インタラクティブソフトウェアやビジュアルプレゼンテーションの作成に特化した言語</a:t>
           </a:r>
-          <a:endParaRPr lang="ja-JP" altLang="en-US" sz="2700" kern="1200" dirty="0"/>
+          <a:endParaRPr lang="ja-JP" altLang="en-US" sz="2500" kern="1200" dirty="0"/>
         </a:p>
       </dsp:txBody>
       <dsp:txXfrm>
@@ -6322,12 +6338,12 @@
         </a:fontRef>
       </dsp:style>
       <dsp:txBody>
-        <a:bodyPr spcFirstLastPara="0" vert="horz" wrap="square" lIns="76200" tIns="50800" rIns="76200" bIns="50800" numCol="1" spcCol="1270" anchor="ctr" anchorCtr="0">
+        <a:bodyPr spcFirstLastPara="0" vert="horz" wrap="square" lIns="70485" tIns="46990" rIns="70485" bIns="46990" numCol="1" spcCol="1270" anchor="ctr" anchorCtr="0">
           <a:noAutofit/>
         </a:bodyPr>
         <a:lstStyle/>
         <a:p>
-          <a:pPr lvl="0" algn="ctr" defTabSz="1778000">
+          <a:pPr lvl="0" algn="ctr" defTabSz="1644650">
             <a:lnSpc>
               <a:spcPct val="90000"/>
             </a:lnSpc>
@@ -6339,10 +6355,10 @@
             </a:spcAft>
           </a:pPr>
           <a:r>
-            <a:rPr kumimoji="1" lang="ja-JP" altLang="en-US" sz="4000" kern="1200" dirty="0" smtClean="0"/>
+            <a:rPr kumimoji="1" lang="ja-JP" altLang="en-US" sz="3700" kern="1200" dirty="0" smtClean="0"/>
             <a:t>学習者側の利点</a:t>
           </a:r>
-          <a:endParaRPr kumimoji="1" lang="ja-JP" altLang="en-US" sz="4000" kern="1200" dirty="0"/>
+          <a:endParaRPr kumimoji="1" lang="ja-JP" altLang="en-US" sz="3700" kern="1200" dirty="0"/>
         </a:p>
       </dsp:txBody>
       <dsp:txXfrm>
@@ -6458,12 +6474,12 @@
         <a:fontRef idx="minor"/>
       </dsp:style>
       <dsp:txBody>
-        <a:bodyPr spcFirstLastPara="0" vert="horz" wrap="square" lIns="51435" tIns="34290" rIns="51435" bIns="34290" numCol="1" spcCol="1270" anchor="ctr" anchorCtr="0">
+        <a:bodyPr spcFirstLastPara="0" vert="horz" wrap="square" lIns="47625" tIns="31750" rIns="47625" bIns="31750" numCol="1" spcCol="1270" anchor="ctr" anchorCtr="0">
           <a:noAutofit/>
         </a:bodyPr>
         <a:lstStyle/>
         <a:p>
-          <a:pPr lvl="0" algn="ctr" defTabSz="1200150">
+          <a:pPr lvl="0" algn="ctr" defTabSz="1111250">
             <a:lnSpc>
               <a:spcPct val="90000"/>
             </a:lnSpc>
@@ -6475,10 +6491,10 @@
             </a:spcAft>
           </a:pPr>
           <a:r>
-            <a:rPr kumimoji="1" lang="ja-JP" altLang="en-US" sz="2700" kern="1200" dirty="0" smtClean="0"/>
+            <a:rPr kumimoji="1" lang="ja-JP" altLang="en-US" sz="2500" kern="1200" dirty="0" smtClean="0"/>
             <a:t>タブレット端末で用いられている全てのプラットフォームで動作</a:t>
           </a:r>
-          <a:endParaRPr kumimoji="1" lang="ja-JP" altLang="en-US" sz="2700" kern="1200" dirty="0"/>
+          <a:endParaRPr kumimoji="1" lang="ja-JP" altLang="en-US" sz="2500" kern="1200" dirty="0"/>
         </a:p>
       </dsp:txBody>
       <dsp:txXfrm>
@@ -6594,12 +6610,12 @@
         <a:fontRef idx="minor"/>
       </dsp:style>
       <dsp:txBody>
-        <a:bodyPr spcFirstLastPara="0" vert="horz" wrap="square" lIns="51435" tIns="34290" rIns="51435" bIns="34290" numCol="1" spcCol="1270" anchor="ctr" anchorCtr="0">
+        <a:bodyPr spcFirstLastPara="0" vert="horz" wrap="square" lIns="47625" tIns="31750" rIns="47625" bIns="31750" numCol="1" spcCol="1270" anchor="ctr" anchorCtr="0">
           <a:noAutofit/>
         </a:bodyPr>
         <a:lstStyle/>
         <a:p>
-          <a:pPr lvl="0" algn="ctr" defTabSz="1200150">
+          <a:pPr lvl="0" algn="ctr" defTabSz="1111250">
             <a:lnSpc>
               <a:spcPct val="90000"/>
             </a:lnSpc>
@@ -6611,10 +6627,10 @@
             </a:spcAft>
           </a:pPr>
           <a:r>
-            <a:rPr kumimoji="1" lang="ja-JP" altLang="en-US" sz="2700" kern="1200" dirty="0" smtClean="0"/>
+            <a:rPr kumimoji="1" lang="ja-JP" altLang="en-US" sz="2500" kern="1200" dirty="0" smtClean="0"/>
             <a:t>環境構築が容易かつ無償で行える</a:t>
           </a:r>
-          <a:endParaRPr kumimoji="1" lang="ja-JP" altLang="en-US" sz="2700" kern="1200" dirty="0"/>
+          <a:endParaRPr kumimoji="1" lang="ja-JP" altLang="en-US" sz="2500" kern="1200" dirty="0"/>
         </a:p>
       </dsp:txBody>
       <dsp:txXfrm>
@@ -6678,12 +6694,12 @@
         </a:fontRef>
       </dsp:style>
       <dsp:txBody>
-        <a:bodyPr spcFirstLastPara="0" vert="horz" wrap="square" lIns="64770" tIns="43180" rIns="64770" bIns="43180" numCol="1" spcCol="1270" anchor="ctr" anchorCtr="0">
+        <a:bodyPr spcFirstLastPara="0" vert="horz" wrap="square" lIns="62865" tIns="41910" rIns="62865" bIns="41910" numCol="1" spcCol="1270" anchor="ctr" anchorCtr="0">
           <a:noAutofit/>
         </a:bodyPr>
         <a:lstStyle/>
         <a:p>
-          <a:pPr lvl="0" algn="ctr" defTabSz="1511300" rtl="0">
+          <a:pPr lvl="0" algn="ctr" defTabSz="1466850" rtl="0">
             <a:lnSpc>
               <a:spcPct val="90000"/>
             </a:lnSpc>
@@ -6695,14 +6711,26 @@
             </a:spcAft>
           </a:pPr>
           <a:r>
-            <a:rPr kumimoji="1" lang="ja-JP" altLang="en-US" sz="3400" kern="1200" dirty="0" smtClean="0"/>
-            <a:t>あらゆる生徒に理解を促すために以下の機能を実装する</a:t>
+            <a:rPr kumimoji="1" lang="ja-JP" altLang="en-US" sz="3300" kern="1200" dirty="0" smtClean="0"/>
+            <a:t>生徒の理解</a:t>
           </a:r>
           <a:r>
-            <a:rPr kumimoji="1" lang="en-US" altLang="ja-JP" sz="3400" kern="1200" dirty="0" smtClean="0"/>
-            <a:t>.</a:t>
+            <a:rPr kumimoji="1" lang="ja-JP" altLang="en-US" sz="3300" kern="1200" dirty="0" smtClean="0"/>
+            <a:t>を促す</a:t>
           </a:r>
-          <a:endParaRPr lang="ja-JP" altLang="en-US" sz="3400" kern="1200" dirty="0"/>
+          <a:r>
+            <a:rPr kumimoji="1" lang="ja-JP" altLang="en-US" sz="3300" kern="1200" dirty="0" smtClean="0"/>
+            <a:t>ため，以下</a:t>
+          </a:r>
+          <a:r>
+            <a:rPr kumimoji="1" lang="ja-JP" altLang="en-US" sz="3300" kern="1200" dirty="0" smtClean="0"/>
+            <a:t>の機能を</a:t>
+          </a:r>
+          <a:r>
+            <a:rPr kumimoji="1" lang="ja-JP" altLang="en-US" sz="3300" kern="1200" dirty="0" smtClean="0"/>
+            <a:t>実装</a:t>
+          </a:r>
+          <a:endParaRPr lang="ja-JP" altLang="en-US" sz="3300" kern="1200" dirty="0"/>
         </a:p>
       </dsp:txBody>
       <dsp:txXfrm>
@@ -6818,12 +6846,12 @@
         <a:fontRef idx="minor"/>
       </dsp:style>
       <dsp:txBody>
-        <a:bodyPr spcFirstLastPara="0" vert="horz" wrap="square" lIns="51435" tIns="34290" rIns="51435" bIns="34290" numCol="1" spcCol="1270" anchor="ctr" anchorCtr="0">
+        <a:bodyPr spcFirstLastPara="0" vert="horz" wrap="square" lIns="74295" tIns="49530" rIns="74295" bIns="49530" numCol="1" spcCol="1270" anchor="ctr" anchorCtr="0">
           <a:noAutofit/>
         </a:bodyPr>
         <a:lstStyle/>
         <a:p>
-          <a:pPr lvl="0" algn="ctr" defTabSz="1200150" rtl="0">
+          <a:pPr lvl="0" algn="ctr" defTabSz="1733550" rtl="0">
             <a:lnSpc>
               <a:spcPct val="90000"/>
             </a:lnSpc>
@@ -6835,18 +6863,10 @@
             </a:spcAft>
           </a:pPr>
           <a:r>
-            <a:rPr kumimoji="1" lang="en-US" altLang="ja-JP" sz="2700" kern="1200" dirty="0" smtClean="0"/>
-            <a:t>1.</a:t>
+            <a:rPr kumimoji="1" lang="ja-JP" altLang="en-US" sz="3900" kern="1200" dirty="0" smtClean="0"/>
+            <a:t>素元波の表示切り替え</a:t>
           </a:r>
-          <a:r>
-            <a:rPr kumimoji="1" lang="ja-JP" altLang="en-US" sz="2700" kern="1200" dirty="0" smtClean="0"/>
-            <a:t>素元波の点源数を自由に変更可能とする</a:t>
-          </a:r>
-          <a:r>
-            <a:rPr kumimoji="1" lang="en-US" altLang="ja-JP" sz="2700" kern="1200" dirty="0" smtClean="0"/>
-            <a:t>.</a:t>
-          </a:r>
-          <a:endParaRPr lang="ja-JP" altLang="en-US" sz="2700" kern="1200" dirty="0"/>
+          <a:endParaRPr lang="ja-JP" altLang="en-US" sz="3900" kern="1200" dirty="0"/>
         </a:p>
       </dsp:txBody>
       <dsp:txXfrm>
@@ -6962,12 +6982,12 @@
         <a:fontRef idx="minor"/>
       </dsp:style>
       <dsp:txBody>
-        <a:bodyPr spcFirstLastPara="0" vert="horz" wrap="square" lIns="51435" tIns="34290" rIns="51435" bIns="34290" numCol="1" spcCol="1270" anchor="ctr" anchorCtr="0">
+        <a:bodyPr spcFirstLastPara="0" vert="horz" wrap="square" lIns="74295" tIns="49530" rIns="74295" bIns="49530" numCol="1" spcCol="1270" anchor="ctr" anchorCtr="0">
           <a:noAutofit/>
         </a:bodyPr>
         <a:lstStyle/>
         <a:p>
-          <a:pPr lvl="0" algn="ctr" defTabSz="1200150" rtl="0">
+          <a:pPr lvl="0" algn="ctr" defTabSz="1733550" rtl="0">
             <a:lnSpc>
               <a:spcPct val="90000"/>
             </a:lnSpc>
@@ -6979,18 +6999,14 @@
             </a:spcAft>
           </a:pPr>
           <a:r>
-            <a:rPr kumimoji="1" lang="en-US" altLang="ja-JP" sz="2700" kern="1200" dirty="0" smtClean="0"/>
-            <a:t>2.</a:t>
+            <a:rPr kumimoji="1" lang="ja-JP" altLang="en-US" sz="3900" kern="1200" dirty="0" smtClean="0"/>
+            <a:t>素元波</a:t>
           </a:r>
           <a:r>
-            <a:rPr kumimoji="1" lang="ja-JP" altLang="en-US" sz="2700" kern="1200" dirty="0" smtClean="0"/>
-            <a:t>素元波の表示切り替えを可能とする</a:t>
+            <a:rPr kumimoji="1" lang="ja-JP" altLang="en-US" sz="3900" kern="1200" smtClean="0"/>
+            <a:t>の点源数を変更可能に</a:t>
           </a:r>
-          <a:r>
-            <a:rPr kumimoji="1" lang="en-US" altLang="ja-JP" sz="2700" kern="1200" dirty="0" smtClean="0"/>
-            <a:t>.</a:t>
-          </a:r>
-          <a:endParaRPr lang="ja-JP" altLang="en-US" sz="2700" kern="1200" dirty="0"/>
+          <a:endParaRPr lang="ja-JP" altLang="en-US" sz="3900" kern="1200" dirty="0"/>
         </a:p>
       </dsp:txBody>
       <dsp:txXfrm>
@@ -7106,12 +7122,12 @@
         <a:fontRef idx="minor"/>
       </dsp:style>
       <dsp:txBody>
-        <a:bodyPr spcFirstLastPara="0" vert="horz" wrap="square" lIns="51435" tIns="34290" rIns="51435" bIns="34290" numCol="1" spcCol="1270" anchor="ctr" anchorCtr="0">
+        <a:bodyPr spcFirstLastPara="0" vert="horz" wrap="square" lIns="74295" tIns="49530" rIns="74295" bIns="49530" numCol="1" spcCol="1270" anchor="ctr" anchorCtr="0">
           <a:noAutofit/>
         </a:bodyPr>
         <a:lstStyle/>
         <a:p>
-          <a:pPr lvl="0" algn="ctr" defTabSz="1200150" rtl="0">
+          <a:pPr lvl="0" algn="ctr" defTabSz="1733550" rtl="0">
             <a:lnSpc>
               <a:spcPct val="90000"/>
             </a:lnSpc>
@@ -7123,18 +7139,18 @@
             </a:spcAft>
           </a:pPr>
           <a:r>
-            <a:rPr kumimoji="1" lang="en-US" altLang="ja-JP" sz="2700" kern="1200" dirty="0" smtClean="0"/>
-            <a:t>3.</a:t>
+            <a:rPr kumimoji="1" lang="ja-JP" altLang="en-US" sz="3900" kern="1200" dirty="0" smtClean="0"/>
+            <a:t>波</a:t>
           </a:r>
           <a:r>
-            <a:rPr kumimoji="1" lang="ja-JP" altLang="en-US" sz="2700" kern="1200" dirty="0" smtClean="0"/>
-            <a:t>波の強度の表示も視覚化する</a:t>
+            <a:rPr kumimoji="1" lang="ja-JP" altLang="en-US" sz="3900" kern="1200" dirty="0" smtClean="0"/>
+            <a:t>の</a:t>
           </a:r>
           <a:r>
-            <a:rPr kumimoji="1" lang="en-US" altLang="ja-JP" sz="2700" kern="1200" dirty="0" smtClean="0"/>
-            <a:t>.</a:t>
+            <a:rPr kumimoji="1" lang="ja-JP" altLang="en-US" sz="3900" kern="1200" dirty="0" smtClean="0"/>
+            <a:t>強度の視覚化</a:t>
           </a:r>
-          <a:endParaRPr lang="ja-JP" altLang="en-US" sz="2700" kern="1200" dirty="0"/>
+          <a:endParaRPr lang="ja-JP" altLang="en-US" sz="3900" kern="1200" dirty="0"/>
         </a:p>
       </dsp:txBody>
       <dsp:txXfrm>
@@ -14566,7 +14582,7 @@
           <a:p>
             <a:fld id="{A29F1013-8569-0C46-A87A-32299CFBA061}" type="datetime1">
               <a:rPr kumimoji="1" lang="ja-JP" altLang="en-US" smtClean="0"/>
-              <a:t>16/09/09</a:t>
+              <a:t>2016/9/10</a:t>
             </a:fld>
             <a:endParaRPr kumimoji="1" lang="ja-JP" altLang="en-US"/>
           </a:p>
@@ -14732,7 +14748,7 @@
           <a:p>
             <a:fld id="{31943687-DFD5-7444-BCBD-B6E28169137B}" type="datetime1">
               <a:rPr kumimoji="1" lang="ja-JP" altLang="en-US" smtClean="0"/>
-              <a:t>16/09/09</a:t>
+              <a:t>2016/9/10</a:t>
             </a:fld>
             <a:endParaRPr kumimoji="1" lang="ja-JP" altLang="en-US"/>
           </a:p>
@@ -15813,7 +15829,7 @@
           <a:p>
             <a:fld id="{0C1FE816-952B-CC4C-A4CB-DFEF84EF9830}" type="datetime1">
               <a:rPr kumimoji="1" lang="ja-JP" altLang="en-US" smtClean="0"/>
-              <a:t>16/09/09</a:t>
+              <a:t>2016/9/10</a:t>
             </a:fld>
             <a:endParaRPr kumimoji="1" lang="ja-JP" altLang="en-US"/>
           </a:p>
@@ -16015,7 +16031,7 @@
           <a:p>
             <a:fld id="{2234A5A2-5493-D64E-9928-5C60E7DA8263}" type="datetime1">
               <a:rPr kumimoji="1" lang="ja-JP" altLang="en-US" smtClean="0"/>
-              <a:t>16/09/09</a:t>
+              <a:t>2016/9/10</a:t>
             </a:fld>
             <a:endParaRPr kumimoji="1" lang="ja-JP" altLang="en-US"/>
           </a:p>
@@ -16227,7 +16243,7 @@
           <a:p>
             <a:fld id="{C65C0048-E574-FB44-AD08-4A67350EAE47}" type="datetime1">
               <a:rPr kumimoji="1" lang="ja-JP" altLang="en-US" smtClean="0"/>
-              <a:t>16/09/09</a:t>
+              <a:t>2016/9/10</a:t>
             </a:fld>
             <a:endParaRPr kumimoji="1" lang="ja-JP" altLang="en-US"/>
           </a:p>
@@ -16429,7 +16445,7 @@
           <a:p>
             <a:fld id="{B13EA71E-88A5-2F4E-A12D-7EB39B55652E}" type="datetime1">
               <a:rPr kumimoji="1" lang="ja-JP" altLang="en-US" smtClean="0"/>
-              <a:t>16/09/09</a:t>
+              <a:t>2016/9/10</a:t>
             </a:fld>
             <a:endParaRPr kumimoji="1" lang="ja-JP" altLang="en-US"/>
           </a:p>
@@ -16675,7 +16691,7 @@
           <a:p>
             <a:fld id="{80D7231C-3030-B846-A7AD-8FCCE892DF26}" type="datetime1">
               <a:rPr kumimoji="1" lang="ja-JP" altLang="en-US" smtClean="0"/>
-              <a:t>16/09/09</a:t>
+              <a:t>2016/9/10</a:t>
             </a:fld>
             <a:endParaRPr kumimoji="1" lang="ja-JP" altLang="en-US"/>
           </a:p>
@@ -17027,7 +17043,7 @@
           <a:p>
             <a:fld id="{F4A94671-CE85-CC4E-9C07-6A1744BB70B3}" type="datetime1">
               <a:rPr kumimoji="1" lang="ja-JP" altLang="en-US" smtClean="0"/>
-              <a:t>16/09/09</a:t>
+              <a:t>2016/9/10</a:t>
             </a:fld>
             <a:endParaRPr kumimoji="1" lang="ja-JP" altLang="en-US"/>
           </a:p>
@@ -17513,7 +17529,7 @@
           <a:p>
             <a:fld id="{159BA37A-1199-A545-A116-BCB24AC68309}" type="datetime1">
               <a:rPr kumimoji="1" lang="ja-JP" altLang="en-US" smtClean="0"/>
-              <a:t>16/09/09</a:t>
+              <a:t>2016/9/10</a:t>
             </a:fld>
             <a:endParaRPr kumimoji="1" lang="ja-JP" altLang="en-US"/>
           </a:p>
@@ -17631,7 +17647,7 @@
           <a:p>
             <a:fld id="{90F27A0E-C8B8-C74E-ADE8-5AFBC6293129}" type="datetime1">
               <a:rPr kumimoji="1" lang="ja-JP" altLang="en-US" smtClean="0"/>
-              <a:t>16/09/09</a:t>
+              <a:t>2016/9/10</a:t>
             </a:fld>
             <a:endParaRPr kumimoji="1" lang="ja-JP" altLang="en-US"/>
           </a:p>
@@ -17726,7 +17742,7 @@
           <a:p>
             <a:fld id="{E3D445F4-84F3-DB4E-8E8F-2B41FFA1D682}" type="datetime1">
               <a:rPr kumimoji="1" lang="ja-JP" altLang="en-US" smtClean="0"/>
-              <a:t>16/09/09</a:t>
+              <a:t>2016/9/10</a:t>
             </a:fld>
             <a:endParaRPr kumimoji="1" lang="ja-JP" altLang="en-US"/>
           </a:p>
@@ -18035,7 +18051,7 @@
           <a:p>
             <a:fld id="{7369598C-2DDD-D146-908C-466B96108214}" type="datetime1">
               <a:rPr kumimoji="1" lang="ja-JP" altLang="en-US" smtClean="0"/>
-              <a:t>16/09/09</a:t>
+              <a:t>2016/9/10</a:t>
             </a:fld>
             <a:endParaRPr kumimoji="1" lang="ja-JP" altLang="en-US"/>
           </a:p>
@@ -18288,7 +18304,7 @@
           <a:p>
             <a:fld id="{99417E54-6530-6649-A78B-E2277E59FC60}" type="datetime1">
               <a:rPr kumimoji="1" lang="ja-JP" altLang="en-US" smtClean="0"/>
-              <a:t>16/09/09</a:t>
+              <a:t>2016/9/10</a:t>
             </a:fld>
             <a:endParaRPr kumimoji="1" lang="ja-JP" altLang="en-US"/>
           </a:p>
@@ -18533,7 +18549,7 @@
           <a:p>
             <a:fld id="{5A79A1DE-66FD-A749-ABEF-6F9EBBAE08DC}" type="datetime1">
               <a:rPr kumimoji="1" lang="ja-JP" altLang="en-US" smtClean="0"/>
-              <a:t>16/09/09</a:t>
+              <a:t>2016/9/10</a:t>
             </a:fld>
             <a:endParaRPr kumimoji="1" lang="ja-JP" altLang="en-US"/>
           </a:p>
@@ -19032,7 +19048,7 @@
   <p:timing>
     <p:tnLst>
       <p:par>
-        <p:cTn xmlns:p14="http://schemas.microsoft.com/office/powerpoint/2010/main" id="1" dur="indefinite" restart="never" nodeType="tmRoot"/>
+        <p:cTn id="1" dur="indefinite" restart="never" nodeType="tmRoot"/>
       </p:par>
     </p:tnLst>
   </p:timing>
@@ -19212,7 +19228,7 @@
   <p:timing>
     <p:tnLst>
       <p:par>
-        <p:cTn xmlns:p14="http://schemas.microsoft.com/office/powerpoint/2010/main" id="1" dur="indefinite" restart="never" nodeType="tmRoot"/>
+        <p:cTn id="1" dur="indefinite" restart="never" nodeType="tmRoot"/>
       </p:par>
     </p:tnLst>
   </p:timing>
@@ -19329,7 +19345,7 @@
   <p:timing>
     <p:tnLst>
       <p:par>
-        <p:cTn xmlns:p14="http://schemas.microsoft.com/office/powerpoint/2010/main" id="1" dur="indefinite" restart="never" nodeType="tmRoot"/>
+        <p:cTn id="1" dur="indefinite" restart="never" nodeType="tmRoot"/>
       </p:par>
     </p:tnLst>
   </p:timing>
@@ -19448,7 +19464,7 @@
   <p:timing>
     <p:tnLst>
       <p:par>
-        <p:cTn xmlns:p14="http://schemas.microsoft.com/office/powerpoint/2010/main" id="1" dur="indefinite" restart="never" nodeType="tmRoot"/>
+        <p:cTn id="1" dur="indefinite" restart="never" nodeType="tmRoot"/>
       </p:par>
     </p:tnLst>
   </p:timing>
@@ -19629,7 +19645,7 @@
   <p:timing>
     <p:tnLst>
       <p:par>
-        <p:cTn xmlns:p14="http://schemas.microsoft.com/office/powerpoint/2010/main" id="1" dur="indefinite" restart="never" nodeType="tmRoot"/>
+        <p:cTn id="1" dur="indefinite" restart="never" nodeType="tmRoot"/>
       </p:par>
     </p:tnLst>
   </p:timing>
@@ -19739,7 +19755,7 @@
   <p:timing>
     <p:tnLst>
       <p:par>
-        <p:cTn xmlns:p14="http://schemas.microsoft.com/office/powerpoint/2010/main" id="1" dur="indefinite" restart="never" nodeType="tmRoot"/>
+        <p:cTn id="1" dur="indefinite" restart="never" nodeType="tmRoot"/>
       </p:par>
     </p:tnLst>
   </p:timing>
@@ -19796,7 +19812,7 @@
             <p:ph idx="1"/>
             <p:extLst>
               <p:ext uri="{D42A27DB-BD31-4B8C-83A1-F6EECF244321}">
-                <p14:modId xmlns:p14="http://schemas.microsoft.com/office/powerpoint/2010/main" val="4016505149"/>
+                <p14:modId xmlns:p14="http://schemas.microsoft.com/office/powerpoint/2010/main" val="1063649984"/>
               </p:ext>
             </p:extLst>
           </p:nvPr>
@@ -19847,7 +19863,7 @@
   <p:timing>
     <p:tnLst>
       <p:par>
-        <p:cTn xmlns:p14="http://schemas.microsoft.com/office/powerpoint/2010/main" id="1" dur="indefinite" restart="never" nodeType="tmRoot"/>
+        <p:cTn id="1" dur="indefinite" restart="never" nodeType="tmRoot"/>
       </p:par>
     </p:tnLst>
   </p:timing>

--- a/Murakami_intermediate_announcement.pptx
+++ b/Murakami_intermediate_announcement.pptx
@@ -4897,22 +4897,22 @@
     </dgm:pt>
   </dgm:ptLst>
   <dgm:cxnLst>
+    <dgm:cxn modelId="{5AF6F565-D0EF-334E-A805-C4A3249277BB}" srcId="{0A4FF62D-84A0-384A-BFB7-3654B826E03B}" destId="{DBF5B8AA-8571-9544-9CFB-97A8D12A35AA}" srcOrd="0" destOrd="0" parTransId="{BCA95780-FBFC-8149-A252-CC69DB9B19B1}" sibTransId="{0B84BB70-D8E2-924A-AD25-60D31EF448C6}"/>
+    <dgm:cxn modelId="{EFD50455-567C-C44A-8794-AF6EE85F1CED}" type="presOf" srcId="{AD38961A-880A-4C40-A58F-34C41ADEBFBC}" destId="{4A7998E3-8CD0-4A46-A69B-AB17237A5FED}" srcOrd="1" destOrd="0" presId="urn:microsoft.com/office/officeart/2005/8/layout/hierarchy3"/>
+    <dgm:cxn modelId="{456F047C-F07E-7F4A-9E3A-5017758F60EE}" type="presOf" srcId="{2293563E-2053-774A-80E7-B577ADF41B35}" destId="{E972DBDE-3E28-6D44-800C-186440D55E69}" srcOrd="0" destOrd="0" presId="urn:microsoft.com/office/officeart/2005/8/layout/hierarchy3"/>
     <dgm:cxn modelId="{B01BA90E-45EC-4B47-AE7E-A83467DC1FB0}" srcId="{AD38961A-880A-4C40-A58F-34C41ADEBFBC}" destId="{9756941B-71D6-C440-B51F-924554AEF665}" srcOrd="0" destOrd="0" parTransId="{B28C8835-3183-E243-A9E7-3EE51A102164}" sibTransId="{43410CFE-2857-5E4B-80F6-AD5DE77E9E2F}"/>
-    <dgm:cxn modelId="{91D7FD95-9396-D944-9967-83A735D2F734}" type="presOf" srcId="{AD38961A-880A-4C40-A58F-34C41ADEBFBC}" destId="{183495E4-0D95-304E-A7B1-D51103F54E89}" srcOrd="0" destOrd="0" presId="urn:microsoft.com/office/officeart/2005/8/layout/hierarchy3"/>
+    <dgm:cxn modelId="{FD0C2CB6-38FC-E24A-9C70-5766E19C3CBC}" type="presOf" srcId="{DBF5B8AA-8571-9544-9CFB-97A8D12A35AA}" destId="{933538BC-906D-CC44-B747-0CEF1450A170}" srcOrd="1" destOrd="0" presId="urn:microsoft.com/office/officeart/2005/8/layout/hierarchy3"/>
+    <dgm:cxn modelId="{957993F3-2DE3-7349-BC81-934935479160}" type="presOf" srcId="{9756941B-71D6-C440-B51F-924554AEF665}" destId="{BCEAC06F-6245-CE44-947F-362F37B128CB}" srcOrd="0" destOrd="0" presId="urn:microsoft.com/office/officeart/2005/8/layout/hierarchy3"/>
+    <dgm:cxn modelId="{AC75E059-71A3-8141-975F-C2491F60E96E}" type="presOf" srcId="{226A6957-6D92-DA4F-A2A8-99C44C01F05C}" destId="{2EE746CF-615C-A943-96C4-47676C92CE72}" srcOrd="0" destOrd="0" presId="urn:microsoft.com/office/officeart/2005/8/layout/hierarchy3"/>
+    <dgm:cxn modelId="{94CE9BB4-F318-B84F-BB9F-3705016D7852}" type="presOf" srcId="{B28C8835-3183-E243-A9E7-3EE51A102164}" destId="{9B74D6BE-AA7B-8142-BC89-4CC98B7AF29A}" srcOrd="0" destOrd="0" presId="urn:microsoft.com/office/officeart/2005/8/layout/hierarchy3"/>
     <dgm:cxn modelId="{45B4E565-EF5C-5B44-A0E6-104C5978896D}" type="presOf" srcId="{22B792CB-FEE4-4445-9505-85AC22A989E5}" destId="{EA224E4A-823A-5F47-902F-01A38638163B}" srcOrd="0" destOrd="0" presId="urn:microsoft.com/office/officeart/2005/8/layout/hierarchy3"/>
     <dgm:cxn modelId="{0AB2A091-8D78-F44F-8178-56D72BB4719D}" type="presOf" srcId="{0A4FF62D-84A0-384A-BFB7-3654B826E03B}" destId="{BC03A7EE-C622-2640-A515-6F96842C9BF8}" srcOrd="0" destOrd="0" presId="urn:microsoft.com/office/officeart/2005/8/layout/hierarchy3"/>
-    <dgm:cxn modelId="{EFD50455-567C-C44A-8794-AF6EE85F1CED}" type="presOf" srcId="{AD38961A-880A-4C40-A58F-34C41ADEBFBC}" destId="{4A7998E3-8CD0-4A46-A69B-AB17237A5FED}" srcOrd="1" destOrd="0" presId="urn:microsoft.com/office/officeart/2005/8/layout/hierarchy3"/>
-    <dgm:cxn modelId="{957993F3-2DE3-7349-BC81-934935479160}" type="presOf" srcId="{9756941B-71D6-C440-B51F-924554AEF665}" destId="{BCEAC06F-6245-CE44-947F-362F37B128CB}" srcOrd="0" destOrd="0" presId="urn:microsoft.com/office/officeart/2005/8/layout/hierarchy3"/>
-    <dgm:cxn modelId="{94CE9BB4-F318-B84F-BB9F-3705016D7852}" type="presOf" srcId="{B28C8835-3183-E243-A9E7-3EE51A102164}" destId="{9B74D6BE-AA7B-8142-BC89-4CC98B7AF29A}" srcOrd="0" destOrd="0" presId="urn:microsoft.com/office/officeart/2005/8/layout/hierarchy3"/>
-    <dgm:cxn modelId="{456F047C-F07E-7F4A-9E3A-5017758F60EE}" type="presOf" srcId="{2293563E-2053-774A-80E7-B577ADF41B35}" destId="{E972DBDE-3E28-6D44-800C-186440D55E69}" srcOrd="0" destOrd="0" presId="urn:microsoft.com/office/officeart/2005/8/layout/hierarchy3"/>
-    <dgm:cxn modelId="{5AF6F565-D0EF-334E-A805-C4A3249277BB}" srcId="{0A4FF62D-84A0-384A-BFB7-3654B826E03B}" destId="{DBF5B8AA-8571-9544-9CFB-97A8D12A35AA}" srcOrd="0" destOrd="0" parTransId="{BCA95780-FBFC-8149-A252-CC69DB9B19B1}" sibTransId="{0B84BB70-D8E2-924A-AD25-60D31EF448C6}"/>
-    <dgm:cxn modelId="{FD0C2CB6-38FC-E24A-9C70-5766E19C3CBC}" type="presOf" srcId="{DBF5B8AA-8571-9544-9CFB-97A8D12A35AA}" destId="{933538BC-906D-CC44-B747-0CEF1450A170}" srcOrd="1" destOrd="0" presId="urn:microsoft.com/office/officeart/2005/8/layout/hierarchy3"/>
+    <dgm:cxn modelId="{933C46C8-5182-934E-B989-F2928AB049FA}" srcId="{AD38961A-880A-4C40-A58F-34C41ADEBFBC}" destId="{2293563E-2053-774A-80E7-B577ADF41B35}" srcOrd="1" destOrd="0" parTransId="{226A6957-6D92-DA4F-A2A8-99C44C01F05C}" sibTransId="{A4D8B57F-FE7B-C446-825C-914AF122BF76}"/>
+    <dgm:cxn modelId="{E40013AA-8DDA-3741-B073-0ED068F8B0EE}" srcId="{0A4FF62D-84A0-384A-BFB7-3654B826E03B}" destId="{AD38961A-880A-4C40-A58F-34C41ADEBFBC}" srcOrd="1" destOrd="0" parTransId="{4B88AA1C-C1B4-B44C-B924-5EAD043FB7DE}" sibTransId="{5EE61892-2BC3-CF45-AAD0-5ACDFC391919}"/>
+    <dgm:cxn modelId="{FBBF569B-052D-1841-9A0D-3221F48308A3}" type="presOf" srcId="{8C76324F-E685-A043-9C96-77110F7D4157}" destId="{C472F4EA-2FF4-7D41-9120-A2A82EE6C4EC}" srcOrd="0" destOrd="0" presId="urn:microsoft.com/office/officeart/2005/8/layout/hierarchy3"/>
+    <dgm:cxn modelId="{91D7FD95-9396-D944-9967-83A735D2F734}" type="presOf" srcId="{AD38961A-880A-4C40-A58F-34C41ADEBFBC}" destId="{183495E4-0D95-304E-A7B1-D51103F54E89}" srcOrd="0" destOrd="0" presId="urn:microsoft.com/office/officeart/2005/8/layout/hierarchy3"/>
+    <dgm:cxn modelId="{32F6E728-57E6-A84A-BDFF-45F5617A72B4}" type="presOf" srcId="{DBF5B8AA-8571-9544-9CFB-97A8D12A35AA}" destId="{9055DBE3-C591-844E-9279-7EF988C3AC86}" srcOrd="0" destOrd="0" presId="urn:microsoft.com/office/officeart/2005/8/layout/hierarchy3"/>
     <dgm:cxn modelId="{1C688572-44A6-EF42-9344-6E43B780FAE3}" srcId="{DBF5B8AA-8571-9544-9CFB-97A8D12A35AA}" destId="{8C76324F-E685-A043-9C96-77110F7D4157}" srcOrd="0" destOrd="0" parTransId="{22B792CB-FEE4-4445-9505-85AC22A989E5}" sibTransId="{F7BC08C6-5EE9-204F-93F5-64F917B645B1}"/>
-    <dgm:cxn modelId="{AC75E059-71A3-8141-975F-C2491F60E96E}" type="presOf" srcId="{226A6957-6D92-DA4F-A2A8-99C44C01F05C}" destId="{2EE746CF-615C-A943-96C4-47676C92CE72}" srcOrd="0" destOrd="0" presId="urn:microsoft.com/office/officeart/2005/8/layout/hierarchy3"/>
-    <dgm:cxn modelId="{933C46C8-5182-934E-B989-F2928AB049FA}" srcId="{AD38961A-880A-4C40-A58F-34C41ADEBFBC}" destId="{2293563E-2053-774A-80E7-B577ADF41B35}" srcOrd="1" destOrd="0" parTransId="{226A6957-6D92-DA4F-A2A8-99C44C01F05C}" sibTransId="{A4D8B57F-FE7B-C446-825C-914AF122BF76}"/>
-    <dgm:cxn modelId="{32F6E728-57E6-A84A-BDFF-45F5617A72B4}" type="presOf" srcId="{DBF5B8AA-8571-9544-9CFB-97A8D12A35AA}" destId="{9055DBE3-C591-844E-9279-7EF988C3AC86}" srcOrd="0" destOrd="0" presId="urn:microsoft.com/office/officeart/2005/8/layout/hierarchy3"/>
-    <dgm:cxn modelId="{FBBF569B-052D-1841-9A0D-3221F48308A3}" type="presOf" srcId="{8C76324F-E685-A043-9C96-77110F7D4157}" destId="{C472F4EA-2FF4-7D41-9120-A2A82EE6C4EC}" srcOrd="0" destOrd="0" presId="urn:microsoft.com/office/officeart/2005/8/layout/hierarchy3"/>
-    <dgm:cxn modelId="{E40013AA-8DDA-3741-B073-0ED068F8B0EE}" srcId="{0A4FF62D-84A0-384A-BFB7-3654B826E03B}" destId="{AD38961A-880A-4C40-A58F-34C41ADEBFBC}" srcOrd="1" destOrd="0" parTransId="{4B88AA1C-C1B4-B44C-B924-5EAD043FB7DE}" sibTransId="{5EE61892-2BC3-CF45-AAD0-5ACDFC391919}"/>
     <dgm:cxn modelId="{C974D2B2-E99B-3B40-8662-91C2196797D4}" type="presParOf" srcId="{BC03A7EE-C622-2640-A515-6F96842C9BF8}" destId="{97292B3B-E159-9C40-8BDC-BDB14D684BC2}" srcOrd="0" destOrd="0" presId="urn:microsoft.com/office/officeart/2005/8/layout/hierarchy3"/>
     <dgm:cxn modelId="{5EB87DBE-F59D-E941-A69B-EF6BA6469EF6}" type="presParOf" srcId="{97292B3B-E159-9C40-8BDC-BDB14D684BC2}" destId="{95BADE1B-0AFD-4F42-9172-1BD6F56779A3}" srcOrd="0" destOrd="0" presId="urn:microsoft.com/office/officeart/2005/8/layout/hierarchy3"/>
     <dgm:cxn modelId="{B92DD970-0D64-8047-8C0F-0DFFF437F339}" type="presParOf" srcId="{95BADE1B-0AFD-4F42-9172-1BD6F56779A3}" destId="{9055DBE3-C591-844E-9279-7EF988C3AC86}" srcOrd="0" destOrd="0" presId="urn:microsoft.com/office/officeart/2005/8/layout/hierarchy3"/>
@@ -19603,11 +19603,11 @@
           <a:lstStyle/>
           <a:p>
             <a:r>
-              <a:rPr lang="en-US" altLang="en-US" sz="2800" dirty="0">
+              <a:rPr lang="ja-JP" altLang="en-US" sz="2800" dirty="0">
                 <a:latin typeface="Arial"/>
                 <a:cs typeface="Arial"/>
               </a:rPr>
-              <a:t>5</a:t>
+              <a:t>4</a:t>
             </a:r>
             <a:endParaRPr kumimoji="1" lang="ja-JP" altLang="en-US" sz="2800" dirty="0">
               <a:latin typeface="Arial"/>
@@ -19720,7 +19720,7 @@
           <a:p>
             <a:r>
               <a:rPr lang="en-US" altLang="en-US" sz="2800" dirty="0"/>
-              <a:t>6</a:t>
+              <a:t>5</a:t>
             </a:r>
             <a:endParaRPr kumimoji="1" lang="ja-JP" altLang="en-US" sz="2800" dirty="0"/>
           </a:p>
@@ -19827,8 +19827,8 @@
           <a:lstStyle/>
           <a:p>
             <a:r>
-              <a:rPr lang="en-US" altLang="en-US" sz="2800" dirty="0"/>
-              <a:t>7</a:t>
+              <a:rPr lang="ja-JP" altLang="en-US" sz="2800" dirty="0"/>
+              <a:t>6</a:t>
             </a:r>
             <a:endParaRPr kumimoji="1" lang="ja-JP" altLang="en-US" sz="2800" dirty="0"/>
           </a:p>

--- a/Murakami_intermediate_announcement.pptx
+++ b/Murakami_intermediate_announcement.pptx
@@ -4276,122 +4276,6 @@
         </a:p>
       </dgm:t>
     </dgm:pt>
-    <dgm:pt modelId="{5899DEE0-CADB-F44D-B92C-4513E37033C3}">
-      <dgm:prSet/>
-      <dgm:spPr/>
-      <dgm:t>
-        <a:bodyPr/>
-        <a:lstStyle/>
-        <a:p>
-          <a:pPr rtl="0"/>
-          <a:r>
-            <a:rPr kumimoji="1" lang="en-US" altLang="ja-JP" dirty="0" smtClean="0"/>
-            <a:t>1. </a:t>
-          </a:r>
-          <a:r>
-            <a:rPr kumimoji="1" lang="ja-JP" altLang="en-US" dirty="0" smtClean="0"/>
-            <a:t>理論上でしか存在しない素元波を動的に見せることにより</a:t>
-          </a:r>
-          <a:r>
-            <a:rPr kumimoji="1" lang="en-US" altLang="ja-JP" dirty="0" smtClean="0"/>
-            <a:t>,</a:t>
-          </a:r>
-          <a:r>
-            <a:rPr kumimoji="1" lang="ja-JP" altLang="en-US" dirty="0" smtClean="0"/>
-            <a:t>深く印象付けることができる</a:t>
-          </a:r>
-          <a:r>
-            <a:rPr kumimoji="1" lang="en-US" altLang="ja-JP" dirty="0" smtClean="0"/>
-            <a:t>.</a:t>
-          </a:r>
-          <a:endParaRPr lang="ja-JP" altLang="en-US" dirty="0"/>
-        </a:p>
-      </dgm:t>
-    </dgm:pt>
-    <dgm:pt modelId="{A264ECC9-844E-7D44-9113-21CFA2FD7AC4}" type="parTrans" cxnId="{F6D4385F-B829-7648-B2DC-58AA029F6E30}">
-      <dgm:prSet/>
-      <dgm:spPr/>
-      <dgm:t>
-        <a:bodyPr/>
-        <a:lstStyle/>
-        <a:p>
-          <a:endParaRPr kumimoji="1" lang="ja-JP" altLang="en-US"/>
-        </a:p>
-      </dgm:t>
-    </dgm:pt>
-    <dgm:pt modelId="{37839A4E-07B8-594E-B7CA-21ADFF210AC0}" type="sibTrans" cxnId="{F6D4385F-B829-7648-B2DC-58AA029F6E30}">
-      <dgm:prSet/>
-      <dgm:spPr/>
-      <dgm:t>
-        <a:bodyPr/>
-        <a:lstStyle/>
-        <a:p>
-          <a:endParaRPr kumimoji="1" lang="ja-JP" altLang="en-US"/>
-        </a:p>
-      </dgm:t>
-    </dgm:pt>
-    <dgm:pt modelId="{8A1294F2-BF53-044B-A50F-5FE9D5F06C71}">
-      <dgm:prSet/>
-      <dgm:spPr/>
-      <dgm:t>
-        <a:bodyPr/>
-        <a:lstStyle/>
-        <a:p>
-          <a:pPr rtl="0"/>
-          <a:r>
-            <a:rPr kumimoji="1" lang="en-US" altLang="ja-JP" dirty="0" smtClean="0"/>
-            <a:t>2. </a:t>
-          </a:r>
-          <a:r>
-            <a:rPr kumimoji="1" lang="ja-JP" altLang="en-US" dirty="0" smtClean="0"/>
-            <a:t>この原理を理解することで波の反射</a:t>
-          </a:r>
-          <a:r>
-            <a:rPr kumimoji="1" lang="en-US" altLang="ja-JP" dirty="0" smtClean="0"/>
-            <a:t>,</a:t>
-          </a:r>
-          <a:r>
-            <a:rPr kumimoji="1" lang="ja-JP" altLang="en-US" dirty="0" smtClean="0"/>
-            <a:t>屈折</a:t>
-          </a:r>
-          <a:r>
-            <a:rPr kumimoji="1" lang="en-US" altLang="ja-JP" dirty="0" smtClean="0"/>
-            <a:t>,</a:t>
-          </a:r>
-          <a:r>
-            <a:rPr kumimoji="1" lang="ja-JP" altLang="en-US" dirty="0" smtClean="0"/>
-            <a:t>回折といった性質を全て理解できる</a:t>
-          </a:r>
-          <a:r>
-            <a:rPr kumimoji="1" lang="en-US" altLang="ja-JP" dirty="0" smtClean="0"/>
-            <a:t>.</a:t>
-          </a:r>
-          <a:endParaRPr lang="ja-JP" altLang="en-US" dirty="0"/>
-        </a:p>
-      </dgm:t>
-    </dgm:pt>
-    <dgm:pt modelId="{6A308E14-37F6-BA42-9B4E-902C4D35FDC1}" type="parTrans" cxnId="{4BF18E41-A5B0-AF49-A589-6FD4306665F0}">
-      <dgm:prSet/>
-      <dgm:spPr/>
-      <dgm:t>
-        <a:bodyPr/>
-        <a:lstStyle/>
-        <a:p>
-          <a:endParaRPr kumimoji="1" lang="ja-JP" altLang="en-US"/>
-        </a:p>
-      </dgm:t>
-    </dgm:pt>
-    <dgm:pt modelId="{47524B74-B858-4E44-96D4-807F5BCAA229}" type="sibTrans" cxnId="{4BF18E41-A5B0-AF49-A589-6FD4306665F0}">
-      <dgm:prSet/>
-      <dgm:spPr/>
-      <dgm:t>
-        <a:bodyPr/>
-        <a:lstStyle/>
-        <a:p>
-          <a:endParaRPr kumimoji="1" lang="ja-JP" altLang="en-US"/>
-        </a:p>
-      </dgm:t>
-    </dgm:pt>
     <dgm:pt modelId="{23553640-2170-C742-BC60-A28D7F38F4A4}" type="pres">
       <dgm:prSet presAssocID="{C172950E-9CAB-F349-825F-42DF2BAE452E}" presName="diagram" presStyleCnt="0">
         <dgm:presLayoutVars>
@@ -4445,79 +4329,17 @@
       <dgm:prSet presAssocID="{6E9B7A27-FCC8-CA49-947D-6FD94841E7F3}" presName="childShape" presStyleCnt="0"/>
       <dgm:spPr/>
     </dgm:pt>
-    <dgm:pt modelId="{01D8FAF8-273A-5F42-B80C-95F9F1BD6CD7}" type="pres">
-      <dgm:prSet presAssocID="{A264ECC9-844E-7D44-9113-21CFA2FD7AC4}" presName="Name13" presStyleLbl="parChTrans1D2" presStyleIdx="0" presStyleCnt="2"/>
-      <dgm:spPr/>
-      <dgm:t>
-        <a:bodyPr/>
-        <a:lstStyle/>
-        <a:p>
-          <a:endParaRPr kumimoji="1" lang="ja-JP" altLang="en-US"/>
-        </a:p>
-      </dgm:t>
-    </dgm:pt>
-    <dgm:pt modelId="{03174683-EDA3-8F43-8532-8231252C9FB7}" type="pres">
-      <dgm:prSet presAssocID="{5899DEE0-CADB-F44D-B92C-4513E37033C3}" presName="childText" presStyleLbl="bgAcc1" presStyleIdx="0" presStyleCnt="2" custScaleX="302740">
-        <dgm:presLayoutVars>
-          <dgm:bulletEnabled val="1"/>
-        </dgm:presLayoutVars>
-      </dgm:prSet>
-      <dgm:spPr/>
-      <dgm:t>
-        <a:bodyPr/>
-        <a:lstStyle/>
-        <a:p>
-          <a:endParaRPr kumimoji="1" lang="ja-JP" altLang="en-US"/>
-        </a:p>
-      </dgm:t>
-    </dgm:pt>
-    <dgm:pt modelId="{1407117A-AD28-C840-812C-0111E58CD679}" type="pres">
-      <dgm:prSet presAssocID="{6A308E14-37F6-BA42-9B4E-902C4D35FDC1}" presName="Name13" presStyleLbl="parChTrans1D2" presStyleIdx="1" presStyleCnt="2"/>
-      <dgm:spPr/>
-      <dgm:t>
-        <a:bodyPr/>
-        <a:lstStyle/>
-        <a:p>
-          <a:endParaRPr kumimoji="1" lang="ja-JP" altLang="en-US"/>
-        </a:p>
-      </dgm:t>
-    </dgm:pt>
-    <dgm:pt modelId="{7B7DDB90-3590-8845-BE1D-DB1FE36F4CB6}" type="pres">
-      <dgm:prSet presAssocID="{8A1294F2-BF53-044B-A50F-5FE9D5F06C71}" presName="childText" presStyleLbl="bgAcc1" presStyleIdx="1" presStyleCnt="2" custScaleX="300666">
-        <dgm:presLayoutVars>
-          <dgm:bulletEnabled val="1"/>
-        </dgm:presLayoutVars>
-      </dgm:prSet>
-      <dgm:spPr/>
-      <dgm:t>
-        <a:bodyPr/>
-        <a:lstStyle/>
-        <a:p>
-          <a:endParaRPr kumimoji="1" lang="ja-JP" altLang="en-US"/>
-        </a:p>
-      </dgm:t>
-    </dgm:pt>
   </dgm:ptLst>
   <dgm:cxnLst>
+    <dgm:cxn modelId="{79C5BE6E-6CC5-A345-8AC0-F31E686C8637}" type="presOf" srcId="{6E9B7A27-FCC8-CA49-947D-6FD94841E7F3}" destId="{ECD439B4-8CC1-F842-A459-BA11C7B22CE6}" srcOrd="0" destOrd="0" presId="urn:microsoft.com/office/officeart/2005/8/layout/hierarchy3"/>
+    <dgm:cxn modelId="{E3000FA4-A80A-7D44-ADCD-D1BAC09F9D76}" type="presOf" srcId="{C172950E-9CAB-F349-825F-42DF2BAE452E}" destId="{23553640-2170-C742-BC60-A28D7F38F4A4}" srcOrd="0" destOrd="0" presId="urn:microsoft.com/office/officeart/2005/8/layout/hierarchy3"/>
     <dgm:cxn modelId="{13E74B73-3EAF-404D-810E-E722AB63BF0A}" srcId="{C172950E-9CAB-F349-825F-42DF2BAE452E}" destId="{6E9B7A27-FCC8-CA49-947D-6FD94841E7F3}" srcOrd="0" destOrd="0" parTransId="{122DB3B3-EB2F-7C47-90DB-03F730EB99BC}" sibTransId="{704C4C40-D3D1-214B-A970-058A82AC3ED1}"/>
-    <dgm:cxn modelId="{5AA75CCB-08FC-204B-B6E5-9272E6C1D5AD}" type="presOf" srcId="{8A1294F2-BF53-044B-A50F-5FE9D5F06C71}" destId="{7B7DDB90-3590-8845-BE1D-DB1FE36F4CB6}" srcOrd="0" destOrd="0" presId="urn:microsoft.com/office/officeart/2005/8/layout/hierarchy3"/>
-    <dgm:cxn modelId="{4BF18E41-A5B0-AF49-A589-6FD4306665F0}" srcId="{6E9B7A27-FCC8-CA49-947D-6FD94841E7F3}" destId="{8A1294F2-BF53-044B-A50F-5FE9D5F06C71}" srcOrd="1" destOrd="0" parTransId="{6A308E14-37F6-BA42-9B4E-902C4D35FDC1}" sibTransId="{47524B74-B858-4E44-96D4-807F5BCAA229}"/>
-    <dgm:cxn modelId="{51092F26-FD51-424E-B8E0-DDC0E755A5DE}" type="presOf" srcId="{5899DEE0-CADB-F44D-B92C-4513E37033C3}" destId="{03174683-EDA3-8F43-8532-8231252C9FB7}" srcOrd="0" destOrd="0" presId="urn:microsoft.com/office/officeart/2005/8/layout/hierarchy3"/>
-    <dgm:cxn modelId="{79C5BE6E-6CC5-A345-8AC0-F31E686C8637}" type="presOf" srcId="{6E9B7A27-FCC8-CA49-947D-6FD94841E7F3}" destId="{ECD439B4-8CC1-F842-A459-BA11C7B22CE6}" srcOrd="0" destOrd="0" presId="urn:microsoft.com/office/officeart/2005/8/layout/hierarchy3"/>
-    <dgm:cxn modelId="{F6D4385F-B829-7648-B2DC-58AA029F6E30}" srcId="{6E9B7A27-FCC8-CA49-947D-6FD94841E7F3}" destId="{5899DEE0-CADB-F44D-B92C-4513E37033C3}" srcOrd="0" destOrd="0" parTransId="{A264ECC9-844E-7D44-9113-21CFA2FD7AC4}" sibTransId="{37839A4E-07B8-594E-B7CA-21ADFF210AC0}"/>
-    <dgm:cxn modelId="{F5CA1742-7E8B-FC48-A073-811B70981453}" type="presOf" srcId="{6A308E14-37F6-BA42-9B4E-902C4D35FDC1}" destId="{1407117A-AD28-C840-812C-0111E58CD679}" srcOrd="0" destOrd="0" presId="urn:microsoft.com/office/officeart/2005/8/layout/hierarchy3"/>
-    <dgm:cxn modelId="{38477556-F282-EF40-A91F-626F6AD04C81}" type="presOf" srcId="{A264ECC9-844E-7D44-9113-21CFA2FD7AC4}" destId="{01D8FAF8-273A-5F42-B80C-95F9F1BD6CD7}" srcOrd="0" destOrd="0" presId="urn:microsoft.com/office/officeart/2005/8/layout/hierarchy3"/>
     <dgm:cxn modelId="{4D102E7B-BA06-CD46-883D-14EE9F66A152}" type="presOf" srcId="{6E9B7A27-FCC8-CA49-947D-6FD94841E7F3}" destId="{1AC78A20-F62C-114E-AF0E-B1EBE58A92B5}" srcOrd="1" destOrd="0" presId="urn:microsoft.com/office/officeart/2005/8/layout/hierarchy3"/>
-    <dgm:cxn modelId="{E3000FA4-A80A-7D44-ADCD-D1BAC09F9D76}" type="presOf" srcId="{C172950E-9CAB-F349-825F-42DF2BAE452E}" destId="{23553640-2170-C742-BC60-A28D7F38F4A4}" srcOrd="0" destOrd="0" presId="urn:microsoft.com/office/officeart/2005/8/layout/hierarchy3"/>
     <dgm:cxn modelId="{B9B7FE86-0A92-154D-B86D-811FB88B3576}" type="presParOf" srcId="{23553640-2170-C742-BC60-A28D7F38F4A4}" destId="{C0905867-D74E-DA41-87FD-31A59ACC446B}" srcOrd="0" destOrd="0" presId="urn:microsoft.com/office/officeart/2005/8/layout/hierarchy3"/>
     <dgm:cxn modelId="{6E8A8FD3-7B6F-084B-A5FF-FD3DFCF0A82C}" type="presParOf" srcId="{C0905867-D74E-DA41-87FD-31A59ACC446B}" destId="{F6038E81-8CA2-8746-9F65-664C68F2784B}" srcOrd="0" destOrd="0" presId="urn:microsoft.com/office/officeart/2005/8/layout/hierarchy3"/>
     <dgm:cxn modelId="{A59530B9-B05A-564C-BDD8-23D877B822F6}" type="presParOf" srcId="{F6038E81-8CA2-8746-9F65-664C68F2784B}" destId="{ECD439B4-8CC1-F842-A459-BA11C7B22CE6}" srcOrd="0" destOrd="0" presId="urn:microsoft.com/office/officeart/2005/8/layout/hierarchy3"/>
     <dgm:cxn modelId="{1EE2954D-382C-FC41-B4DA-D0F6E5950E31}" type="presParOf" srcId="{F6038E81-8CA2-8746-9F65-664C68F2784B}" destId="{1AC78A20-F62C-114E-AF0E-B1EBE58A92B5}" srcOrd="1" destOrd="0" presId="urn:microsoft.com/office/officeart/2005/8/layout/hierarchy3"/>
     <dgm:cxn modelId="{C63B9A8A-B498-CF44-96A5-C0342153A473}" type="presParOf" srcId="{C0905867-D74E-DA41-87FD-31A59ACC446B}" destId="{65E31835-C2AF-364C-B0F4-5DD15AEE2292}" srcOrd="1" destOrd="0" presId="urn:microsoft.com/office/officeart/2005/8/layout/hierarchy3"/>
-    <dgm:cxn modelId="{5DA3F8DB-7CE8-1944-AFE4-D6909989F9C8}" type="presParOf" srcId="{65E31835-C2AF-364C-B0F4-5DD15AEE2292}" destId="{01D8FAF8-273A-5F42-B80C-95F9F1BD6CD7}" srcOrd="0" destOrd="0" presId="urn:microsoft.com/office/officeart/2005/8/layout/hierarchy3"/>
-    <dgm:cxn modelId="{A88F5B25-5AC7-7740-BF25-95968C1B91C6}" type="presParOf" srcId="{65E31835-C2AF-364C-B0F4-5DD15AEE2292}" destId="{03174683-EDA3-8F43-8532-8231252C9FB7}" srcOrd="1" destOrd="0" presId="urn:microsoft.com/office/officeart/2005/8/layout/hierarchy3"/>
-    <dgm:cxn modelId="{4E8D4754-A49C-0D4A-991E-48DB6B5CA999}" type="presParOf" srcId="{65E31835-C2AF-364C-B0F4-5DD15AEE2292}" destId="{1407117A-AD28-C840-812C-0111E58CD679}" srcOrd="2" destOrd="0" presId="urn:microsoft.com/office/officeart/2005/8/layout/hierarchy3"/>
-    <dgm:cxn modelId="{1E79D957-5FF7-BC4E-8D33-2EAD5F217011}" type="presParOf" srcId="{65E31835-C2AF-364C-B0F4-5DD15AEE2292}" destId="{7B7DDB90-3590-8845-BE1D-DB1FE36F4CB6}" srcOrd="3" destOrd="0" presId="urn:microsoft.com/office/officeart/2005/8/layout/hierarchy3"/>
   </dgm:cxnLst>
   <dgm:bg/>
   <dgm:whole/>
@@ -5000,144 +4822,6 @@
         </a:p>
       </dgm:t>
     </dgm:pt>
-    <dgm:pt modelId="{55B1347D-4EC1-0743-87B4-34A9E55935A7}">
-      <dgm:prSet/>
-      <dgm:spPr/>
-      <dgm:t>
-        <a:bodyPr/>
-        <a:lstStyle/>
-        <a:p>
-          <a:pPr rtl="0"/>
-          <a:r>
-            <a:rPr kumimoji="1" lang="en-US" altLang="ja-JP" dirty="0" smtClean="0"/>
-            <a:t>1.</a:t>
-          </a:r>
-          <a:r>
-            <a:rPr kumimoji="1" lang="ja-JP" altLang="en-US" dirty="0" smtClean="0"/>
-            <a:t>素元波の点源数を自由に変更可能とする</a:t>
-          </a:r>
-          <a:r>
-            <a:rPr kumimoji="1" lang="en-US" altLang="ja-JP" dirty="0" smtClean="0"/>
-            <a:t>.</a:t>
-          </a:r>
-          <a:endParaRPr lang="ja-JP" altLang="en-US" dirty="0"/>
-        </a:p>
-      </dgm:t>
-    </dgm:pt>
-    <dgm:pt modelId="{88864275-5FA1-3742-BB43-306E7F8494D4}" type="parTrans" cxnId="{E8432AB1-0C58-AE45-AD21-5A3F8151574A}">
-      <dgm:prSet/>
-      <dgm:spPr/>
-      <dgm:t>
-        <a:bodyPr/>
-        <a:lstStyle/>
-        <a:p>
-          <a:endParaRPr kumimoji="1" lang="ja-JP" altLang="en-US"/>
-        </a:p>
-      </dgm:t>
-    </dgm:pt>
-    <dgm:pt modelId="{F5D0B000-BAAF-ED4D-8B38-29D45A1CAEAB}" type="sibTrans" cxnId="{E8432AB1-0C58-AE45-AD21-5A3F8151574A}">
-      <dgm:prSet/>
-      <dgm:spPr/>
-      <dgm:t>
-        <a:bodyPr/>
-        <a:lstStyle/>
-        <a:p>
-          <a:endParaRPr kumimoji="1" lang="ja-JP" altLang="en-US"/>
-        </a:p>
-      </dgm:t>
-    </dgm:pt>
-    <dgm:pt modelId="{6CA9E23B-4E7A-3841-9C27-623B490E99CD}">
-      <dgm:prSet/>
-      <dgm:spPr/>
-      <dgm:t>
-        <a:bodyPr/>
-        <a:lstStyle/>
-        <a:p>
-          <a:pPr rtl="0"/>
-          <a:r>
-            <a:rPr kumimoji="1" lang="en-US" altLang="ja-JP" dirty="0" smtClean="0"/>
-            <a:t>2.</a:t>
-          </a:r>
-          <a:r>
-            <a:rPr kumimoji="1" lang="ja-JP" altLang="en-US" dirty="0" smtClean="0"/>
-            <a:t>素元波の表示切り替えを可能とする</a:t>
-          </a:r>
-          <a:r>
-            <a:rPr kumimoji="1" lang="en-US" altLang="ja-JP" dirty="0" smtClean="0"/>
-            <a:t>.</a:t>
-          </a:r>
-          <a:endParaRPr lang="ja-JP" altLang="en-US" dirty="0"/>
-        </a:p>
-      </dgm:t>
-    </dgm:pt>
-    <dgm:pt modelId="{8C75C6C0-98EF-FE40-BA30-F6DF57F5AB37}" type="parTrans" cxnId="{D99162C2-999C-1649-A32C-95C462D67C1A}">
-      <dgm:prSet/>
-      <dgm:spPr/>
-      <dgm:t>
-        <a:bodyPr/>
-        <a:lstStyle/>
-        <a:p>
-          <a:endParaRPr kumimoji="1" lang="ja-JP" altLang="en-US"/>
-        </a:p>
-      </dgm:t>
-    </dgm:pt>
-    <dgm:pt modelId="{4AF88550-F417-D348-A37E-3990F7E02A01}" type="sibTrans" cxnId="{D99162C2-999C-1649-A32C-95C462D67C1A}">
-      <dgm:prSet/>
-      <dgm:spPr/>
-      <dgm:t>
-        <a:bodyPr/>
-        <a:lstStyle/>
-        <a:p>
-          <a:endParaRPr kumimoji="1" lang="ja-JP" altLang="en-US"/>
-        </a:p>
-      </dgm:t>
-    </dgm:pt>
-    <dgm:pt modelId="{9D2A3695-9442-EB4A-A31F-8CB54791C29F}">
-      <dgm:prSet/>
-      <dgm:spPr/>
-      <dgm:t>
-        <a:bodyPr/>
-        <a:lstStyle/>
-        <a:p>
-          <a:pPr rtl="0"/>
-          <a:r>
-            <a:rPr kumimoji="1" lang="en-US" altLang="ja-JP" dirty="0" smtClean="0"/>
-            <a:t>3.</a:t>
-          </a:r>
-          <a:r>
-            <a:rPr kumimoji="1" lang="ja-JP" altLang="en-US" dirty="0" smtClean="0"/>
-            <a:t>波の強度の表示も視覚化する</a:t>
-          </a:r>
-          <a:r>
-            <a:rPr kumimoji="1" lang="en-US" altLang="ja-JP" dirty="0" smtClean="0"/>
-            <a:t>.</a:t>
-          </a:r>
-          <a:endParaRPr lang="ja-JP" altLang="en-US" dirty="0"/>
-        </a:p>
-      </dgm:t>
-    </dgm:pt>
-    <dgm:pt modelId="{C78B26E5-637A-2045-9B22-62BF6EC29A50}" type="parTrans" cxnId="{14DBAA05-B88A-874B-B0D3-D4CD6203A29B}">
-      <dgm:prSet/>
-      <dgm:spPr/>
-      <dgm:t>
-        <a:bodyPr/>
-        <a:lstStyle/>
-        <a:p>
-          <a:endParaRPr kumimoji="1" lang="ja-JP" altLang="en-US"/>
-        </a:p>
-      </dgm:t>
-    </dgm:pt>
-    <dgm:pt modelId="{F369FC1F-5AFE-4746-98F7-B1C1AB169280}" type="sibTrans" cxnId="{14DBAA05-B88A-874B-B0D3-D4CD6203A29B}">
-      <dgm:prSet/>
-      <dgm:spPr/>
-      <dgm:t>
-        <a:bodyPr/>
-        <a:lstStyle/>
-        <a:p>
-          <a:endParaRPr kumimoji="1" lang="ja-JP" altLang="en-US"/>
-        </a:p>
-      </dgm:t>
-    </dgm:pt>
     <dgm:pt modelId="{E8ACEC6B-06D1-6845-9902-044B2C98BC7D}" type="pres">
       <dgm:prSet presAssocID="{7944C2EB-8B45-0648-BEB0-5C53AA5D76A9}" presName="diagram" presStyleCnt="0">
         <dgm:presLayoutVars>
@@ -5191,110 +4875,17 @@
       <dgm:prSet presAssocID="{ADAF0B1A-A41D-AF4F-8844-58A3C30540AA}" presName="childShape" presStyleCnt="0"/>
       <dgm:spPr/>
     </dgm:pt>
-    <dgm:pt modelId="{CC109A71-6E6F-4348-88E1-8DF45428E260}" type="pres">
-      <dgm:prSet presAssocID="{88864275-5FA1-3742-BB43-306E7F8494D4}" presName="Name13" presStyleLbl="parChTrans1D2" presStyleIdx="0" presStyleCnt="3"/>
-      <dgm:spPr/>
-      <dgm:t>
-        <a:bodyPr/>
-        <a:lstStyle/>
-        <a:p>
-          <a:endParaRPr kumimoji="1" lang="ja-JP" altLang="en-US"/>
-        </a:p>
-      </dgm:t>
-    </dgm:pt>
-    <dgm:pt modelId="{2B686922-F79A-EB47-9262-C4071AFF8AC1}" type="pres">
-      <dgm:prSet presAssocID="{55B1347D-4EC1-0743-87B4-34A9E55935A7}" presName="childText" presStyleLbl="bgAcc1" presStyleIdx="0" presStyleCnt="3" custScaleX="473379" custLinFactNeighborX="-18890">
-        <dgm:presLayoutVars>
-          <dgm:bulletEnabled val="1"/>
-        </dgm:presLayoutVars>
-      </dgm:prSet>
-      <dgm:spPr/>
-      <dgm:t>
-        <a:bodyPr/>
-        <a:lstStyle/>
-        <a:p>
-          <a:endParaRPr kumimoji="1" lang="ja-JP" altLang="en-US"/>
-        </a:p>
-      </dgm:t>
-    </dgm:pt>
-    <dgm:pt modelId="{2ACE3359-1430-104D-B1F9-59EC1E66C7BC}" type="pres">
-      <dgm:prSet presAssocID="{8C75C6C0-98EF-FE40-BA30-F6DF57F5AB37}" presName="Name13" presStyleLbl="parChTrans1D2" presStyleIdx="1" presStyleCnt="3"/>
-      <dgm:spPr/>
-      <dgm:t>
-        <a:bodyPr/>
-        <a:lstStyle/>
-        <a:p>
-          <a:endParaRPr kumimoji="1" lang="ja-JP" altLang="en-US"/>
-        </a:p>
-      </dgm:t>
-    </dgm:pt>
-    <dgm:pt modelId="{F25D101E-BEA5-C64F-B60A-93ED99978686}" type="pres">
-      <dgm:prSet presAssocID="{6CA9E23B-4E7A-3841-9C27-623B490E99CD}" presName="childText" presStyleLbl="bgAcc1" presStyleIdx="1" presStyleCnt="3" custScaleX="469864" custLinFactNeighborX="-19047" custLinFactNeighborY="-1263">
-        <dgm:presLayoutVars>
-          <dgm:bulletEnabled val="1"/>
-        </dgm:presLayoutVars>
-      </dgm:prSet>
-      <dgm:spPr/>
-      <dgm:t>
-        <a:bodyPr/>
-        <a:lstStyle/>
-        <a:p>
-          <a:endParaRPr kumimoji="1" lang="ja-JP" altLang="en-US"/>
-        </a:p>
-      </dgm:t>
-    </dgm:pt>
-    <dgm:pt modelId="{F565F721-DECB-9644-A9F7-7EA7AA552105}" type="pres">
-      <dgm:prSet presAssocID="{C78B26E5-637A-2045-9B22-62BF6EC29A50}" presName="Name13" presStyleLbl="parChTrans1D2" presStyleIdx="2" presStyleCnt="3"/>
-      <dgm:spPr/>
-      <dgm:t>
-        <a:bodyPr/>
-        <a:lstStyle/>
-        <a:p>
-          <a:endParaRPr kumimoji="1" lang="ja-JP" altLang="en-US"/>
-        </a:p>
-      </dgm:t>
-    </dgm:pt>
-    <dgm:pt modelId="{0C31E73A-A4AD-DC4B-9B65-141B41EEA6AB}" type="pres">
-      <dgm:prSet presAssocID="{9D2A3695-9442-EB4A-A31F-8CB54791C29F}" presName="childText" presStyleLbl="bgAcc1" presStyleIdx="2" presStyleCnt="3" custScaleX="462040" custLinFactNeighborX="-15782">
-        <dgm:presLayoutVars>
-          <dgm:bulletEnabled val="1"/>
-        </dgm:presLayoutVars>
-      </dgm:prSet>
-      <dgm:spPr/>
-      <dgm:t>
-        <a:bodyPr/>
-        <a:lstStyle/>
-        <a:p>
-          <a:endParaRPr kumimoji="1" lang="ja-JP" altLang="en-US"/>
-        </a:p>
-      </dgm:t>
-    </dgm:pt>
   </dgm:ptLst>
   <dgm:cxnLst>
-    <dgm:cxn modelId="{2C8F094A-5730-7647-B5CA-DA4408EFBA12}" type="presOf" srcId="{C78B26E5-637A-2045-9B22-62BF6EC29A50}" destId="{F565F721-DECB-9644-A9F7-7EA7AA552105}" srcOrd="0" destOrd="0" presId="urn:microsoft.com/office/officeart/2005/8/layout/hierarchy3"/>
+    <dgm:cxn modelId="{F94F74E5-94DA-2D44-BCD3-00BC967C2365}" type="presOf" srcId="{ADAF0B1A-A41D-AF4F-8844-58A3C30540AA}" destId="{FFC0503E-F6BF-F84E-953A-D28BBD0C76B4}" srcOrd="1" destOrd="0" presId="urn:microsoft.com/office/officeart/2005/8/layout/hierarchy3"/>
+    <dgm:cxn modelId="{5A115595-1112-FE4F-9AB2-3C0C914B85BB}" type="presOf" srcId="{ADAF0B1A-A41D-AF4F-8844-58A3C30540AA}" destId="{D47D8904-C498-794D-915E-0A5EDA0EE650}" srcOrd="0" destOrd="0" presId="urn:microsoft.com/office/officeart/2005/8/layout/hierarchy3"/>
+    <dgm:cxn modelId="{9E7308F3-0FAD-9F47-AF25-4A31CCDCDFEF}" srcId="{7944C2EB-8B45-0648-BEB0-5C53AA5D76A9}" destId="{ADAF0B1A-A41D-AF4F-8844-58A3C30540AA}" srcOrd="0" destOrd="0" parTransId="{7A927EDE-CCA5-8C4D-9A4D-1360103F177E}" sibTransId="{32A74FFC-49AB-8945-B23E-7C2B8DEDF1D6}"/>
     <dgm:cxn modelId="{7BB04987-03C9-CA43-9DD0-010183C8CAFB}" type="presOf" srcId="{7944C2EB-8B45-0648-BEB0-5C53AA5D76A9}" destId="{E8ACEC6B-06D1-6845-9902-044B2C98BC7D}" srcOrd="0" destOrd="0" presId="urn:microsoft.com/office/officeart/2005/8/layout/hierarchy3"/>
-    <dgm:cxn modelId="{5A115595-1112-FE4F-9AB2-3C0C914B85BB}" type="presOf" srcId="{ADAF0B1A-A41D-AF4F-8844-58A3C30540AA}" destId="{D47D8904-C498-794D-915E-0A5EDA0EE650}" srcOrd="0" destOrd="0" presId="urn:microsoft.com/office/officeart/2005/8/layout/hierarchy3"/>
-    <dgm:cxn modelId="{F94F74E5-94DA-2D44-BCD3-00BC967C2365}" type="presOf" srcId="{ADAF0B1A-A41D-AF4F-8844-58A3C30540AA}" destId="{FFC0503E-F6BF-F84E-953A-D28BBD0C76B4}" srcOrd="1" destOrd="0" presId="urn:microsoft.com/office/officeart/2005/8/layout/hierarchy3"/>
-    <dgm:cxn modelId="{E8432AB1-0C58-AE45-AD21-5A3F8151574A}" srcId="{ADAF0B1A-A41D-AF4F-8844-58A3C30540AA}" destId="{55B1347D-4EC1-0743-87B4-34A9E55935A7}" srcOrd="0" destOrd="0" parTransId="{88864275-5FA1-3742-BB43-306E7F8494D4}" sibTransId="{F5D0B000-BAAF-ED4D-8B38-29D45A1CAEAB}"/>
-    <dgm:cxn modelId="{F4859AF2-45D0-9946-95F6-477FA257250C}" type="presOf" srcId="{6CA9E23B-4E7A-3841-9C27-623B490E99CD}" destId="{F25D101E-BEA5-C64F-B60A-93ED99978686}" srcOrd="0" destOrd="0" presId="urn:microsoft.com/office/officeart/2005/8/layout/hierarchy3"/>
-    <dgm:cxn modelId="{8BDD16EA-3846-6348-97F4-591FD773F9DC}" type="presOf" srcId="{9D2A3695-9442-EB4A-A31F-8CB54791C29F}" destId="{0C31E73A-A4AD-DC4B-9B65-141B41EEA6AB}" srcOrd="0" destOrd="0" presId="urn:microsoft.com/office/officeart/2005/8/layout/hierarchy3"/>
-    <dgm:cxn modelId="{9E7308F3-0FAD-9F47-AF25-4A31CCDCDFEF}" srcId="{7944C2EB-8B45-0648-BEB0-5C53AA5D76A9}" destId="{ADAF0B1A-A41D-AF4F-8844-58A3C30540AA}" srcOrd="0" destOrd="0" parTransId="{7A927EDE-CCA5-8C4D-9A4D-1360103F177E}" sibTransId="{32A74FFC-49AB-8945-B23E-7C2B8DEDF1D6}"/>
-    <dgm:cxn modelId="{705454A9-D7B2-6342-80F3-77B3ED5B50E9}" type="presOf" srcId="{88864275-5FA1-3742-BB43-306E7F8494D4}" destId="{CC109A71-6E6F-4348-88E1-8DF45428E260}" srcOrd="0" destOrd="0" presId="urn:microsoft.com/office/officeart/2005/8/layout/hierarchy3"/>
-    <dgm:cxn modelId="{EDB3823F-7D75-6147-B875-500E0089DD9D}" type="presOf" srcId="{55B1347D-4EC1-0743-87B4-34A9E55935A7}" destId="{2B686922-F79A-EB47-9262-C4071AFF8AC1}" srcOrd="0" destOrd="0" presId="urn:microsoft.com/office/officeart/2005/8/layout/hierarchy3"/>
-    <dgm:cxn modelId="{14DBAA05-B88A-874B-B0D3-D4CD6203A29B}" srcId="{ADAF0B1A-A41D-AF4F-8844-58A3C30540AA}" destId="{9D2A3695-9442-EB4A-A31F-8CB54791C29F}" srcOrd="2" destOrd="0" parTransId="{C78B26E5-637A-2045-9B22-62BF6EC29A50}" sibTransId="{F369FC1F-5AFE-4746-98F7-B1C1AB169280}"/>
-    <dgm:cxn modelId="{D99162C2-999C-1649-A32C-95C462D67C1A}" srcId="{ADAF0B1A-A41D-AF4F-8844-58A3C30540AA}" destId="{6CA9E23B-4E7A-3841-9C27-623B490E99CD}" srcOrd="1" destOrd="0" parTransId="{8C75C6C0-98EF-FE40-BA30-F6DF57F5AB37}" sibTransId="{4AF88550-F417-D348-A37E-3990F7E02A01}"/>
-    <dgm:cxn modelId="{935B1CB9-1650-514A-961B-A3765EBBF454}" type="presOf" srcId="{8C75C6C0-98EF-FE40-BA30-F6DF57F5AB37}" destId="{2ACE3359-1430-104D-B1F9-59EC1E66C7BC}" srcOrd="0" destOrd="0" presId="urn:microsoft.com/office/officeart/2005/8/layout/hierarchy3"/>
     <dgm:cxn modelId="{22D3571E-ABF4-5144-974E-DE5B146076AE}" type="presParOf" srcId="{E8ACEC6B-06D1-6845-9902-044B2C98BC7D}" destId="{9E0F822A-EB84-B643-924C-6F1DBC2041BD}" srcOrd="0" destOrd="0" presId="urn:microsoft.com/office/officeart/2005/8/layout/hierarchy3"/>
     <dgm:cxn modelId="{741AFA94-AB8E-4945-893B-2ABA9D0165BD}" type="presParOf" srcId="{9E0F822A-EB84-B643-924C-6F1DBC2041BD}" destId="{4FA7A697-0026-9D44-BA83-1A86F98C4B07}" srcOrd="0" destOrd="0" presId="urn:microsoft.com/office/officeart/2005/8/layout/hierarchy3"/>
     <dgm:cxn modelId="{3E3014AA-7BAC-564A-AE6C-79EB23D4A316}" type="presParOf" srcId="{4FA7A697-0026-9D44-BA83-1A86F98C4B07}" destId="{D47D8904-C498-794D-915E-0A5EDA0EE650}" srcOrd="0" destOrd="0" presId="urn:microsoft.com/office/officeart/2005/8/layout/hierarchy3"/>
     <dgm:cxn modelId="{150F0892-E3E7-F948-94C4-C751C7503780}" type="presParOf" srcId="{4FA7A697-0026-9D44-BA83-1A86F98C4B07}" destId="{FFC0503E-F6BF-F84E-953A-D28BBD0C76B4}" srcOrd="1" destOrd="0" presId="urn:microsoft.com/office/officeart/2005/8/layout/hierarchy3"/>
     <dgm:cxn modelId="{5ED4CBF9-BB1F-224B-B16E-44B28724EABB}" type="presParOf" srcId="{9E0F822A-EB84-B643-924C-6F1DBC2041BD}" destId="{16FAC1C8-47E3-7646-8806-21E89E2BBA7E}" srcOrd="1" destOrd="0" presId="urn:microsoft.com/office/officeart/2005/8/layout/hierarchy3"/>
-    <dgm:cxn modelId="{C82D185C-2DCE-C043-88AA-8B5ABDAD4756}" type="presParOf" srcId="{16FAC1C8-47E3-7646-8806-21E89E2BBA7E}" destId="{CC109A71-6E6F-4348-88E1-8DF45428E260}" srcOrd="0" destOrd="0" presId="urn:microsoft.com/office/officeart/2005/8/layout/hierarchy3"/>
-    <dgm:cxn modelId="{32C9D98B-202C-FD46-BF8A-B3DEB9AF3F6D}" type="presParOf" srcId="{16FAC1C8-47E3-7646-8806-21E89E2BBA7E}" destId="{2B686922-F79A-EB47-9262-C4071AFF8AC1}" srcOrd="1" destOrd="0" presId="urn:microsoft.com/office/officeart/2005/8/layout/hierarchy3"/>
-    <dgm:cxn modelId="{FC0F6510-856A-8F47-B626-E01FE3C8F383}" type="presParOf" srcId="{16FAC1C8-47E3-7646-8806-21E89E2BBA7E}" destId="{2ACE3359-1430-104D-B1F9-59EC1E66C7BC}" srcOrd="2" destOrd="0" presId="urn:microsoft.com/office/officeart/2005/8/layout/hierarchy3"/>
-    <dgm:cxn modelId="{3BB78710-F511-154B-8599-BD7957573534}" type="presParOf" srcId="{16FAC1C8-47E3-7646-8806-21E89E2BBA7E}" destId="{F25D101E-BEA5-C64F-B60A-93ED99978686}" srcOrd="3" destOrd="0" presId="urn:microsoft.com/office/officeart/2005/8/layout/hierarchy3"/>
-    <dgm:cxn modelId="{58C5812B-9EA3-7A42-B496-532F263FC4FC}" type="presParOf" srcId="{16FAC1C8-47E3-7646-8806-21E89E2BBA7E}" destId="{F565F721-DECB-9644-A9F7-7EA7AA552105}" srcOrd="4" destOrd="0" presId="urn:microsoft.com/office/officeart/2005/8/layout/hierarchy3"/>
-    <dgm:cxn modelId="{7E5638A5-BB2E-7B45-BF86-02481F5D6263}" type="presParOf" srcId="{16FAC1C8-47E3-7646-8806-21E89E2BBA7E}" destId="{0C31E73A-A4AD-DC4B-9B65-141B41EEA6AB}" srcOrd="5" destOrd="0" presId="urn:microsoft.com/office/officeart/2005/8/layout/hierarchy3"/>
   </dgm:cxnLst>
   <dgm:bg/>
   <dgm:whole/>
@@ -5621,7 +5212,7 @@
       </dsp:nvSpPr>
       <dsp:spPr>
         <a:xfrm>
-          <a:off x="7290" y="283437"/>
+          <a:off x="7290" y="104602"/>
           <a:ext cx="8215018" cy="1131168"/>
         </a:xfrm>
         <a:prstGeom prst="roundRect">
@@ -5694,320 +5285,8 @@
         </a:p>
       </dsp:txBody>
       <dsp:txXfrm>
-        <a:off x="40421" y="316568"/>
+        <a:off x="40421" y="137733"/>
         <a:ext cx="8148756" cy="1064906"/>
-      </dsp:txXfrm>
-    </dsp:sp>
-    <dsp:sp modelId="{01D8FAF8-273A-5F42-B80C-95F9F1BD6CD7}">
-      <dsp:nvSpPr>
-        <dsp:cNvPr id="0" name=""/>
-        <dsp:cNvSpPr/>
-      </dsp:nvSpPr>
-      <dsp:spPr>
-        <a:xfrm>
-          <a:off x="828792" y="1414605"/>
-          <a:ext cx="821501" cy="848376"/>
-        </a:xfrm>
-        <a:custGeom>
-          <a:avLst/>
-          <a:gdLst/>
-          <a:ahLst/>
-          <a:cxnLst/>
-          <a:rect l="0" t="0" r="0" b="0"/>
-          <a:pathLst>
-            <a:path>
-              <a:moveTo>
-                <a:pt x="0" y="0"/>
-              </a:moveTo>
-              <a:lnTo>
-                <a:pt x="0" y="848376"/>
-              </a:lnTo>
-              <a:lnTo>
-                <a:pt x="821501" y="848376"/>
-              </a:lnTo>
-            </a:path>
-          </a:pathLst>
-        </a:custGeom>
-        <a:noFill/>
-        <a:ln w="9525" cap="flat" cmpd="sng" algn="ctr">
-          <a:solidFill>
-            <a:schemeClr val="accent1">
-              <a:shade val="60000"/>
-              <a:hueOff val="0"/>
-              <a:satOff val="0"/>
-              <a:lumOff val="0"/>
-              <a:alphaOff val="0"/>
-            </a:schemeClr>
-          </a:solidFill>
-          <a:prstDash val="solid"/>
-        </a:ln>
-        <a:effectLst/>
-      </dsp:spPr>
-      <dsp:style>
-        <a:lnRef idx="1">
-          <a:scrgbClr r="0" g="0" b="0"/>
-        </a:lnRef>
-        <a:fillRef idx="0">
-          <a:scrgbClr r="0" g="0" b="0"/>
-        </a:fillRef>
-        <a:effectRef idx="0">
-          <a:scrgbClr r="0" g="0" b="0"/>
-        </a:effectRef>
-        <a:fontRef idx="minor"/>
-      </dsp:style>
-    </dsp:sp>
-    <dsp:sp modelId="{03174683-EDA3-8F43-8532-8231252C9FB7}">
-      <dsp:nvSpPr>
-        <dsp:cNvPr id="0" name=""/>
-        <dsp:cNvSpPr/>
-      </dsp:nvSpPr>
-      <dsp:spPr>
-        <a:xfrm>
-          <a:off x="1650294" y="1697397"/>
-          <a:ext cx="5479197" cy="1131168"/>
-        </a:xfrm>
-        <a:prstGeom prst="roundRect">
-          <a:avLst>
-            <a:gd name="adj" fmla="val 10000"/>
-          </a:avLst>
-        </a:prstGeom>
-        <a:solidFill>
-          <a:schemeClr val="lt1">
-            <a:alpha val="90000"/>
-            <a:hueOff val="0"/>
-            <a:satOff val="0"/>
-            <a:lumOff val="0"/>
-            <a:alphaOff val="0"/>
-          </a:schemeClr>
-        </a:solidFill>
-        <a:ln w="9525" cap="flat" cmpd="sng" algn="ctr">
-          <a:solidFill>
-            <a:schemeClr val="accent1">
-              <a:hueOff val="0"/>
-              <a:satOff val="0"/>
-              <a:lumOff val="0"/>
-              <a:alphaOff val="0"/>
-            </a:schemeClr>
-          </a:solidFill>
-          <a:prstDash val="solid"/>
-        </a:ln>
-        <a:effectLst/>
-      </dsp:spPr>
-      <dsp:style>
-        <a:lnRef idx="1">
-          <a:scrgbClr r="0" g="0" b="0"/>
-        </a:lnRef>
-        <a:fillRef idx="1">
-          <a:scrgbClr r="0" g="0" b="0"/>
-        </a:fillRef>
-        <a:effectRef idx="0">
-          <a:scrgbClr r="0" g="0" b="0"/>
-        </a:effectRef>
-        <a:fontRef idx="minor"/>
-      </dsp:style>
-      <dsp:txBody>
-        <a:bodyPr spcFirstLastPara="0" vert="horz" wrap="square" lIns="45720" tIns="30480" rIns="45720" bIns="30480" numCol="1" spcCol="1270" anchor="ctr" anchorCtr="0">
-          <a:noAutofit/>
-        </a:bodyPr>
-        <a:lstStyle/>
-        <a:p>
-          <a:pPr lvl="0" algn="ctr" defTabSz="1066800" rtl="0">
-            <a:lnSpc>
-              <a:spcPct val="90000"/>
-            </a:lnSpc>
-            <a:spcBef>
-              <a:spcPct val="0"/>
-            </a:spcBef>
-            <a:spcAft>
-              <a:spcPct val="35000"/>
-            </a:spcAft>
-          </a:pPr>
-          <a:r>
-            <a:rPr kumimoji="1" lang="en-US" altLang="ja-JP" sz="2400" kern="1200" dirty="0" smtClean="0"/>
-            <a:t>1. </a:t>
-          </a:r>
-          <a:r>
-            <a:rPr kumimoji="1" lang="ja-JP" altLang="en-US" sz="2400" kern="1200" dirty="0" smtClean="0"/>
-            <a:t>理論上でしか存在しない素元波を動的に見せることにより</a:t>
-          </a:r>
-          <a:r>
-            <a:rPr kumimoji="1" lang="en-US" altLang="ja-JP" sz="2400" kern="1200" dirty="0" smtClean="0"/>
-            <a:t>,</a:t>
-          </a:r>
-          <a:r>
-            <a:rPr kumimoji="1" lang="ja-JP" altLang="en-US" sz="2400" kern="1200" dirty="0" smtClean="0"/>
-            <a:t>深く印象付けることができる</a:t>
-          </a:r>
-          <a:r>
-            <a:rPr kumimoji="1" lang="en-US" altLang="ja-JP" sz="2400" kern="1200" dirty="0" smtClean="0"/>
-            <a:t>.</a:t>
-          </a:r>
-          <a:endParaRPr lang="ja-JP" altLang="en-US" sz="2400" kern="1200" dirty="0"/>
-        </a:p>
-      </dsp:txBody>
-      <dsp:txXfrm>
-        <a:off x="1683425" y="1730528"/>
-        <a:ext cx="5412935" cy="1064906"/>
-      </dsp:txXfrm>
-    </dsp:sp>
-    <dsp:sp modelId="{1407117A-AD28-C840-812C-0111E58CD679}">
-      <dsp:nvSpPr>
-        <dsp:cNvPr id="0" name=""/>
-        <dsp:cNvSpPr/>
-      </dsp:nvSpPr>
-      <dsp:spPr>
-        <a:xfrm>
-          <a:off x="828792" y="1414605"/>
-          <a:ext cx="821501" cy="2262336"/>
-        </a:xfrm>
-        <a:custGeom>
-          <a:avLst/>
-          <a:gdLst/>
-          <a:ahLst/>
-          <a:cxnLst/>
-          <a:rect l="0" t="0" r="0" b="0"/>
-          <a:pathLst>
-            <a:path>
-              <a:moveTo>
-                <a:pt x="0" y="0"/>
-              </a:moveTo>
-              <a:lnTo>
-                <a:pt x="0" y="2262336"/>
-              </a:lnTo>
-              <a:lnTo>
-                <a:pt x="821501" y="2262336"/>
-              </a:lnTo>
-            </a:path>
-          </a:pathLst>
-        </a:custGeom>
-        <a:noFill/>
-        <a:ln w="9525" cap="flat" cmpd="sng" algn="ctr">
-          <a:solidFill>
-            <a:schemeClr val="accent1">
-              <a:shade val="60000"/>
-              <a:hueOff val="0"/>
-              <a:satOff val="0"/>
-              <a:lumOff val="0"/>
-              <a:alphaOff val="0"/>
-            </a:schemeClr>
-          </a:solidFill>
-          <a:prstDash val="solid"/>
-        </a:ln>
-        <a:effectLst/>
-      </dsp:spPr>
-      <dsp:style>
-        <a:lnRef idx="1">
-          <a:scrgbClr r="0" g="0" b="0"/>
-        </a:lnRef>
-        <a:fillRef idx="0">
-          <a:scrgbClr r="0" g="0" b="0"/>
-        </a:fillRef>
-        <a:effectRef idx="0">
-          <a:scrgbClr r="0" g="0" b="0"/>
-        </a:effectRef>
-        <a:fontRef idx="minor"/>
-      </dsp:style>
-    </dsp:sp>
-    <dsp:sp modelId="{7B7DDB90-3590-8845-BE1D-DB1FE36F4CB6}">
-      <dsp:nvSpPr>
-        <dsp:cNvPr id="0" name=""/>
-        <dsp:cNvSpPr/>
-      </dsp:nvSpPr>
-      <dsp:spPr>
-        <a:xfrm>
-          <a:off x="1650294" y="3111357"/>
-          <a:ext cx="5441660" cy="1131168"/>
-        </a:xfrm>
-        <a:prstGeom prst="roundRect">
-          <a:avLst>
-            <a:gd name="adj" fmla="val 10000"/>
-          </a:avLst>
-        </a:prstGeom>
-        <a:solidFill>
-          <a:schemeClr val="lt1">
-            <a:alpha val="90000"/>
-            <a:hueOff val="0"/>
-            <a:satOff val="0"/>
-            <a:lumOff val="0"/>
-            <a:alphaOff val="0"/>
-          </a:schemeClr>
-        </a:solidFill>
-        <a:ln w="9525" cap="flat" cmpd="sng" algn="ctr">
-          <a:solidFill>
-            <a:schemeClr val="accent1">
-              <a:hueOff val="0"/>
-              <a:satOff val="0"/>
-              <a:lumOff val="0"/>
-              <a:alphaOff val="0"/>
-            </a:schemeClr>
-          </a:solidFill>
-          <a:prstDash val="solid"/>
-        </a:ln>
-        <a:effectLst/>
-      </dsp:spPr>
-      <dsp:style>
-        <a:lnRef idx="1">
-          <a:scrgbClr r="0" g="0" b="0"/>
-        </a:lnRef>
-        <a:fillRef idx="1">
-          <a:scrgbClr r="0" g="0" b="0"/>
-        </a:fillRef>
-        <a:effectRef idx="0">
-          <a:scrgbClr r="0" g="0" b="0"/>
-        </a:effectRef>
-        <a:fontRef idx="minor"/>
-      </dsp:style>
-      <dsp:txBody>
-        <a:bodyPr spcFirstLastPara="0" vert="horz" wrap="square" lIns="45720" tIns="30480" rIns="45720" bIns="30480" numCol="1" spcCol="1270" anchor="ctr" anchorCtr="0">
-          <a:noAutofit/>
-        </a:bodyPr>
-        <a:lstStyle/>
-        <a:p>
-          <a:pPr lvl="0" algn="ctr" defTabSz="1066800" rtl="0">
-            <a:lnSpc>
-              <a:spcPct val="90000"/>
-            </a:lnSpc>
-            <a:spcBef>
-              <a:spcPct val="0"/>
-            </a:spcBef>
-            <a:spcAft>
-              <a:spcPct val="35000"/>
-            </a:spcAft>
-          </a:pPr>
-          <a:r>
-            <a:rPr kumimoji="1" lang="en-US" altLang="ja-JP" sz="2400" kern="1200" dirty="0" smtClean="0"/>
-            <a:t>2. </a:t>
-          </a:r>
-          <a:r>
-            <a:rPr kumimoji="1" lang="ja-JP" altLang="en-US" sz="2400" kern="1200" dirty="0" smtClean="0"/>
-            <a:t>この原理を理解することで波の反射</a:t>
-          </a:r>
-          <a:r>
-            <a:rPr kumimoji="1" lang="en-US" altLang="ja-JP" sz="2400" kern="1200" dirty="0" smtClean="0"/>
-            <a:t>,</a:t>
-          </a:r>
-          <a:r>
-            <a:rPr kumimoji="1" lang="ja-JP" altLang="en-US" sz="2400" kern="1200" dirty="0" smtClean="0"/>
-            <a:t>屈折</a:t>
-          </a:r>
-          <a:r>
-            <a:rPr kumimoji="1" lang="en-US" altLang="ja-JP" sz="2400" kern="1200" dirty="0" smtClean="0"/>
-            <a:t>,</a:t>
-          </a:r>
-          <a:r>
-            <a:rPr kumimoji="1" lang="ja-JP" altLang="en-US" sz="2400" kern="1200" dirty="0" smtClean="0"/>
-            <a:t>回折といった性質を全て理解できる</a:t>
-          </a:r>
-          <a:r>
-            <a:rPr kumimoji="1" lang="en-US" altLang="ja-JP" sz="2400" kern="1200" dirty="0" smtClean="0"/>
-            <a:t>.</a:t>
-          </a:r>
-          <a:endParaRPr lang="ja-JP" altLang="en-US" sz="2400" kern="1200" dirty="0"/>
-        </a:p>
-      </dsp:txBody>
-      <dsp:txXfrm>
-        <a:off x="1683425" y="3144488"/>
-        <a:ext cx="5375398" cy="1064906"/>
       </dsp:txXfrm>
     </dsp:sp>
   </dsp:spTree>
@@ -6641,8 +5920,8 @@
       </dsp:nvSpPr>
       <dsp:spPr>
         <a:xfrm>
-          <a:off x="1762" y="72209"/>
-          <a:ext cx="7955888" cy="1096535"/>
+          <a:off x="4561" y="34778"/>
+          <a:ext cx="8220476" cy="1133003"/>
         </a:xfrm>
         <a:prstGeom prst="roundRect">
           <a:avLst>
@@ -6678,12 +5957,12 @@
         </a:fontRef>
       </dsp:style>
       <dsp:txBody>
-        <a:bodyPr spcFirstLastPara="0" vert="horz" wrap="square" lIns="64770" tIns="43180" rIns="64770" bIns="43180" numCol="1" spcCol="1270" anchor="ctr" anchorCtr="0">
+        <a:bodyPr spcFirstLastPara="0" vert="horz" wrap="square" lIns="66675" tIns="44450" rIns="66675" bIns="44450" numCol="1" spcCol="1270" anchor="ctr" anchorCtr="0">
           <a:noAutofit/>
         </a:bodyPr>
         <a:lstStyle/>
         <a:p>
-          <a:pPr lvl="0" algn="ctr" defTabSz="1511300" rtl="0">
+          <a:pPr lvl="0" algn="ctr" defTabSz="1555750" rtl="0">
             <a:lnSpc>
               <a:spcPct val="90000"/>
             </a:lnSpc>
@@ -6695,451 +5974,19 @@
             </a:spcAft>
           </a:pPr>
           <a:r>
-            <a:rPr kumimoji="1" lang="ja-JP" altLang="en-US" sz="3400" kern="1200" dirty="0" smtClean="0"/>
+            <a:rPr kumimoji="1" lang="ja-JP" altLang="en-US" sz="3500" kern="1200" dirty="0" smtClean="0"/>
             <a:t>あらゆる生徒に理解を促すために以下の機能を実装する</a:t>
           </a:r>
           <a:r>
-            <a:rPr kumimoji="1" lang="en-US" altLang="ja-JP" sz="3400" kern="1200" dirty="0" smtClean="0"/>
+            <a:rPr kumimoji="1" lang="en-US" altLang="ja-JP" sz="3500" kern="1200" dirty="0" smtClean="0"/>
             <a:t>.</a:t>
           </a:r>
-          <a:endParaRPr lang="ja-JP" altLang="en-US" sz="3400" kern="1200" dirty="0"/>
+          <a:endParaRPr lang="ja-JP" altLang="en-US" sz="3500" kern="1200" dirty="0"/>
         </a:p>
       </dsp:txBody>
       <dsp:txXfrm>
-        <a:off x="33878" y="104325"/>
-        <a:ext cx="7891656" cy="1032303"/>
-      </dsp:txXfrm>
-    </dsp:sp>
-    <dsp:sp modelId="{CC109A71-6E6F-4348-88E1-8DF45428E260}">
-      <dsp:nvSpPr>
-        <dsp:cNvPr id="0" name=""/>
-        <dsp:cNvSpPr/>
-      </dsp:nvSpPr>
-      <dsp:spPr>
-        <a:xfrm>
-          <a:off x="797351" y="1168745"/>
-          <a:ext cx="530825" cy="657001"/>
-        </a:xfrm>
-        <a:custGeom>
-          <a:avLst/>
-          <a:gdLst/>
-          <a:ahLst/>
-          <a:cxnLst/>
-          <a:rect l="0" t="0" r="0" b="0"/>
-          <a:pathLst>
-            <a:path>
-              <a:moveTo>
-                <a:pt x="0" y="0"/>
-              </a:moveTo>
-              <a:lnTo>
-                <a:pt x="0" y="657001"/>
-              </a:lnTo>
-              <a:lnTo>
-                <a:pt x="530825" y="657001"/>
-              </a:lnTo>
-            </a:path>
-          </a:pathLst>
-        </a:custGeom>
-        <a:noFill/>
-        <a:ln w="9525" cap="flat" cmpd="sng" algn="ctr">
-          <a:solidFill>
-            <a:schemeClr val="accent1">
-              <a:shade val="60000"/>
-              <a:hueOff val="0"/>
-              <a:satOff val="0"/>
-              <a:lumOff val="0"/>
-              <a:alphaOff val="0"/>
-            </a:schemeClr>
-          </a:solidFill>
-          <a:prstDash val="solid"/>
-        </a:ln>
-        <a:effectLst/>
-      </dsp:spPr>
-      <dsp:style>
-        <a:lnRef idx="1">
-          <a:scrgbClr r="0" g="0" b="0"/>
-        </a:lnRef>
-        <a:fillRef idx="0">
-          <a:scrgbClr r="0" g="0" b="0"/>
-        </a:fillRef>
-        <a:effectRef idx="0">
-          <a:scrgbClr r="0" g="0" b="0"/>
-        </a:effectRef>
-        <a:fontRef idx="minor"/>
-      </dsp:style>
-    </dsp:sp>
-    <dsp:sp modelId="{2B686922-F79A-EB47-9262-C4071AFF8AC1}">
-      <dsp:nvSpPr>
-        <dsp:cNvPr id="0" name=""/>
-        <dsp:cNvSpPr/>
-      </dsp:nvSpPr>
-      <dsp:spPr>
-        <a:xfrm>
-          <a:off x="1328176" y="1387745"/>
-          <a:ext cx="6634897" cy="876002"/>
-        </a:xfrm>
-        <a:prstGeom prst="roundRect">
-          <a:avLst>
-            <a:gd name="adj" fmla="val 10000"/>
-          </a:avLst>
-        </a:prstGeom>
-        <a:solidFill>
-          <a:schemeClr val="lt1">
-            <a:alpha val="90000"/>
-            <a:hueOff val="0"/>
-            <a:satOff val="0"/>
-            <a:lumOff val="0"/>
-            <a:alphaOff val="0"/>
-          </a:schemeClr>
-        </a:solidFill>
-        <a:ln w="9525" cap="flat" cmpd="sng" algn="ctr">
-          <a:solidFill>
-            <a:schemeClr val="accent1">
-              <a:hueOff val="0"/>
-              <a:satOff val="0"/>
-              <a:lumOff val="0"/>
-              <a:alphaOff val="0"/>
-            </a:schemeClr>
-          </a:solidFill>
-          <a:prstDash val="solid"/>
-        </a:ln>
-        <a:effectLst/>
-      </dsp:spPr>
-      <dsp:style>
-        <a:lnRef idx="1">
-          <a:scrgbClr r="0" g="0" b="0"/>
-        </a:lnRef>
-        <a:fillRef idx="1">
-          <a:scrgbClr r="0" g="0" b="0"/>
-        </a:fillRef>
-        <a:effectRef idx="0">
-          <a:scrgbClr r="0" g="0" b="0"/>
-        </a:effectRef>
-        <a:fontRef idx="minor"/>
-      </dsp:style>
-      <dsp:txBody>
-        <a:bodyPr spcFirstLastPara="0" vert="horz" wrap="square" lIns="51435" tIns="34290" rIns="51435" bIns="34290" numCol="1" spcCol="1270" anchor="ctr" anchorCtr="0">
-          <a:noAutofit/>
-        </a:bodyPr>
-        <a:lstStyle/>
-        <a:p>
-          <a:pPr lvl="0" algn="ctr" defTabSz="1200150" rtl="0">
-            <a:lnSpc>
-              <a:spcPct val="90000"/>
-            </a:lnSpc>
-            <a:spcBef>
-              <a:spcPct val="0"/>
-            </a:spcBef>
-            <a:spcAft>
-              <a:spcPct val="35000"/>
-            </a:spcAft>
-          </a:pPr>
-          <a:r>
-            <a:rPr kumimoji="1" lang="en-US" altLang="ja-JP" sz="2700" kern="1200" dirty="0" smtClean="0"/>
-            <a:t>1.</a:t>
-          </a:r>
-          <a:r>
-            <a:rPr kumimoji="1" lang="ja-JP" altLang="en-US" sz="2700" kern="1200" dirty="0" smtClean="0"/>
-            <a:t>素元波の点源数を自由に変更可能とする</a:t>
-          </a:r>
-          <a:r>
-            <a:rPr kumimoji="1" lang="en-US" altLang="ja-JP" sz="2700" kern="1200" dirty="0" smtClean="0"/>
-            <a:t>.</a:t>
-          </a:r>
-          <a:endParaRPr lang="ja-JP" altLang="en-US" sz="2700" kern="1200" dirty="0"/>
-        </a:p>
-      </dsp:txBody>
-      <dsp:txXfrm>
-        <a:off x="1353833" y="1413402"/>
-        <a:ext cx="6583583" cy="824688"/>
-      </dsp:txXfrm>
-    </dsp:sp>
-    <dsp:sp modelId="{2ACE3359-1430-104D-B1F9-59EC1E66C7BC}">
-      <dsp:nvSpPr>
-        <dsp:cNvPr id="0" name=""/>
-        <dsp:cNvSpPr/>
-      </dsp:nvSpPr>
-      <dsp:spPr>
-        <a:xfrm>
-          <a:off x="797351" y="1168745"/>
-          <a:ext cx="528625" cy="1740940"/>
-        </a:xfrm>
-        <a:custGeom>
-          <a:avLst/>
-          <a:gdLst/>
-          <a:ahLst/>
-          <a:cxnLst/>
-          <a:rect l="0" t="0" r="0" b="0"/>
-          <a:pathLst>
-            <a:path>
-              <a:moveTo>
-                <a:pt x="0" y="0"/>
-              </a:moveTo>
-              <a:lnTo>
-                <a:pt x="0" y="1740940"/>
-              </a:lnTo>
-              <a:lnTo>
-                <a:pt x="528625" y="1740940"/>
-              </a:lnTo>
-            </a:path>
-          </a:pathLst>
-        </a:custGeom>
-        <a:noFill/>
-        <a:ln w="9525" cap="flat" cmpd="sng" algn="ctr">
-          <a:solidFill>
-            <a:schemeClr val="accent1">
-              <a:shade val="60000"/>
-              <a:hueOff val="0"/>
-              <a:satOff val="0"/>
-              <a:lumOff val="0"/>
-              <a:alphaOff val="0"/>
-            </a:schemeClr>
-          </a:solidFill>
-          <a:prstDash val="solid"/>
-        </a:ln>
-        <a:effectLst/>
-      </dsp:spPr>
-      <dsp:style>
-        <a:lnRef idx="1">
-          <a:scrgbClr r="0" g="0" b="0"/>
-        </a:lnRef>
-        <a:fillRef idx="0">
-          <a:scrgbClr r="0" g="0" b="0"/>
-        </a:fillRef>
-        <a:effectRef idx="0">
-          <a:scrgbClr r="0" g="0" b="0"/>
-        </a:effectRef>
-        <a:fontRef idx="minor"/>
-      </dsp:style>
-    </dsp:sp>
-    <dsp:sp modelId="{F25D101E-BEA5-C64F-B60A-93ED99978686}">
-      <dsp:nvSpPr>
-        <dsp:cNvPr id="0" name=""/>
-        <dsp:cNvSpPr/>
-      </dsp:nvSpPr>
-      <dsp:spPr>
-        <a:xfrm>
-          <a:off x="1325976" y="2471684"/>
-          <a:ext cx="6585631" cy="876002"/>
-        </a:xfrm>
-        <a:prstGeom prst="roundRect">
-          <a:avLst>
-            <a:gd name="adj" fmla="val 10000"/>
-          </a:avLst>
-        </a:prstGeom>
-        <a:solidFill>
-          <a:schemeClr val="lt1">
-            <a:alpha val="90000"/>
-            <a:hueOff val="0"/>
-            <a:satOff val="0"/>
-            <a:lumOff val="0"/>
-            <a:alphaOff val="0"/>
-          </a:schemeClr>
-        </a:solidFill>
-        <a:ln w="9525" cap="flat" cmpd="sng" algn="ctr">
-          <a:solidFill>
-            <a:schemeClr val="accent1">
-              <a:hueOff val="0"/>
-              <a:satOff val="0"/>
-              <a:lumOff val="0"/>
-              <a:alphaOff val="0"/>
-            </a:schemeClr>
-          </a:solidFill>
-          <a:prstDash val="solid"/>
-        </a:ln>
-        <a:effectLst/>
-      </dsp:spPr>
-      <dsp:style>
-        <a:lnRef idx="1">
-          <a:scrgbClr r="0" g="0" b="0"/>
-        </a:lnRef>
-        <a:fillRef idx="1">
-          <a:scrgbClr r="0" g="0" b="0"/>
-        </a:fillRef>
-        <a:effectRef idx="0">
-          <a:scrgbClr r="0" g="0" b="0"/>
-        </a:effectRef>
-        <a:fontRef idx="minor"/>
-      </dsp:style>
-      <dsp:txBody>
-        <a:bodyPr spcFirstLastPara="0" vert="horz" wrap="square" lIns="51435" tIns="34290" rIns="51435" bIns="34290" numCol="1" spcCol="1270" anchor="ctr" anchorCtr="0">
-          <a:noAutofit/>
-        </a:bodyPr>
-        <a:lstStyle/>
-        <a:p>
-          <a:pPr lvl="0" algn="ctr" defTabSz="1200150" rtl="0">
-            <a:lnSpc>
-              <a:spcPct val="90000"/>
-            </a:lnSpc>
-            <a:spcBef>
-              <a:spcPct val="0"/>
-            </a:spcBef>
-            <a:spcAft>
-              <a:spcPct val="35000"/>
-            </a:spcAft>
-          </a:pPr>
-          <a:r>
-            <a:rPr kumimoji="1" lang="en-US" altLang="ja-JP" sz="2700" kern="1200" dirty="0" smtClean="0"/>
-            <a:t>2.</a:t>
-          </a:r>
-          <a:r>
-            <a:rPr kumimoji="1" lang="ja-JP" altLang="en-US" sz="2700" kern="1200" dirty="0" smtClean="0"/>
-            <a:t>素元波の表示切り替えを可能とする</a:t>
-          </a:r>
-          <a:r>
-            <a:rPr kumimoji="1" lang="en-US" altLang="ja-JP" sz="2700" kern="1200" dirty="0" smtClean="0"/>
-            <a:t>.</a:t>
-          </a:r>
-          <a:endParaRPr lang="ja-JP" altLang="en-US" sz="2700" kern="1200" dirty="0"/>
-        </a:p>
-      </dsp:txBody>
-      <dsp:txXfrm>
-        <a:off x="1351633" y="2497341"/>
-        <a:ext cx="6534317" cy="824688"/>
-      </dsp:txXfrm>
-    </dsp:sp>
-    <dsp:sp modelId="{F565F721-DECB-9644-A9F7-7EA7AA552105}">
-      <dsp:nvSpPr>
-        <dsp:cNvPr id="0" name=""/>
-        <dsp:cNvSpPr/>
-      </dsp:nvSpPr>
-      <dsp:spPr>
-        <a:xfrm>
-          <a:off x="797351" y="1168745"/>
-          <a:ext cx="574387" cy="2847007"/>
-        </a:xfrm>
-        <a:custGeom>
-          <a:avLst/>
-          <a:gdLst/>
-          <a:ahLst/>
-          <a:cxnLst/>
-          <a:rect l="0" t="0" r="0" b="0"/>
-          <a:pathLst>
-            <a:path>
-              <a:moveTo>
-                <a:pt x="0" y="0"/>
-              </a:moveTo>
-              <a:lnTo>
-                <a:pt x="0" y="2847007"/>
-              </a:lnTo>
-              <a:lnTo>
-                <a:pt x="574387" y="2847007"/>
-              </a:lnTo>
-            </a:path>
-          </a:pathLst>
-        </a:custGeom>
-        <a:noFill/>
-        <a:ln w="9525" cap="flat" cmpd="sng" algn="ctr">
-          <a:solidFill>
-            <a:schemeClr val="accent1">
-              <a:shade val="60000"/>
-              <a:hueOff val="0"/>
-              <a:satOff val="0"/>
-              <a:lumOff val="0"/>
-              <a:alphaOff val="0"/>
-            </a:schemeClr>
-          </a:solidFill>
-          <a:prstDash val="solid"/>
-        </a:ln>
-        <a:effectLst/>
-      </dsp:spPr>
-      <dsp:style>
-        <a:lnRef idx="1">
-          <a:scrgbClr r="0" g="0" b="0"/>
-        </a:lnRef>
-        <a:fillRef idx="0">
-          <a:scrgbClr r="0" g="0" b="0"/>
-        </a:fillRef>
-        <a:effectRef idx="0">
-          <a:scrgbClr r="0" g="0" b="0"/>
-        </a:effectRef>
-        <a:fontRef idx="minor"/>
-      </dsp:style>
-    </dsp:sp>
-    <dsp:sp modelId="{0C31E73A-A4AD-DC4B-9B65-141B41EEA6AB}">
-      <dsp:nvSpPr>
-        <dsp:cNvPr id="0" name=""/>
-        <dsp:cNvSpPr/>
-      </dsp:nvSpPr>
-      <dsp:spPr>
-        <a:xfrm>
-          <a:off x="1371738" y="3577751"/>
-          <a:ext cx="6475969" cy="876002"/>
-        </a:xfrm>
-        <a:prstGeom prst="roundRect">
-          <a:avLst>
-            <a:gd name="adj" fmla="val 10000"/>
-          </a:avLst>
-        </a:prstGeom>
-        <a:solidFill>
-          <a:schemeClr val="lt1">
-            <a:alpha val="90000"/>
-            <a:hueOff val="0"/>
-            <a:satOff val="0"/>
-            <a:lumOff val="0"/>
-            <a:alphaOff val="0"/>
-          </a:schemeClr>
-        </a:solidFill>
-        <a:ln w="9525" cap="flat" cmpd="sng" algn="ctr">
-          <a:solidFill>
-            <a:schemeClr val="accent1">
-              <a:hueOff val="0"/>
-              <a:satOff val="0"/>
-              <a:lumOff val="0"/>
-              <a:alphaOff val="0"/>
-            </a:schemeClr>
-          </a:solidFill>
-          <a:prstDash val="solid"/>
-        </a:ln>
-        <a:effectLst/>
-      </dsp:spPr>
-      <dsp:style>
-        <a:lnRef idx="1">
-          <a:scrgbClr r="0" g="0" b="0"/>
-        </a:lnRef>
-        <a:fillRef idx="1">
-          <a:scrgbClr r="0" g="0" b="0"/>
-        </a:fillRef>
-        <a:effectRef idx="0">
-          <a:scrgbClr r="0" g="0" b="0"/>
-        </a:effectRef>
-        <a:fontRef idx="minor"/>
-      </dsp:style>
-      <dsp:txBody>
-        <a:bodyPr spcFirstLastPara="0" vert="horz" wrap="square" lIns="51435" tIns="34290" rIns="51435" bIns="34290" numCol="1" spcCol="1270" anchor="ctr" anchorCtr="0">
-          <a:noAutofit/>
-        </a:bodyPr>
-        <a:lstStyle/>
-        <a:p>
-          <a:pPr lvl="0" algn="ctr" defTabSz="1200150" rtl="0">
-            <a:lnSpc>
-              <a:spcPct val="90000"/>
-            </a:lnSpc>
-            <a:spcBef>
-              <a:spcPct val="0"/>
-            </a:spcBef>
-            <a:spcAft>
-              <a:spcPct val="35000"/>
-            </a:spcAft>
-          </a:pPr>
-          <a:r>
-            <a:rPr kumimoji="1" lang="en-US" altLang="ja-JP" sz="2700" kern="1200" dirty="0" smtClean="0"/>
-            <a:t>3.</a:t>
-          </a:r>
-          <a:r>
-            <a:rPr kumimoji="1" lang="ja-JP" altLang="en-US" sz="2700" kern="1200" dirty="0" smtClean="0"/>
-            <a:t>波の強度の表示も視覚化する</a:t>
-          </a:r>
-          <a:r>
-            <a:rPr kumimoji="1" lang="en-US" altLang="ja-JP" sz="2700" kern="1200" dirty="0" smtClean="0"/>
-            <a:t>.</a:t>
-          </a:r>
-          <a:endParaRPr lang="ja-JP" altLang="en-US" sz="2700" kern="1200" dirty="0"/>
-        </a:p>
-      </dsp:txBody>
-      <dsp:txXfrm>
-        <a:off x="1397395" y="3603408"/>
-        <a:ext cx="6424655" cy="824688"/>
+        <a:off x="37746" y="67963"/>
+        <a:ext cx="8154106" cy="1066633"/>
       </dsp:txXfrm>
     </dsp:sp>
   </dsp:spTree>
@@ -14566,7 +13413,7 @@
           <a:p>
             <a:fld id="{A29F1013-8569-0C46-A87A-32299CFBA061}" type="datetime1">
               <a:rPr kumimoji="1" lang="ja-JP" altLang="en-US" smtClean="0"/>
-              <a:t>16/09/09</a:t>
+              <a:t>16/09/10</a:t>
             </a:fld>
             <a:endParaRPr kumimoji="1" lang="ja-JP" altLang="en-US"/>
           </a:p>
@@ -14732,7 +13579,7 @@
           <a:p>
             <a:fld id="{31943687-DFD5-7444-BCBD-B6E28169137B}" type="datetime1">
               <a:rPr kumimoji="1" lang="ja-JP" altLang="en-US" smtClean="0"/>
-              <a:t>16/09/09</a:t>
+              <a:t>16/09/10</a:t>
             </a:fld>
             <a:endParaRPr kumimoji="1" lang="ja-JP" altLang="en-US"/>
           </a:p>
@@ -15813,7 +14660,7 @@
           <a:p>
             <a:fld id="{0C1FE816-952B-CC4C-A4CB-DFEF84EF9830}" type="datetime1">
               <a:rPr kumimoji="1" lang="ja-JP" altLang="en-US" smtClean="0"/>
-              <a:t>16/09/09</a:t>
+              <a:t>16/09/10</a:t>
             </a:fld>
             <a:endParaRPr kumimoji="1" lang="ja-JP" altLang="en-US"/>
           </a:p>
@@ -16015,7 +14862,7 @@
           <a:p>
             <a:fld id="{2234A5A2-5493-D64E-9928-5C60E7DA8263}" type="datetime1">
               <a:rPr kumimoji="1" lang="ja-JP" altLang="en-US" smtClean="0"/>
-              <a:t>16/09/09</a:t>
+              <a:t>16/09/10</a:t>
             </a:fld>
             <a:endParaRPr kumimoji="1" lang="ja-JP" altLang="en-US"/>
           </a:p>
@@ -16227,7 +15074,7 @@
           <a:p>
             <a:fld id="{C65C0048-E574-FB44-AD08-4A67350EAE47}" type="datetime1">
               <a:rPr kumimoji="1" lang="ja-JP" altLang="en-US" smtClean="0"/>
-              <a:t>16/09/09</a:t>
+              <a:t>16/09/10</a:t>
             </a:fld>
             <a:endParaRPr kumimoji="1" lang="ja-JP" altLang="en-US"/>
           </a:p>
@@ -16429,7 +15276,7 @@
           <a:p>
             <a:fld id="{B13EA71E-88A5-2F4E-A12D-7EB39B55652E}" type="datetime1">
               <a:rPr kumimoji="1" lang="ja-JP" altLang="en-US" smtClean="0"/>
-              <a:t>16/09/09</a:t>
+              <a:t>16/09/10</a:t>
             </a:fld>
             <a:endParaRPr kumimoji="1" lang="ja-JP" altLang="en-US"/>
           </a:p>
@@ -16675,7 +15522,7 @@
           <a:p>
             <a:fld id="{80D7231C-3030-B846-A7AD-8FCCE892DF26}" type="datetime1">
               <a:rPr kumimoji="1" lang="ja-JP" altLang="en-US" smtClean="0"/>
-              <a:t>16/09/09</a:t>
+              <a:t>16/09/10</a:t>
             </a:fld>
             <a:endParaRPr kumimoji="1" lang="ja-JP" altLang="en-US"/>
           </a:p>
@@ -17027,7 +15874,7 @@
           <a:p>
             <a:fld id="{F4A94671-CE85-CC4E-9C07-6A1744BB70B3}" type="datetime1">
               <a:rPr kumimoji="1" lang="ja-JP" altLang="en-US" smtClean="0"/>
-              <a:t>16/09/09</a:t>
+              <a:t>16/09/10</a:t>
             </a:fld>
             <a:endParaRPr kumimoji="1" lang="ja-JP" altLang="en-US"/>
           </a:p>
@@ -17513,7 +16360,7 @@
           <a:p>
             <a:fld id="{159BA37A-1199-A545-A116-BCB24AC68309}" type="datetime1">
               <a:rPr kumimoji="1" lang="ja-JP" altLang="en-US" smtClean="0"/>
-              <a:t>16/09/09</a:t>
+              <a:t>16/09/10</a:t>
             </a:fld>
             <a:endParaRPr kumimoji="1" lang="ja-JP" altLang="en-US"/>
           </a:p>
@@ -17631,7 +16478,7 @@
           <a:p>
             <a:fld id="{90F27A0E-C8B8-C74E-ADE8-5AFBC6293129}" type="datetime1">
               <a:rPr kumimoji="1" lang="ja-JP" altLang="en-US" smtClean="0"/>
-              <a:t>16/09/09</a:t>
+              <a:t>16/09/10</a:t>
             </a:fld>
             <a:endParaRPr kumimoji="1" lang="ja-JP" altLang="en-US"/>
           </a:p>
@@ -17726,7 +16573,7 @@
           <a:p>
             <a:fld id="{E3D445F4-84F3-DB4E-8E8F-2B41FFA1D682}" type="datetime1">
               <a:rPr kumimoji="1" lang="ja-JP" altLang="en-US" smtClean="0"/>
-              <a:t>16/09/09</a:t>
+              <a:t>16/09/10</a:t>
             </a:fld>
             <a:endParaRPr kumimoji="1" lang="ja-JP" altLang="en-US"/>
           </a:p>
@@ -18035,7 +16882,7 @@
           <a:p>
             <a:fld id="{7369598C-2DDD-D146-908C-466B96108214}" type="datetime1">
               <a:rPr kumimoji="1" lang="ja-JP" altLang="en-US" smtClean="0"/>
-              <a:t>16/09/09</a:t>
+              <a:t>16/09/10</a:t>
             </a:fld>
             <a:endParaRPr kumimoji="1" lang="ja-JP" altLang="en-US"/>
           </a:p>
@@ -18288,7 +17135,7 @@
           <a:p>
             <a:fld id="{99417E54-6530-6649-A78B-E2277E59FC60}" type="datetime1">
               <a:rPr kumimoji="1" lang="ja-JP" altLang="en-US" smtClean="0"/>
-              <a:t>16/09/09</a:t>
+              <a:t>16/09/10</a:t>
             </a:fld>
             <a:endParaRPr kumimoji="1" lang="ja-JP" altLang="en-US"/>
           </a:p>
@@ -18533,7 +17380,7 @@
           <a:p>
             <a:fld id="{5A79A1DE-66FD-A749-ABEF-6F9EBBAE08DC}" type="datetime1">
               <a:rPr kumimoji="1" lang="ja-JP" altLang="en-US" smtClean="0"/>
-              <a:t>16/09/09</a:t>
+              <a:t>16/09/10</a:t>
             </a:fld>
             <a:endParaRPr kumimoji="1" lang="ja-JP" altLang="en-US"/>
           </a:p>
@@ -19272,14 +18119,14 @@
             <p:ph idx="1"/>
             <p:extLst>
               <p:ext uri="{D42A27DB-BD31-4B8C-83A1-F6EECF244321}">
-                <p14:modId xmlns:p14="http://schemas.microsoft.com/office/powerpoint/2010/main" val="2755395328"/>
+                <p14:modId xmlns:p14="http://schemas.microsoft.com/office/powerpoint/2010/main" val="1024318272"/>
               </p:ext>
             </p:extLst>
           </p:nvPr>
         </p:nvGraphicFramePr>
         <p:xfrm>
           <a:off x="457200" y="1600200"/>
-          <a:ext cx="8229600" cy="4525963"/>
+          <a:ext cx="8229600" cy="1340373"/>
         </p:xfrm>
         <a:graphic>
           <a:graphicData uri="http://schemas.openxmlformats.org/drawingml/2006/diagram">
@@ -19313,6 +18160,88 @@
               <a:latin typeface="Arial"/>
               <a:cs typeface="Arial"/>
             </a:endParaRPr>
+          </a:p>
+        </p:txBody>
+      </p:sp>
+      <p:sp>
+        <p:nvSpPr>
+          <p:cNvPr id="3" name="テキスト ボックス 2"/>
+          <p:cNvSpPr txBox="1"/>
+          <p:nvPr/>
+        </p:nvSpPr>
+        <p:spPr>
+          <a:xfrm>
+            <a:off x="823732" y="3263594"/>
+            <a:ext cx="7310624" cy="2641749"/>
+          </a:xfrm>
+          <a:prstGeom prst="rect">
+            <a:avLst/>
+          </a:prstGeom>
+          <a:noFill/>
+        </p:spPr>
+        <p:txBody>
+          <a:bodyPr wrap="square" rtlCol="0">
+            <a:spAutoFit/>
+          </a:bodyPr>
+          <a:lstStyle/>
+          <a:p>
+            <a:pPr marL="342900" indent="-342900">
+              <a:lnSpc>
+                <a:spcPct val="150000"/>
+              </a:lnSpc>
+              <a:buFont typeface="+mj-lt"/>
+              <a:buAutoNum type="arabicPeriod"/>
+            </a:pPr>
+            <a:r>
+              <a:rPr kumimoji="1" lang="ja-JP" altLang="en-US" sz="2800" dirty="0" smtClean="0"/>
+              <a:t>理論上でしか存在しない素元波を動的に見せることにより</a:t>
+            </a:r>
+            <a:r>
+              <a:rPr kumimoji="1" lang="en-US" altLang="ja-JP" sz="2800" dirty="0" smtClean="0"/>
+              <a:t>,</a:t>
+            </a:r>
+            <a:r>
+              <a:rPr kumimoji="1" lang="ja-JP" altLang="en-US" sz="2800" dirty="0" smtClean="0"/>
+              <a:t>深く印象付けることができる</a:t>
+            </a:r>
+            <a:r>
+              <a:rPr kumimoji="1" lang="en-US" altLang="ja-JP" sz="2800" dirty="0" smtClean="0"/>
+              <a:t>.</a:t>
+            </a:r>
+          </a:p>
+          <a:p>
+            <a:pPr marL="342900" indent="-342900">
+              <a:lnSpc>
+                <a:spcPct val="150000"/>
+              </a:lnSpc>
+              <a:buFont typeface="+mj-lt"/>
+              <a:buAutoNum type="arabicPeriod"/>
+            </a:pPr>
+            <a:r>
+              <a:rPr lang="ja-JP" altLang="en-US" sz="2800" dirty="0" smtClean="0"/>
+              <a:t>この原理を理解することで波の反射</a:t>
+            </a:r>
+            <a:r>
+              <a:rPr lang="en-US" altLang="ja-JP" sz="2800" dirty="0" smtClean="0"/>
+              <a:t>,</a:t>
+            </a:r>
+            <a:r>
+              <a:rPr lang="ja-JP" altLang="en-US" sz="2800" dirty="0" smtClean="0"/>
+              <a:t>屈折</a:t>
+            </a:r>
+            <a:r>
+              <a:rPr lang="en-US" altLang="ja-JP" sz="2800" dirty="0" smtClean="0"/>
+              <a:t>,</a:t>
+            </a:r>
+            <a:r>
+              <a:rPr lang="ja-JP" altLang="en-US" sz="2800" dirty="0" smtClean="0"/>
+              <a:t>回折といった性質を全て理解できる</a:t>
+            </a:r>
+            <a:r>
+              <a:rPr lang="en-US" altLang="ja-JP" sz="2800" dirty="0" smtClean="0"/>
+              <a:t>.</a:t>
+            </a:r>
+            <a:endParaRPr kumimoji="1" lang="ja-JP" altLang="en-US" sz="2800" dirty="0"/>
           </a:p>
         </p:txBody>
       </p:sp>
@@ -19796,14 +18725,14 @@
             <p:ph idx="1"/>
             <p:extLst>
               <p:ext uri="{D42A27DB-BD31-4B8C-83A1-F6EECF244321}">
-                <p14:modId xmlns:p14="http://schemas.microsoft.com/office/powerpoint/2010/main" val="4016505149"/>
+                <p14:modId xmlns:p14="http://schemas.microsoft.com/office/powerpoint/2010/main" val="1310809407"/>
               </p:ext>
             </p:extLst>
           </p:nvPr>
         </p:nvGraphicFramePr>
         <p:xfrm>
-          <a:off x="480081" y="1417638"/>
-          <a:ext cx="8229600" cy="4525963"/>
+          <a:off x="480081" y="1303219"/>
+          <a:ext cx="8229600" cy="1202561"/>
         </p:xfrm>
         <a:graphic>
           <a:graphicData uri="http://schemas.openxmlformats.org/drawingml/2006/diagram">
@@ -19831,6 +18760,78 @@
               <a:t>6</a:t>
             </a:r>
             <a:endParaRPr kumimoji="1" lang="ja-JP" altLang="en-US" sz="2800" dirty="0"/>
+          </a:p>
+        </p:txBody>
+      </p:sp>
+      <p:sp>
+        <p:nvSpPr>
+          <p:cNvPr id="3" name="テキスト ボックス 2"/>
+          <p:cNvSpPr txBox="1"/>
+          <p:nvPr/>
+        </p:nvSpPr>
+        <p:spPr>
+          <a:xfrm>
+            <a:off x="915258" y="2940573"/>
+            <a:ext cx="7322065" cy="2862322"/>
+          </a:xfrm>
+          <a:prstGeom prst="rect">
+            <a:avLst/>
+          </a:prstGeom>
+          <a:noFill/>
+        </p:spPr>
+        <p:txBody>
+          <a:bodyPr wrap="square" rtlCol="0">
+            <a:spAutoFit/>
+          </a:bodyPr>
+          <a:lstStyle/>
+          <a:p>
+            <a:pPr marL="342900" indent="-342900">
+              <a:lnSpc>
+                <a:spcPct val="150000"/>
+              </a:lnSpc>
+              <a:buFont typeface="+mj-lt"/>
+              <a:buAutoNum type="arabicPeriod"/>
+            </a:pPr>
+            <a:r>
+              <a:rPr lang="ja-JP" altLang="en-US" sz="3600" dirty="0" smtClean="0"/>
+              <a:t>素元波の表示切り替え</a:t>
+            </a:r>
+            <a:endParaRPr lang="en-US" altLang="ja-JP" sz="3600" dirty="0"/>
+          </a:p>
+          <a:p>
+            <a:pPr marL="342900" indent="-342900">
+              <a:lnSpc>
+                <a:spcPct val="150000"/>
+              </a:lnSpc>
+              <a:buFont typeface="+mj-lt"/>
+              <a:buAutoNum type="arabicPeriod"/>
+            </a:pPr>
+            <a:r>
+              <a:rPr kumimoji="1" lang="ja-JP" altLang="en-US" sz="3600" dirty="0" smtClean="0"/>
+              <a:t>素元波の</a:t>
+            </a:r>
+            <a:r>
+              <a:rPr lang="ja-JP" altLang="en-US" sz="3600" dirty="0" smtClean="0"/>
+              <a:t>点源数を変更可能に</a:t>
+            </a:r>
+            <a:endParaRPr lang="en-US" altLang="ja-JP" sz="3600" dirty="0" smtClean="0"/>
+          </a:p>
+          <a:p>
+            <a:pPr marL="342900" indent="-342900">
+              <a:lnSpc>
+                <a:spcPct val="150000"/>
+              </a:lnSpc>
+              <a:buFont typeface="+mj-lt"/>
+              <a:buAutoNum type="arabicPeriod"/>
+            </a:pPr>
+            <a:r>
+              <a:rPr kumimoji="1" lang="ja-JP" altLang="en-US" sz="3600" dirty="0" smtClean="0"/>
+              <a:t>波の強度の視覚化</a:t>
+            </a:r>
+            <a:endParaRPr kumimoji="1" lang="en-US" altLang="ja-JP" sz="3600" dirty="0" smtClean="0"/>
+          </a:p>
+          <a:p>
+            <a:endParaRPr kumimoji="1" lang="ja-JP" altLang="en-US" dirty="0"/>
           </a:p>
         </p:txBody>
       </p:sp>
